--- a/solo project/07_1'st Project/Choijinyoung-project-ppt.pptx
+++ b/solo project/07_1'st Project/Choijinyoung-project-ppt.pptx
@@ -5,10 +5,10 @@
     <p:sldMasterId id="2147483648" r:id="rId1"/>
   </p:sldMasterIdLst>
   <p:notesMasterIdLst>
-    <p:notesMasterId r:id="rId26"/>
+    <p:notesMasterId r:id="rId27"/>
   </p:notesMasterIdLst>
   <p:handoutMasterIdLst>
-    <p:handoutMasterId r:id="rId27"/>
+    <p:handoutMasterId r:id="rId28"/>
   </p:handoutMasterIdLst>
   <p:sldIdLst>
     <p:sldId id="256" r:id="rId2"/>
@@ -35,6 +35,7 @@
     <p:sldId id="345" r:id="rId23"/>
     <p:sldId id="346" r:id="rId24"/>
     <p:sldId id="341" r:id="rId25"/>
+    <p:sldId id="348" r:id="rId26"/>
   </p:sldIdLst>
   <p:sldSz cx="9144000" cy="5143500" type="screen16x9"/>
   <p:notesSz cx="6858000" cy="9144000"/>
@@ -253,7 +254,7 @@
           <a:p>
             <a:fld id="{684ABEAC-FD1E-446D-854E-09142DFB339C}" type="datetimeFigureOut">
               <a:rPr lang="ko-KR" altLang="en-US" smtClean="0"/>
-              <a:t>2022-06-24</a:t>
+              <a:t>2022-07-07</a:t>
             </a:fld>
             <a:endParaRPr lang="ko-KR" altLang="en-US"/>
           </a:p>
@@ -418,7 +419,7 @@
           <a:p>
             <a:fld id="{E299D967-67B2-4132-B52D-A253871A1F24}" type="datetimeFigureOut">
               <a:rPr lang="ko-KR" altLang="en-US" smtClean="0"/>
-              <a:t>2022-06-24</a:t>
+              <a:t>2022-07-07</a:t>
             </a:fld>
             <a:endParaRPr lang="ko-KR" altLang="en-US"/>
           </a:p>
@@ -742,7 +743,7 @@
               <a:buNone/>
             </a:pPr>
             <a:r>
-              <a:rPr lang="ko-KR" altLang="en-US" sz="1200" dirty="0" smtClean="0">
+              <a:rPr lang="ko-KR" altLang="en-US" sz="1200" dirty="0">
                 <a:solidFill>
                   <a:srgbClr val="464646"/>
                 </a:solidFill>
@@ -752,7 +753,7 @@
               <a:t>기존에 운용되고 있는 공공도서관 및 대학도서관 웹 페이지 및 도서관 관리 시스템인 </a:t>
             </a:r>
             <a:r>
-              <a:rPr lang="en-US" altLang="ko-KR" sz="1200" dirty="0" smtClean="0">
+              <a:rPr lang="en-US" altLang="ko-KR" sz="1200" dirty="0">
                 <a:solidFill>
                   <a:srgbClr val="464646"/>
                 </a:solidFill>
@@ -762,7 +763,7 @@
               <a:t>KOLAS</a:t>
             </a:r>
             <a:r>
-              <a:rPr lang="ko-KR" altLang="en-US" sz="1200" dirty="0" smtClean="0">
+              <a:rPr lang="ko-KR" altLang="en-US" sz="1200" dirty="0">
                 <a:solidFill>
                   <a:srgbClr val="464646"/>
                 </a:solidFill>
@@ -771,7 +772,7 @@
               </a:rPr>
               <a:t>를 참조</a:t>
             </a:r>
-            <a:endParaRPr lang="en-US" altLang="ko-KR" sz="1200" dirty="0" smtClean="0">
+            <a:endParaRPr lang="en-US" altLang="ko-KR" sz="1200" dirty="0">
               <a:solidFill>
                 <a:srgbClr val="464646"/>
               </a:solidFill>
@@ -1128,7 +1129,7 @@
           <a:p>
             <a:fld id="{20303F18-CB98-4E85-A37B-EF5A4E6C8DE7}" type="datetime1">
               <a:rPr lang="ko-KR" altLang="en-US" smtClean="0"/>
-              <a:t>2022-06-24</a:t>
+              <a:t>2022-07-07</a:t>
             </a:fld>
             <a:endParaRPr lang="ko-KR" altLang="en-US"/>
           </a:p>
@@ -1301,7 +1302,7 @@
           <a:p>
             <a:fld id="{CCA16C65-58A5-46D5-A762-12670B92641B}" type="datetime1">
               <a:rPr lang="ko-KR" altLang="en-US" smtClean="0"/>
-              <a:t>2022-06-24</a:t>
+              <a:t>2022-07-07</a:t>
             </a:fld>
             <a:endParaRPr lang="ko-KR" altLang="en-US"/>
           </a:p>
@@ -1479,7 +1480,7 @@
           <a:p>
             <a:fld id="{2D09A68A-AC6E-41FE-B28C-2BB812CC2E01}" type="datetime1">
               <a:rPr lang="ko-KR" altLang="en-US" smtClean="0"/>
-              <a:t>2022-06-24</a:t>
+              <a:t>2022-07-07</a:t>
             </a:fld>
             <a:endParaRPr lang="ko-KR" altLang="en-US"/>
           </a:p>
@@ -1647,7 +1648,7 @@
           <a:p>
             <a:fld id="{690B8B09-A0F3-4880-B090-7FDDEE5B5065}" type="datetime1">
               <a:rPr lang="ko-KR" altLang="en-US" smtClean="0"/>
-              <a:t>2022-06-24</a:t>
+              <a:t>2022-07-07</a:t>
             </a:fld>
             <a:endParaRPr lang="ko-KR" altLang="en-US"/>
           </a:p>
@@ -1892,7 +1893,7 @@
           <a:p>
             <a:fld id="{82F7D3F4-816B-4FA6-91FC-91836ECD0E53}" type="datetime1">
               <a:rPr lang="ko-KR" altLang="en-US" smtClean="0"/>
-              <a:t>2022-06-24</a:t>
+              <a:t>2022-07-07</a:t>
             </a:fld>
             <a:endParaRPr lang="ko-KR" altLang="en-US"/>
           </a:p>
@@ -2177,7 +2178,7 @@
           <a:p>
             <a:fld id="{2FB9FCFF-984A-4549-AB53-391F9EC1244A}" type="datetime1">
               <a:rPr lang="ko-KR" altLang="en-US" smtClean="0"/>
-              <a:t>2022-06-24</a:t>
+              <a:t>2022-07-07</a:t>
             </a:fld>
             <a:endParaRPr lang="ko-KR" altLang="en-US"/>
           </a:p>
@@ -2596,7 +2597,7 @@
           <a:p>
             <a:fld id="{94618DE4-C4FE-4171-90C7-38CF01638033}" type="datetime1">
               <a:rPr lang="ko-KR" altLang="en-US" smtClean="0"/>
-              <a:t>2022-06-24</a:t>
+              <a:t>2022-07-07</a:t>
             </a:fld>
             <a:endParaRPr lang="ko-KR" altLang="en-US"/>
           </a:p>
@@ -2713,7 +2714,7 @@
           <a:p>
             <a:fld id="{33587621-9D18-4C20-9B84-3E938621A025}" type="datetime1">
               <a:rPr lang="ko-KR" altLang="en-US" smtClean="0"/>
-              <a:t>2022-06-24</a:t>
+              <a:t>2022-07-07</a:t>
             </a:fld>
             <a:endParaRPr lang="ko-KR" altLang="en-US"/>
           </a:p>
@@ -3397,7 +3398,7 @@
           <a:p>
             <a:fld id="{B517649B-2577-404C-858E-51E9DEBB2548}" type="datetime1">
               <a:rPr lang="ko-KR" altLang="en-US" smtClean="0"/>
-              <a:t>2022-06-24</a:t>
+              <a:t>2022-07-07</a:t>
             </a:fld>
             <a:endParaRPr lang="ko-KR" altLang="en-US"/>
           </a:p>
@@ -3649,7 +3650,7 @@
           <a:p>
             <a:fld id="{8D84C674-EF46-4F27-9E3E-4F6A170B0DC6}" type="datetime1">
               <a:rPr lang="ko-KR" altLang="en-US" smtClean="0"/>
-              <a:t>2022-06-24</a:t>
+              <a:t>2022-07-07</a:t>
             </a:fld>
             <a:endParaRPr lang="ko-KR" altLang="en-US"/>
           </a:p>
@@ -3860,7 +3861,7 @@
           <a:p>
             <a:fld id="{B40F11ED-9D7B-4CCE-A57D-CC1D7760FB25}" type="datetime1">
               <a:rPr lang="ko-KR" altLang="en-US" smtClean="0"/>
-              <a:t>2022-06-24</a:t>
+              <a:t>2022-07-07</a:t>
             </a:fld>
             <a:endParaRPr lang="ko-KR" altLang="en-US"/>
           </a:p>
@@ -4236,109 +4237,6 @@
           <a:chExt cx="0" cy="0"/>
         </a:xfrm>
       </p:grpSpPr>
-      <p:pic>
-        <p:nvPicPr>
-          <p:cNvPr id="1027" name="Picture 3"/>
-          <p:cNvPicPr>
-            <a:picLocks noChangeAspect="1" noChangeArrowheads="1"/>
-          </p:cNvPicPr>
-          <p:nvPr/>
-        </p:nvPicPr>
-        <p:blipFill>
-          <a:blip r:embed="rId2">
-            <a:extLst>
-              <a:ext uri="{28A0092B-C50C-407E-A947-70E740481C1C}">
-                <a14:useLocalDpi xmlns:a14="http://schemas.microsoft.com/office/drawing/2010/main" val="0"/>
-              </a:ext>
-            </a:extLst>
-          </a:blip>
-          <a:srcRect/>
-          <a:stretch>
-            <a:fillRect/>
-          </a:stretch>
-        </p:blipFill>
-        <p:spPr bwMode="auto">
-          <a:xfrm>
-            <a:off x="9936" y="884813"/>
-            <a:ext cx="823905" cy="648072"/>
-          </a:xfrm>
-          <a:prstGeom prst="rect">
-            <a:avLst/>
-          </a:prstGeom>
-          <a:noFill/>
-          <a:ln>
-            <a:noFill/>
-          </a:ln>
-          <a:effectLst/>
-          <a:extLst>
-            <a:ext uri="{909E8E84-426E-40DD-AFC4-6F175D3DCCD1}">
-              <a14:hiddenFill xmlns:a14="http://schemas.microsoft.com/office/drawing/2010/main">
-                <a:solidFill>
-                  <a:schemeClr val="accent1"/>
-                </a:solidFill>
-              </a14:hiddenFill>
-            </a:ext>
-            <a:ext uri="{91240B29-F687-4F45-9708-019B960494DF}">
-              <a14:hiddenLine xmlns:a14="http://schemas.microsoft.com/office/drawing/2010/main" w="9525">
-                <a:solidFill>
-                  <a:schemeClr val="tx1"/>
-                </a:solidFill>
-                <a:miter lim="800000"/>
-                <a:headEnd/>
-                <a:tailEnd/>
-              </a14:hiddenLine>
-            </a:ext>
-            <a:ext uri="{AF507438-7753-43E0-B8FC-AC1667EBCBE1}">
-              <a14:hiddenEffects xmlns:a14="http://schemas.microsoft.com/office/drawing/2010/main">
-                <a:effectLst>
-                  <a:outerShdw dist="35921" dir="2700000" algn="ctr" rotWithShape="0">
-                    <a:schemeClr val="bg2"/>
-                  </a:outerShdw>
-                </a:effectLst>
-              </a14:hiddenEffects>
-            </a:ext>
-          </a:extLst>
-        </p:spPr>
-      </p:pic>
-      <p:pic>
-        <p:nvPicPr>
-          <p:cNvPr id="11" name="Picture 20" descr="https://jessgroopman.files.wordpress.com/2014/02/istock_iotpost_interoperability.png"/>
-          <p:cNvPicPr>
-            <a:picLocks noChangeAspect="1" noChangeArrowheads="1"/>
-          </p:cNvPicPr>
-          <p:nvPr/>
-        </p:nvPicPr>
-        <p:blipFill rotWithShape="1">
-          <a:blip r:embed="rId3" cstate="screen">
-            <a:extLst>
-              <a:ext uri="{BEBA8EAE-BF5A-486C-A8C5-ECC9F3942E4B}">
-                <a14:imgProps xmlns:a14="http://schemas.microsoft.com/office/drawing/2010/main">
-                  <a14:imgLayer r:embed="rId4">
-                    <a14:imgEffect>
-                      <a14:brightnessContrast bright="20000"/>
-                    </a14:imgEffect>
-                  </a14:imgLayer>
-                </a14:imgProps>
-              </a:ext>
-              <a:ext uri="{28A0092B-C50C-407E-A947-70E740481C1C}">
-                <a14:useLocalDpi xmlns:a14="http://schemas.microsoft.com/office/drawing/2010/main"/>
-              </a:ext>
-            </a:extLst>
-          </a:blip>
-          <a:srcRect l="15721" t="6507"/>
-          <a:stretch/>
-        </p:blipFill>
-        <p:spPr bwMode="auto">
-          <a:xfrm flipH="1">
-            <a:off x="6777752" y="1532884"/>
-            <a:ext cx="1466656" cy="1135982"/>
-          </a:xfrm>
-          <a:prstGeom prst="rect">
-            <a:avLst/>
-          </a:prstGeom>
-          <a:noFill/>
-        </p:spPr>
-      </p:pic>
       <p:sp>
         <p:nvSpPr>
           <p:cNvPr id="12" name="TextBox 11"/>
@@ -4347,8 +4245,8 @@
         </p:nvSpPr>
         <p:spPr>
           <a:xfrm>
-            <a:off x="459805" y="1893716"/>
-            <a:ext cx="1677062" cy="523220"/>
+            <a:off x="89401" y="1779662"/>
+            <a:ext cx="2826415" cy="769441"/>
           </a:xfrm>
           <a:prstGeom prst="rect">
             <a:avLst/>
@@ -4363,7 +4261,7 @@
           <a:p>
             <a:pPr algn="r"/>
             <a:r>
-              <a:rPr lang="en-US" altLang="ko-KR" sz="2800" b="1" spc="-300" dirty="0" smtClean="0">
+              <a:rPr lang="en-US" altLang="ko-KR" sz="4400" b="1" spc="-300" dirty="0">
                 <a:solidFill>
                   <a:schemeClr val="bg2">
                     <a:lumMod val="25000"/>
@@ -4375,7 +4273,31 @@
               <a:t>“</a:t>
             </a:r>
             <a:r>
-              <a:rPr lang="ko-KR" altLang="en-US" sz="2800" b="1" spc="-300" dirty="0">
+              <a:rPr lang="ko-KR" altLang="en-US" sz="4400" b="1" spc="-300" dirty="0">
+                <a:solidFill>
+                  <a:schemeClr val="bg2">
+                    <a:lumMod val="25000"/>
+                  </a:schemeClr>
+                </a:solidFill>
+                <a:latin typeface="HY헤드라인M" pitchFamily="18" charset="-127"/>
+                <a:ea typeface="HY헤드라인M" pitchFamily="18" charset="-127"/>
+              </a:rPr>
+              <a:t>  반 </a:t>
+            </a:r>
+            <a:r>
+              <a:rPr lang="ko-KR" altLang="en-US" sz="4400" b="1" spc="-300" dirty="0" err="1">
+                <a:solidFill>
+                  <a:schemeClr val="bg2">
+                    <a:lumMod val="25000"/>
+                  </a:schemeClr>
+                </a:solidFill>
+                <a:latin typeface="HY헤드라인M" pitchFamily="18" charset="-127"/>
+                <a:ea typeface="HY헤드라인M" pitchFamily="18" charset="-127"/>
+              </a:rPr>
+              <a:t>려</a:t>
+            </a:r>
+            <a:r>
+              <a:rPr lang="ko-KR" altLang="en-US" sz="4400" b="1" spc="-300" dirty="0">
                 <a:solidFill>
                   <a:schemeClr val="bg2">
                     <a:lumMod val="25000"/>
@@ -4387,19 +4309,7 @@
               <a:t> </a:t>
             </a:r>
             <a:r>
-              <a:rPr lang="ko-KR" altLang="en-US" sz="2800" b="1" spc="-300" dirty="0" smtClean="0">
-                <a:solidFill>
-                  <a:schemeClr val="bg2">
-                    <a:lumMod val="25000"/>
-                  </a:schemeClr>
-                </a:solidFill>
-                <a:latin typeface="HY헤드라인M" pitchFamily="18" charset="-127"/>
-                <a:ea typeface="HY헤드라인M" pitchFamily="18" charset="-127"/>
-              </a:rPr>
-              <a:t> 반려 </a:t>
-            </a:r>
-            <a:r>
-              <a:rPr lang="en-US" altLang="ko-KR" sz="2800" b="1" spc="-300" dirty="0" smtClean="0">
+              <a:rPr lang="en-US" altLang="ko-KR" sz="4400" b="1" spc="-300" dirty="0">
                 <a:solidFill>
                   <a:schemeClr val="bg2">
                     <a:lumMod val="25000"/>
@@ -4506,35 +4416,35 @@
           <a:lstStyle/>
           <a:p>
             <a:r>
-              <a:rPr lang="en-US" altLang="ko-KR" sz="2000" smtClean="0">
+              <a:rPr lang="en-US" altLang="ko-KR" sz="2000" dirty="0">
                 <a:latin typeface="가는안상수체" pitchFamily="2" charset="-127"/>
                 <a:ea typeface="가는안상수체" pitchFamily="2" charset="-127"/>
               </a:rPr>
               <a:t>2022</a:t>
             </a:r>
             <a:r>
-              <a:rPr lang="ko-KR" altLang="en-US" sz="1200" smtClean="0">
+              <a:rPr lang="ko-KR" altLang="en-US" sz="1200" dirty="0">
                 <a:latin typeface="가는안상수체" pitchFamily="2" charset="-127"/>
                 <a:ea typeface="가는안상수체" pitchFamily="2" charset="-127"/>
               </a:rPr>
               <a:t>년</a:t>
             </a:r>
             <a:r>
-              <a:rPr lang="ko-KR" altLang="en-US" sz="2000" spc="-150" smtClean="0">
+              <a:rPr lang="ko-KR" altLang="en-US" sz="2000" spc="-150" dirty="0">
                 <a:latin typeface="가는안상수체" pitchFamily="2" charset="-127"/>
                 <a:ea typeface="가는안상수체" pitchFamily="2" charset="-127"/>
               </a:rPr>
               <a:t> </a:t>
             </a:r>
             <a:r>
-              <a:rPr lang="en-US" altLang="ko-KR" sz="2000" spc="-150" smtClean="0">
+              <a:rPr lang="en-US" altLang="ko-KR" sz="2000" spc="-150" dirty="0">
                 <a:latin typeface="가는안상수체" pitchFamily="2" charset="-127"/>
                 <a:ea typeface="가는안상수체" pitchFamily="2" charset="-127"/>
               </a:rPr>
               <a:t>07</a:t>
             </a:r>
             <a:r>
-              <a:rPr lang="ko-KR" altLang="en-US" sz="1200" spc="-150" smtClean="0">
+              <a:rPr lang="ko-KR" altLang="en-US" sz="1200" spc="-150" dirty="0">
                 <a:latin typeface="가는안상수체" pitchFamily="2" charset="-127"/>
                 <a:ea typeface="가는안상수체" pitchFamily="2" charset="-127"/>
                 <a:cs typeface="Arial Unicode MS" pitchFamily="50" charset="-127"/>
@@ -4542,21 +4452,21 @@
               <a:t>월</a:t>
             </a:r>
             <a:r>
-              <a:rPr lang="ko-KR" altLang="en-US" sz="2000" spc="-150" smtClean="0">
+              <a:rPr lang="ko-KR" altLang="en-US" sz="2000" spc="-150" dirty="0">
                 <a:latin typeface="가는안상수체" pitchFamily="2" charset="-127"/>
                 <a:ea typeface="가는안상수체" pitchFamily="2" charset="-127"/>
               </a:rPr>
               <a:t> </a:t>
             </a:r>
             <a:r>
-              <a:rPr lang="en-US" altLang="ko-KR" sz="2000" spc="-150" smtClean="0">
+              <a:rPr lang="en-US" altLang="ko-KR" sz="2000" spc="-150" dirty="0">
                 <a:latin typeface="가는안상수체" pitchFamily="2" charset="-127"/>
                 <a:ea typeface="가는안상수체" pitchFamily="2" charset="-127"/>
               </a:rPr>
               <a:t> 08</a:t>
             </a:r>
             <a:r>
-              <a:rPr lang="ko-KR" altLang="en-US" sz="1200" spc="-150" smtClean="0">
+              <a:rPr lang="ko-KR" altLang="en-US" sz="1200" spc="-150" dirty="0">
                 <a:latin typeface="가는안상수체" pitchFamily="2" charset="-127"/>
                 <a:ea typeface="가는안상수체" pitchFamily="2" charset="-127"/>
                 <a:cs typeface="Arial Unicode MS" pitchFamily="50" charset="-127"/>
@@ -4564,21 +4474,21 @@
               <a:t>일</a:t>
             </a:r>
             <a:r>
-              <a:rPr lang="en-US" altLang="ko-KR" sz="2000" spc="-150" smtClean="0">
+              <a:rPr lang="en-US" altLang="ko-KR" sz="2000" spc="-150" dirty="0">
                 <a:latin typeface="가는안상수체" pitchFamily="2" charset="-127"/>
                 <a:ea typeface="가는안상수체" pitchFamily="2" charset="-127"/>
               </a:rPr>
               <a:t>  </a:t>
             </a:r>
             <a:r>
-              <a:rPr lang="ko-KR" altLang="en-US" sz="2000" spc="-150" smtClean="0">
+              <a:rPr lang="ko-KR" altLang="en-US" sz="2000" spc="-150" dirty="0">
                 <a:latin typeface="가는안상수체" pitchFamily="2" charset="-127"/>
                 <a:ea typeface="가는안상수체" pitchFamily="2" charset="-127"/>
               </a:rPr>
               <a:t>금</a:t>
             </a:r>
             <a:r>
-              <a:rPr lang="ko-KR" altLang="en-US" sz="1200" spc="-150" smtClean="0">
+              <a:rPr lang="ko-KR" altLang="en-US" sz="1200" spc="-150" dirty="0">
                 <a:latin typeface="가는안상수체" pitchFamily="2" charset="-127"/>
                 <a:ea typeface="가는안상수체" pitchFamily="2" charset="-127"/>
                 <a:cs typeface="Arial Unicode MS" pitchFamily="50" charset="-127"/>
@@ -4586,21 +4496,21 @@
               <a:t>요일</a:t>
             </a:r>
             <a:r>
-              <a:rPr lang="ko-KR" altLang="en-US" sz="2000" spc="-150" smtClean="0">
+              <a:rPr lang="ko-KR" altLang="en-US" sz="2000" spc="-150" dirty="0">
                 <a:latin typeface="가는안상수체" pitchFamily="2" charset="-127"/>
                 <a:ea typeface="가는안상수체" pitchFamily="2" charset="-127"/>
               </a:rPr>
               <a:t> </a:t>
             </a:r>
             <a:r>
-              <a:rPr lang="en-US" altLang="ko-KR" sz="2000" spc="-150" smtClean="0">
+              <a:rPr lang="en-US" altLang="ko-KR" sz="2000" spc="-150" dirty="0">
                 <a:latin typeface="가는안상수체" pitchFamily="2" charset="-127"/>
                 <a:ea typeface="가는안상수체" pitchFamily="2" charset="-127"/>
               </a:rPr>
               <a:t> 1</a:t>
             </a:r>
             <a:r>
-              <a:rPr lang="ko-KR" altLang="en-US" sz="1200" spc="-150" smtClean="0">
+              <a:rPr lang="ko-KR" altLang="en-US" sz="1200" spc="-150" dirty="0">
                 <a:latin typeface="가는안상수체" pitchFamily="2" charset="-127"/>
                 <a:ea typeface="가는안상수체" pitchFamily="2" charset="-127"/>
                 <a:cs typeface="Arial Unicode MS" pitchFamily="50" charset="-127"/>
@@ -4608,7 +4518,7 @@
               <a:t>시</a:t>
             </a:r>
             <a:r>
-              <a:rPr lang="en-US" altLang="ko-KR" sz="1200" spc="-150" smtClean="0">
+              <a:rPr lang="en-US" altLang="ko-KR" sz="1200" spc="-150" dirty="0">
                 <a:latin typeface="가는안상수체" pitchFamily="2" charset="-127"/>
                 <a:ea typeface="가는안상수체" pitchFamily="2" charset="-127"/>
               </a:rPr>
@@ -4619,14 +4529,7 @@
                 <a:latin typeface="가는안상수체" pitchFamily="2" charset="-127"/>
                 <a:ea typeface="가는안상수체" pitchFamily="2" charset="-127"/>
               </a:rPr>
-              <a:t>3</a:t>
-            </a:r>
-            <a:r>
-              <a:rPr lang="en-US" altLang="ko-KR" sz="2000" spc="-150" smtClean="0">
-                <a:latin typeface="가는안상수체" pitchFamily="2" charset="-127"/>
-                <a:ea typeface="가는안상수체" pitchFamily="2" charset="-127"/>
-              </a:rPr>
-              <a:t>0</a:t>
+              <a:t>30</a:t>
             </a:r>
             <a:r>
               <a:rPr lang="ko-KR" altLang="en-US" sz="1200" spc="-150" dirty="0">
@@ -4666,7 +4569,7 @@
           <a:lstStyle/>
           <a:p>
             <a:r>
-              <a:rPr lang="ko-KR" altLang="en-US" b="1" dirty="0" smtClean="0">
+              <a:rPr lang="ko-KR" altLang="en-US" b="1" dirty="0">
                 <a:solidFill>
                   <a:srgbClr val="FFC000"/>
                 </a:solidFill>
@@ -4674,7 +4577,7 @@
               <a:t>정보처리산업기사 </a:t>
             </a:r>
             <a:r>
-              <a:rPr lang="ko-KR" altLang="en-US" b="1" dirty="0" err="1" smtClean="0">
+              <a:rPr lang="ko-KR" altLang="en-US" b="1" dirty="0" err="1">
                 <a:solidFill>
                   <a:srgbClr val="FFC000"/>
                 </a:solidFill>
@@ -4682,85 +4585,141 @@
               <a:t>과정평가형</a:t>
             </a:r>
             <a:r>
-              <a:rPr lang="ko-KR" altLang="en-US" b="1" dirty="0" smtClean="0">
+              <a:rPr lang="ko-KR" altLang="en-US" b="1" dirty="0">
                 <a:solidFill>
                   <a:srgbClr val="FFC000"/>
                 </a:solidFill>
               </a:rPr>
               <a:t> 자바 개발자 양성과정 최진영</a:t>
             </a:r>
-            <a:endParaRPr lang="ko-KR" altLang="en-US" b="1" dirty="0">
-              <a:solidFill>
-                <a:srgbClr val="FFC000"/>
-              </a:solidFill>
-            </a:endParaRPr>
           </a:p>
         </p:txBody>
       </p:sp>
       <p:pic>
         <p:nvPicPr>
-          <p:cNvPr id="1028" name="Picture 4"/>
+          <p:cNvPr id="4" name="그림 3">
+            <a:extLst>
+              <a:ext uri="{FF2B5EF4-FFF2-40B4-BE49-F238E27FC236}">
+                <a16:creationId xmlns:a16="http://schemas.microsoft.com/office/drawing/2014/main" id="{D4A3BD4E-4758-7B72-8F57-2348BEB4A032}"/>
+              </a:ext>
+            </a:extLst>
+          </p:cNvPr>
           <p:cNvPicPr>
-            <a:picLocks noChangeAspect="1" noChangeArrowheads="1"/>
+            <a:picLocks noChangeAspect="1"/>
           </p:cNvPicPr>
           <p:nvPr/>
         </p:nvPicPr>
         <p:blipFill>
-          <a:blip r:embed="rId5">
-            <a:extLst>
-              <a:ext uri="{28A0092B-C50C-407E-A947-70E740481C1C}">
-                <a14:useLocalDpi xmlns:a14="http://schemas.microsoft.com/office/drawing/2010/main" val="0"/>
-              </a:ext>
-            </a:extLst>
-          </a:blip>
-          <a:srcRect/>
+          <a:blip r:embed="rId2"/>
           <a:stretch>
             <a:fillRect/>
           </a:stretch>
         </p:blipFill>
-        <p:spPr bwMode="auto">
-          <a:xfrm rot="20946070">
-            <a:off x="6736966" y="3567127"/>
-            <a:ext cx="2258852" cy="1513430"/>
+        <p:spPr>
+          <a:xfrm>
+            <a:off x="0" y="587419"/>
+            <a:ext cx="827584" cy="933180"/>
+          </a:xfrm>
+          <a:prstGeom prst="rect">
+            <a:avLst/>
+          </a:prstGeom>
+        </p:spPr>
+      </p:pic>
+      <p:pic>
+        <p:nvPicPr>
+          <p:cNvPr id="6" name="그림 5">
+            <a:extLst>
+              <a:ext uri="{FF2B5EF4-FFF2-40B4-BE49-F238E27FC236}">
+                <a16:creationId xmlns:a16="http://schemas.microsoft.com/office/drawing/2014/main" id="{D59B210E-DDBD-A4E9-42B1-2612CD9121EF}"/>
+              </a:ext>
+            </a:extLst>
+          </p:cNvPr>
+          <p:cNvPicPr>
+            <a:picLocks noChangeAspect="1"/>
+          </p:cNvPicPr>
+          <p:nvPr/>
+        </p:nvPicPr>
+        <p:blipFill>
+          <a:blip r:embed="rId3"/>
+          <a:stretch>
+            <a:fillRect/>
+          </a:stretch>
+        </p:blipFill>
+        <p:spPr>
+          <a:xfrm>
+            <a:off x="6156176" y="1264965"/>
+            <a:ext cx="1623893" cy="1623893"/>
+          </a:xfrm>
+          <a:prstGeom prst="rect">
+            <a:avLst/>
+          </a:prstGeom>
+        </p:spPr>
+      </p:pic>
+      <p:sp>
+        <p:nvSpPr>
+          <p:cNvPr id="18" name="TextBox 17">
+            <a:extLst>
+              <a:ext uri="{FF2B5EF4-FFF2-40B4-BE49-F238E27FC236}">
+                <a16:creationId xmlns:a16="http://schemas.microsoft.com/office/drawing/2014/main" id="{FDE825C3-705E-9B5C-1C77-2A08D2A5928D}"/>
+              </a:ext>
+            </a:extLst>
+          </p:cNvPr>
+          <p:cNvSpPr txBox="1"/>
+          <p:nvPr/>
+        </p:nvSpPr>
+        <p:spPr>
+          <a:xfrm>
+            <a:off x="2796900" y="2233196"/>
+            <a:ext cx="1919116" cy="338554"/>
           </a:xfrm>
           <a:prstGeom prst="rect">
             <a:avLst/>
           </a:prstGeom>
           <a:noFill/>
-          <a:ln>
-            <a:noFill/>
-          </a:ln>
-          <a:effectLst/>
-          <a:extLst>
-            <a:ext uri="{909E8E84-426E-40DD-AFC4-6F175D3DCCD1}">
-              <a14:hiddenFill xmlns:a14="http://schemas.microsoft.com/office/drawing/2010/main">
+        </p:spPr>
+        <p:txBody>
+          <a:bodyPr wrap="none" rtlCol="0">
+            <a:spAutoFit/>
+          </a:bodyPr>
+          <a:lstStyle/>
+          <a:p>
+            <a:pPr algn="r"/>
+            <a:r>
+              <a:rPr lang="en-US" altLang="ko-KR" sz="1600" b="1" spc="-300" dirty="0">
                 <a:solidFill>
-                  <a:schemeClr val="accent1"/>
+                  <a:schemeClr val="bg2">
+                    <a:lumMod val="25000"/>
+                  </a:schemeClr>
                 </a:solidFill>
-              </a14:hiddenFill>
-            </a:ext>
-            <a:ext uri="{91240B29-F687-4F45-9708-019B960494DF}">
-              <a14:hiddenLine xmlns:a14="http://schemas.microsoft.com/office/drawing/2010/main" w="9525">
+                <a:latin typeface="HY헤드라인M" pitchFamily="18" charset="-127"/>
+                <a:ea typeface="HY헤드라인M" pitchFamily="18" charset="-127"/>
+              </a:rPr>
+              <a:t>:   </a:t>
+            </a:r>
+            <a:r>
+              <a:rPr lang="ko-KR" altLang="en-US" sz="1600" b="1" spc="-300" dirty="0">
                 <a:solidFill>
-                  <a:schemeClr val="tx1"/>
+                  <a:schemeClr val="bg2">
+                    <a:lumMod val="25000"/>
+                  </a:schemeClr>
                 </a:solidFill>
-                <a:miter lim="800000"/>
-                <a:headEnd/>
-                <a:tailEnd/>
-              </a14:hiddenLine>
-            </a:ext>
-            <a:ext uri="{AF507438-7753-43E0-B8FC-AC1667EBCBE1}">
-              <a14:hiddenEffects xmlns:a14="http://schemas.microsoft.com/office/drawing/2010/main">
-                <a:effectLst>
-                  <a:outerShdw dist="35921" dir="2700000" algn="ctr" rotWithShape="0">
-                    <a:schemeClr val="bg2"/>
-                  </a:outerShdw>
-                </a:effectLst>
-              </a14:hiddenEffects>
-            </a:ext>
-          </a:extLst>
-        </p:spPr>
-      </p:pic>
+                <a:latin typeface="HY헤드라인M" pitchFamily="18" charset="-127"/>
+                <a:ea typeface="HY헤드라인M" pitchFamily="18" charset="-127"/>
+              </a:rPr>
+              <a:t>인 생 을   함 께  하  다       </a:t>
+            </a:r>
+            <a:endParaRPr lang="en-US" altLang="ko-KR" sz="1600" b="1" spc="-300" dirty="0">
+              <a:solidFill>
+                <a:schemeClr val="bg2">
+                  <a:lumMod val="25000"/>
+                </a:schemeClr>
+              </a:solidFill>
+              <a:latin typeface="HY헤드라인M" pitchFamily="18" charset="-127"/>
+              <a:ea typeface="HY헤드라인M" pitchFamily="18" charset="-127"/>
+            </a:endParaRPr>
+          </a:p>
+        </p:txBody>
+      </p:sp>
     </p:spTree>
     <p:extLst>
       <p:ext uri="{BB962C8B-B14F-4D97-AF65-F5344CB8AC3E}">
@@ -4771,13 +4730,6 @@
   <p:clrMapOvr>
     <a:masterClrMapping/>
   </p:clrMapOvr>
-  <p:timing>
-    <p:tnLst>
-      <p:par>
-        <p:cTn id="1" dur="indefinite" restart="never" nodeType="tmRoot"/>
-      </p:par>
-    </p:tnLst>
-  </p:timing>
 </p:sld>
 </file>
 
@@ -4928,7 +4880,7 @@
               <a:buChar char="-"/>
             </a:pPr>
             <a:r>
-              <a:rPr lang="ko-KR" altLang="en-US" sz="1600" dirty="0" smtClean="0">
+              <a:rPr lang="ko-KR" altLang="en-US" sz="1600" dirty="0">
                 <a:solidFill>
                   <a:srgbClr val="464646"/>
                 </a:solidFill>
@@ -4936,56 +4888,6 @@
                 <a:ea typeface="한컴 윤고딕 230" panose="02020603020101020101" pitchFamily="18" charset="-127"/>
               </a:rPr>
               <a:t>로그인 후 내 서재 메뉴를 통해</a:t>
-            </a:r>
-            <a:r>
-              <a:rPr lang="en-US" altLang="ko-KR" sz="1600" dirty="0" smtClean="0">
-                <a:solidFill>
-                  <a:srgbClr val="464646"/>
-                </a:solidFill>
-                <a:latin typeface="한컴 윤고딕 230" panose="02020603020101020101" pitchFamily="18" charset="-127"/>
-                <a:ea typeface="한컴 윤고딕 230" panose="02020603020101020101" pitchFamily="18" charset="-127"/>
-              </a:rPr>
-              <a:t>, </a:t>
-            </a:r>
-            <a:r>
-              <a:rPr lang="ko-KR" altLang="en-US" sz="1600" dirty="0" smtClean="0">
-                <a:solidFill>
-                  <a:srgbClr val="464646"/>
-                </a:solidFill>
-                <a:latin typeface="한컴 윤고딕 230" panose="02020603020101020101" pitchFamily="18" charset="-127"/>
-                <a:ea typeface="한컴 윤고딕 230" panose="02020603020101020101" pitchFamily="18" charset="-127"/>
-              </a:rPr>
-              <a:t>회원정보 수정</a:t>
-            </a:r>
-            <a:r>
-              <a:rPr lang="en-US" altLang="ko-KR" sz="1600" dirty="0" smtClean="0">
-                <a:solidFill>
-                  <a:srgbClr val="464646"/>
-                </a:solidFill>
-                <a:latin typeface="한컴 윤고딕 230" panose="02020603020101020101" pitchFamily="18" charset="-127"/>
-                <a:ea typeface="한컴 윤고딕 230" panose="02020603020101020101" pitchFamily="18" charset="-127"/>
-              </a:rPr>
-              <a:t>, </a:t>
-            </a:r>
-            <a:r>
-              <a:rPr lang="ko-KR" altLang="en-US" sz="1600" dirty="0" smtClean="0">
-                <a:solidFill>
-                  <a:srgbClr val="464646"/>
-                </a:solidFill>
-                <a:latin typeface="한컴 윤고딕 230" panose="02020603020101020101" pitchFamily="18" charset="-127"/>
-                <a:ea typeface="한컴 윤고딕 230" panose="02020603020101020101" pitchFamily="18" charset="-127"/>
-              </a:rPr>
-              <a:t>탈퇴 </a:t>
-            </a:r>
-            <a:r>
-              <a:rPr lang="ko-KR" altLang="en-US" sz="1600" dirty="0">
-                <a:solidFill>
-                  <a:srgbClr val="464646"/>
-                </a:solidFill>
-                <a:latin typeface="한컴 윤고딕 230" panose="02020603020101020101" pitchFamily="18" charset="-127"/>
-                <a:ea typeface="한컴 윤고딕 230" panose="02020603020101020101" pitchFamily="18" charset="-127"/>
-              </a:rPr>
-              <a:t>및 대출도서</a:t>
             </a:r>
             <a:r>
               <a:rPr lang="en-US" altLang="ko-KR" sz="1600" dirty="0">
@@ -5005,7 +4907,7 @@
                 <a:latin typeface="한컴 윤고딕 230" panose="02020603020101020101" pitchFamily="18" charset="-127"/>
                 <a:ea typeface="한컴 윤고딕 230" panose="02020603020101020101" pitchFamily="18" charset="-127"/>
               </a:rPr>
-              <a:t>예약도서확인</a:t>
+              <a:t>회원정보 수정</a:t>
             </a:r>
             <a:r>
               <a:rPr lang="en-US" altLang="ko-KR" sz="1600" dirty="0">
@@ -5018,6 +4920,46 @@
               <a:t>, </a:t>
             </a:r>
             <a:r>
+              <a:rPr lang="ko-KR" altLang="en-US" sz="1600" dirty="0">
+                <a:solidFill>
+                  <a:srgbClr val="464646"/>
+                </a:solidFill>
+                <a:latin typeface="한컴 윤고딕 230" panose="02020603020101020101" pitchFamily="18" charset="-127"/>
+                <a:ea typeface="한컴 윤고딕 230" panose="02020603020101020101" pitchFamily="18" charset="-127"/>
+              </a:rPr>
+              <a:t>탈퇴 및 대출도서</a:t>
+            </a:r>
+            <a:r>
+              <a:rPr lang="en-US" altLang="ko-KR" sz="1600" dirty="0">
+                <a:solidFill>
+                  <a:srgbClr val="464646"/>
+                </a:solidFill>
+                <a:latin typeface="한컴 윤고딕 230" panose="02020603020101020101" pitchFamily="18" charset="-127"/>
+                <a:ea typeface="한컴 윤고딕 230" panose="02020603020101020101" pitchFamily="18" charset="-127"/>
+              </a:rPr>
+              <a:t>, </a:t>
+            </a:r>
+            <a:r>
+              <a:rPr lang="ko-KR" altLang="en-US" sz="1600" dirty="0">
+                <a:solidFill>
+                  <a:srgbClr val="464646"/>
+                </a:solidFill>
+                <a:latin typeface="한컴 윤고딕 230" panose="02020603020101020101" pitchFamily="18" charset="-127"/>
+                <a:ea typeface="한컴 윤고딕 230" panose="02020603020101020101" pitchFamily="18" charset="-127"/>
+              </a:rPr>
+              <a:t>예약도서확인</a:t>
+            </a:r>
+            <a:r>
+              <a:rPr lang="en-US" altLang="ko-KR" sz="1600" dirty="0">
+                <a:solidFill>
+                  <a:srgbClr val="464646"/>
+                </a:solidFill>
+                <a:latin typeface="한컴 윤고딕 230" panose="02020603020101020101" pitchFamily="18" charset="-127"/>
+                <a:ea typeface="한컴 윤고딕 230" panose="02020603020101020101" pitchFamily="18" charset="-127"/>
+              </a:rPr>
+              <a:t>, </a:t>
+            </a:r>
+            <a:r>
               <a:rPr lang="ko-KR" altLang="en-US" sz="1600" dirty="0" err="1">
                 <a:solidFill>
                   <a:srgbClr val="464646"/>
@@ -5035,20 +4977,10 @@
                 <a:latin typeface="한컴 윤고딕 230" panose="02020603020101020101" pitchFamily="18" charset="-127"/>
                 <a:ea typeface="한컴 윤고딕 230" panose="02020603020101020101" pitchFamily="18" charset="-127"/>
               </a:rPr>
-              <a:t> </a:t>
-            </a:r>
-            <a:r>
-              <a:rPr lang="ko-KR" altLang="en-US" sz="1600" dirty="0" smtClean="0">
-                <a:solidFill>
-                  <a:srgbClr val="464646"/>
-                </a:solidFill>
-                <a:latin typeface="한컴 윤고딕 230" panose="02020603020101020101" pitchFamily="18" charset="-127"/>
-                <a:ea typeface="한컴 윤고딕 230" panose="02020603020101020101" pitchFamily="18" charset="-127"/>
-              </a:rPr>
-              <a:t>확인할 수 있다</a:t>
-            </a:r>
-            <a:r>
-              <a:rPr lang="en-US" altLang="ko-KR" sz="1600" dirty="0" smtClean="0">
+              <a:t> 확인할 수 있다</a:t>
+            </a:r>
+            <a:r>
+              <a:rPr lang="en-US" altLang="ko-KR" sz="1600" dirty="0">
                 <a:solidFill>
                   <a:srgbClr val="464646"/>
                 </a:solidFill>
@@ -5057,13 +4989,6 @@
               </a:rPr>
               <a:t>.</a:t>
             </a:r>
-            <a:endParaRPr lang="en-US" altLang="ko-KR" sz="1600" dirty="0">
-              <a:solidFill>
-                <a:srgbClr val="464646"/>
-              </a:solidFill>
-              <a:latin typeface="한컴 윤고딕 230" panose="02020603020101020101" pitchFamily="18" charset="-127"/>
-              <a:ea typeface="한컴 윤고딕 230" panose="02020603020101020101" pitchFamily="18" charset="-127"/>
-            </a:endParaRPr>
           </a:p>
           <a:p>
             <a:pPr marL="285750" indent="-285750" algn="just">
@@ -5782,18 +5707,11 @@
               <a:buChar char="-"/>
             </a:pPr>
             <a:r>
-              <a:rPr lang="ko-KR" altLang="en-US" sz="2000" dirty="0" smtClean="0">
-                <a:latin typeface="한컴 윤고딕 230" panose="02020603020101020101" pitchFamily="18" charset="-127"/>
-                <a:ea typeface="한컴 윤고딕 230" panose="02020603020101020101" pitchFamily="18" charset="-127"/>
-              </a:rPr>
-              <a:t>관리자모드에서는 </a:t>
-            </a:r>
-            <a:r>
               <a:rPr lang="ko-KR" altLang="en-US" sz="2000" dirty="0">
                 <a:latin typeface="한컴 윤고딕 230" panose="02020603020101020101" pitchFamily="18" charset="-127"/>
                 <a:ea typeface="한컴 윤고딕 230" panose="02020603020101020101" pitchFamily="18" charset="-127"/>
               </a:rPr>
-              <a:t>대출</a:t>
+              <a:t>관리자모드에서는 대출</a:t>
             </a:r>
             <a:r>
               <a:rPr lang="en-US" altLang="ko-KR" sz="2000" dirty="0">
@@ -5893,31 +5811,24 @@
                 <a:latin typeface="한컴 윤고딕 230" panose="02020603020101020101" pitchFamily="18" charset="-127"/>
                 <a:ea typeface="한컴 윤고딕 230" panose="02020603020101020101" pitchFamily="18" charset="-127"/>
               </a:rPr>
-              <a:t>현황을 </a:t>
-            </a:r>
-            <a:r>
-              <a:rPr lang="ko-KR" altLang="en-US" sz="2000" smtClean="0">
-                <a:latin typeface="한컴 윤고딕 230" panose="02020603020101020101" pitchFamily="18" charset="-127"/>
-                <a:ea typeface="한컴 윤고딕 230" panose="02020603020101020101" pitchFamily="18" charset="-127"/>
-              </a:rPr>
-              <a:t>확인할</a:t>
-            </a:r>
-            <a:r>
-              <a:rPr lang="en-US" altLang="ko-KR" sz="2000" smtClean="0">
+              <a:t>현황을 확인할</a:t>
+            </a:r>
+            <a:r>
+              <a:rPr lang="en-US" altLang="ko-KR" sz="2000">
                 <a:latin typeface="한컴 윤고딕 230" panose="02020603020101020101" pitchFamily="18" charset="-127"/>
                 <a:ea typeface="한컴 윤고딕 230" panose="02020603020101020101" pitchFamily="18" charset="-127"/>
               </a:rPr>
               <a:t> </a:t>
             </a:r>
             <a:r>
-              <a:rPr lang="ko-KR" altLang="en-US" sz="2000" smtClean="0">
+              <a:rPr lang="ko-KR" altLang="en-US" sz="2000">
                 <a:latin typeface="한컴 윤고딕 230" panose="02020603020101020101" pitchFamily="18" charset="-127"/>
                 <a:ea typeface="한컴 윤고딕 230" panose="02020603020101020101" pitchFamily="18" charset="-127"/>
               </a:rPr>
               <a:t>수 있다</a:t>
             </a:r>
             <a:r>
-              <a:rPr lang="en-US" altLang="ko-KR" sz="2000" smtClean="0">
+              <a:rPr lang="en-US" altLang="ko-KR" sz="2000">
                 <a:latin typeface="한컴 윤고딕 230" panose="02020603020101020101" pitchFamily="18" charset="-127"/>
                 <a:ea typeface="한컴 윤고딕 230" panose="02020603020101020101" pitchFamily="18" charset="-127"/>
               </a:rPr>
@@ -11496,7 +11407,7 @@
           <a:p>
             <a:pPr algn="ctr"/>
             <a:r>
-              <a:rPr lang="ko-KR" altLang="en-US" sz="1000" b="1" dirty="0" smtClean="0"/>
+              <a:rPr lang="ko-KR" altLang="en-US" sz="1000" b="1" dirty="0"/>
               <a:t>게시판</a:t>
             </a:r>
           </a:p>
@@ -11590,10 +11501,10 @@
           <a:p>
             <a:pPr algn="ctr"/>
             <a:r>
-              <a:rPr lang="ko-KR" altLang="en-US" sz="1000" b="1" dirty="0" err="1" smtClean="0"/>
+              <a:rPr lang="ko-KR" altLang="en-US" sz="1000" b="1" dirty="0" err="1"/>
               <a:t>내서재</a:t>
             </a:r>
-            <a:endParaRPr lang="ko-KR" altLang="en-US" sz="1000" b="1" dirty="0" smtClean="0"/>
+            <a:endParaRPr lang="ko-KR" altLang="en-US" sz="1000" b="1" dirty="0"/>
           </a:p>
         </p:txBody>
       </p:sp>
@@ -11685,7 +11596,7 @@
           <a:lstStyle/>
           <a:p>
             <a:r>
-              <a:rPr lang="en-US" altLang="ko-KR" b="1" dirty="0" smtClean="0">
+              <a:rPr lang="en-US" altLang="ko-KR" b="1" dirty="0">
                 <a:solidFill>
                   <a:srgbClr val="756B5F"/>
                 </a:solidFill>
@@ -11693,18 +11604,13 @@
               <a:t>7.  </a:t>
             </a:r>
             <a:r>
-              <a:rPr lang="ko-KR" altLang="en-US" b="1" dirty="0" smtClean="0">
+              <a:rPr lang="ko-KR" altLang="en-US" b="1" dirty="0">
                 <a:solidFill>
                   <a:srgbClr val="756B5F"/>
                 </a:solidFill>
               </a:rPr>
               <a:t>순차 다이어그램</a:t>
             </a:r>
-            <a:endParaRPr lang="ko-KR" altLang="en-US" b="1" dirty="0">
-              <a:solidFill>
-                <a:srgbClr val="756B5F"/>
-              </a:solidFill>
-            </a:endParaRPr>
           </a:p>
         </p:txBody>
       </p:sp>
@@ -11758,7 +11664,7 @@
           <a:p>
             <a:pPr algn="ctr"/>
             <a:r>
-              <a:rPr lang="ko-KR" altLang="en-US" sz="1100" b="1" dirty="0" smtClean="0"/>
+              <a:rPr lang="ko-KR" altLang="en-US" sz="1100" b="1" dirty="0"/>
               <a:t>방문이용자</a:t>
             </a:r>
           </a:p>
@@ -11814,7 +11720,7 @@
           <a:p>
             <a:pPr algn="ctr"/>
             <a:r>
-              <a:rPr lang="ko-KR" altLang="en-US" sz="1000" b="1" dirty="0" smtClean="0"/>
+              <a:rPr lang="ko-KR" altLang="en-US" sz="1000" b="1" dirty="0"/>
               <a:t>가입</a:t>
             </a:r>
           </a:p>
@@ -11870,15 +11776,15 @@
           <a:p>
             <a:pPr algn="ctr"/>
             <a:r>
-              <a:rPr lang="ko-KR" altLang="en-US" sz="1000" b="1" dirty="0" smtClean="0"/>
+              <a:rPr lang="ko-KR" altLang="en-US" sz="1000" b="1" dirty="0"/>
               <a:t>로그인</a:t>
             </a:r>
             <a:r>
-              <a:rPr lang="en-US" altLang="ko-KR" sz="1000" b="1" dirty="0" smtClean="0"/>
+              <a:rPr lang="en-US" altLang="ko-KR" sz="1000" b="1" dirty="0"/>
               <a:t>/</a:t>
             </a:r>
             <a:r>
-              <a:rPr lang="ko-KR" altLang="en-US" sz="1000" b="1" dirty="0" smtClean="0"/>
+              <a:rPr lang="ko-KR" altLang="en-US" sz="1000" b="1" dirty="0"/>
               <a:t>아웃</a:t>
             </a:r>
           </a:p>
@@ -11934,7 +11840,7 @@
           <a:p>
             <a:pPr algn="ctr"/>
             <a:r>
-              <a:rPr lang="ko-KR" altLang="en-US" sz="1000" b="1" dirty="0" smtClean="0"/>
+              <a:rPr lang="ko-KR" altLang="en-US" sz="1000" b="1" dirty="0"/>
               <a:t>도서검색</a:t>
             </a:r>
           </a:p>
@@ -11990,7 +11896,7 @@
           <a:p>
             <a:pPr algn="ctr"/>
             <a:r>
-              <a:rPr lang="ko-KR" altLang="en-US" sz="1000" b="1" dirty="0" smtClean="0"/>
+              <a:rPr lang="ko-KR" altLang="en-US" sz="1000" b="1" dirty="0"/>
               <a:t>도서예약</a:t>
             </a:r>
           </a:p>
@@ -12046,7 +11952,7 @@
           <a:p>
             <a:pPr algn="ctr"/>
             <a:r>
-              <a:rPr lang="ko-KR" altLang="en-US" sz="1000" b="1" dirty="0" smtClean="0"/>
+              <a:rPr lang="ko-KR" altLang="en-US" sz="1000" b="1" dirty="0"/>
               <a:t>도서신청</a:t>
             </a:r>
           </a:p>
@@ -12102,7 +12008,7 @@
           <a:p>
             <a:pPr algn="ctr"/>
             <a:r>
-              <a:rPr lang="ko-KR" altLang="en-US" sz="1000" b="1" dirty="0" smtClean="0"/>
+              <a:rPr lang="ko-KR" altLang="en-US" sz="1000" b="1" dirty="0"/>
               <a:t>자리예약</a:t>
             </a:r>
           </a:p>
@@ -12463,7 +12369,7 @@
           <a:lstStyle/>
           <a:p>
             <a:pPr algn="ctr"/>
-            <a:endParaRPr lang="ko-KR" altLang="en-US" sz="1000" b="1" dirty="0" smtClean="0"/>
+            <a:endParaRPr lang="ko-KR" altLang="en-US" sz="1000" b="1" dirty="0"/>
           </a:p>
         </p:txBody>
       </p:sp>
@@ -12552,7 +12458,7 @@
           <a:lstStyle/>
           <a:p>
             <a:pPr algn="ctr"/>
-            <a:endParaRPr lang="ko-KR" altLang="en-US" sz="1000" b="1" dirty="0" smtClean="0"/>
+            <a:endParaRPr lang="ko-KR" altLang="en-US" sz="1000" b="1" dirty="0"/>
           </a:p>
         </p:txBody>
       </p:sp>
@@ -12579,14 +12485,13 @@
           <a:lstStyle/>
           <a:p>
             <a:r>
-              <a:rPr lang="en-US" altLang="ko-KR" sz="1000" dirty="0" smtClean="0"/>
+              <a:rPr lang="en-US" altLang="ko-KR" sz="1000" dirty="0"/>
               <a:t>1. </a:t>
             </a:r>
             <a:r>
-              <a:rPr lang="ko-KR" altLang="en-US" sz="1000" dirty="0" smtClean="0"/>
+              <a:rPr lang="ko-KR" altLang="en-US" sz="1000" dirty="0"/>
               <a:t>회원정보입력</a:t>
             </a:r>
-            <a:endParaRPr lang="ko-KR" altLang="en-US" sz="1000" dirty="0"/>
           </a:p>
         </p:txBody>
       </p:sp>
@@ -12649,14 +12554,13 @@
           <a:lstStyle/>
           <a:p>
             <a:r>
-              <a:rPr lang="en-US" altLang="ko-KR" sz="1000" dirty="0" smtClean="0"/>
+              <a:rPr lang="en-US" altLang="ko-KR" sz="1000" dirty="0"/>
               <a:t>2. </a:t>
             </a:r>
             <a:r>
-              <a:rPr lang="ko-KR" altLang="en-US" sz="1000" dirty="0" smtClean="0"/>
+              <a:rPr lang="ko-KR" altLang="en-US" sz="1000" dirty="0"/>
               <a:t>회원정보확인</a:t>
             </a:r>
-            <a:endParaRPr lang="ko-KR" altLang="en-US" sz="1000" dirty="0"/>
           </a:p>
         </p:txBody>
       </p:sp>
@@ -12709,7 +12613,7 @@
           <a:lstStyle/>
           <a:p>
             <a:pPr algn="ctr"/>
-            <a:endParaRPr lang="ko-KR" altLang="en-US" sz="1000" b="1" dirty="0" smtClean="0"/>
+            <a:endParaRPr lang="ko-KR" altLang="en-US" sz="1000" b="1" dirty="0"/>
           </a:p>
         </p:txBody>
       </p:sp>
@@ -12799,7 +12703,7 @@
           <a:lstStyle/>
           <a:p>
             <a:pPr algn="ctr"/>
-            <a:endParaRPr lang="ko-KR" altLang="en-US" sz="1000" b="1" dirty="0" smtClean="0"/>
+            <a:endParaRPr lang="ko-KR" altLang="en-US" sz="1000" b="1" dirty="0"/>
           </a:p>
         </p:txBody>
       </p:sp>
@@ -12826,14 +12730,13 @@
           <a:lstStyle/>
           <a:p>
             <a:r>
-              <a:rPr lang="en-US" altLang="ko-KR" sz="1000" dirty="0" smtClean="0"/>
+              <a:rPr lang="en-US" altLang="ko-KR" sz="1000" dirty="0"/>
               <a:t>3. </a:t>
             </a:r>
             <a:r>
-              <a:rPr lang="ko-KR" altLang="en-US" sz="1000" dirty="0" smtClean="0"/>
+              <a:rPr lang="ko-KR" altLang="en-US" sz="1000" dirty="0"/>
               <a:t>로그인</a:t>
             </a:r>
-            <a:endParaRPr lang="ko-KR" altLang="en-US" sz="1000" dirty="0"/>
           </a:p>
         </p:txBody>
       </p:sp>
@@ -12861,17 +12764,12 @@
           <a:p>
             <a:r>
               <a:rPr lang="en-US" altLang="ko-KR" sz="1000" dirty="0"/>
-              <a:t>4</a:t>
-            </a:r>
-            <a:r>
-              <a:rPr lang="en-US" altLang="ko-KR" sz="1000" dirty="0" smtClean="0"/>
-              <a:t>. </a:t>
-            </a:r>
-            <a:r>
-              <a:rPr lang="ko-KR" altLang="en-US" sz="1000" dirty="0" smtClean="0"/>
+              <a:t>4. </a:t>
+            </a:r>
+            <a:r>
+              <a:rPr lang="ko-KR" altLang="en-US" sz="1000" dirty="0"/>
               <a:t>회원정보확인승인</a:t>
             </a:r>
-            <a:endParaRPr lang="ko-KR" altLang="en-US" sz="1000" dirty="0"/>
           </a:p>
         </p:txBody>
       </p:sp>
@@ -12960,7 +12858,7 @@
           <a:lstStyle/>
           <a:p>
             <a:pPr algn="ctr"/>
-            <a:endParaRPr lang="ko-KR" altLang="en-US" sz="1000" b="1" dirty="0" smtClean="0"/>
+            <a:endParaRPr lang="ko-KR" altLang="en-US" sz="1000" b="1" dirty="0"/>
           </a:p>
         </p:txBody>
       </p:sp>
@@ -13050,7 +12948,7 @@
           <a:lstStyle/>
           <a:p>
             <a:pPr algn="ctr"/>
-            <a:endParaRPr lang="ko-KR" altLang="en-US" sz="1000" b="1" dirty="0" smtClean="0"/>
+            <a:endParaRPr lang="ko-KR" altLang="en-US" sz="1000" b="1" dirty="0"/>
           </a:p>
         </p:txBody>
       </p:sp>
@@ -13077,14 +12975,13 @@
           <a:lstStyle/>
           <a:p>
             <a:r>
-              <a:rPr lang="en-US" altLang="ko-KR" sz="1000" dirty="0" smtClean="0"/>
+              <a:rPr lang="en-US" altLang="ko-KR" sz="1000" dirty="0"/>
               <a:t>5. </a:t>
             </a:r>
             <a:r>
-              <a:rPr lang="ko-KR" altLang="en-US" sz="1000" dirty="0" smtClean="0"/>
+              <a:rPr lang="ko-KR" altLang="en-US" sz="1000" dirty="0"/>
               <a:t>도서검색</a:t>
             </a:r>
-            <a:endParaRPr lang="ko-KR" altLang="en-US" sz="1000" dirty="0"/>
           </a:p>
         </p:txBody>
       </p:sp>
@@ -13111,16 +13008,12 @@
           <a:lstStyle/>
           <a:p>
             <a:r>
-              <a:rPr lang="en-US" altLang="ko-KR" sz="1000" dirty="0" smtClean="0"/>
+              <a:rPr lang="en-US" altLang="ko-KR" sz="1000" dirty="0"/>
               <a:t>6. </a:t>
             </a:r>
             <a:r>
-              <a:rPr lang="ko-KR" altLang="en-US" sz="1000" dirty="0" smtClean="0"/>
-              <a:t>도서정보확</a:t>
-            </a:r>
-            <a:r>
               <a:rPr lang="ko-KR" altLang="en-US" sz="1000" dirty="0"/>
-              <a:t>인</a:t>
+              <a:t>도서정보확인</a:t>
             </a:r>
           </a:p>
         </p:txBody>
@@ -13210,7 +13103,7 @@
           <a:lstStyle/>
           <a:p>
             <a:pPr algn="ctr"/>
-            <a:endParaRPr lang="ko-KR" altLang="en-US" sz="1000" b="1" dirty="0" smtClean="0"/>
+            <a:endParaRPr lang="ko-KR" altLang="en-US" sz="1000" b="1" dirty="0"/>
           </a:p>
         </p:txBody>
       </p:sp>
@@ -13300,7 +13193,7 @@
           <a:lstStyle/>
           <a:p>
             <a:pPr algn="ctr"/>
-            <a:endParaRPr lang="ko-KR" altLang="en-US" sz="1000" b="1" dirty="0" smtClean="0"/>
+            <a:endParaRPr lang="ko-KR" altLang="en-US" sz="1000" b="1" dirty="0"/>
           </a:p>
         </p:txBody>
       </p:sp>
@@ -13389,7 +13282,7 @@
           <a:lstStyle/>
           <a:p>
             <a:pPr algn="ctr"/>
-            <a:endParaRPr lang="ko-KR" altLang="en-US" sz="1000" b="1" dirty="0" smtClean="0"/>
+            <a:endParaRPr lang="ko-KR" altLang="en-US" sz="1000" b="1" dirty="0"/>
           </a:p>
         </p:txBody>
       </p:sp>
@@ -13479,7 +13372,7 @@
           <a:lstStyle/>
           <a:p>
             <a:pPr algn="ctr"/>
-            <a:endParaRPr lang="ko-KR" altLang="en-US" sz="1000" b="1" dirty="0" smtClean="0"/>
+            <a:endParaRPr lang="ko-KR" altLang="en-US" sz="1000" b="1" dirty="0"/>
           </a:p>
         </p:txBody>
       </p:sp>
@@ -13506,14 +13399,13 @@
           <a:lstStyle/>
           <a:p>
             <a:r>
-              <a:rPr lang="en-US" altLang="ko-KR" sz="1000" dirty="0" smtClean="0"/>
+              <a:rPr lang="en-US" altLang="ko-KR" sz="1000" dirty="0"/>
               <a:t>9. </a:t>
             </a:r>
             <a:r>
-              <a:rPr lang="ko-KR" altLang="en-US" sz="1000" dirty="0" smtClean="0"/>
+              <a:rPr lang="ko-KR" altLang="en-US" sz="1000" dirty="0"/>
               <a:t>도서예약</a:t>
             </a:r>
-            <a:endParaRPr lang="ko-KR" altLang="en-US" sz="1000" dirty="0"/>
           </a:p>
         </p:txBody>
       </p:sp>
@@ -13540,14 +13432,13 @@
           <a:lstStyle/>
           <a:p>
             <a:r>
-              <a:rPr lang="en-US" altLang="ko-KR" sz="1000" dirty="0" smtClean="0"/>
+              <a:rPr lang="en-US" altLang="ko-KR" sz="1000" dirty="0"/>
               <a:t>10. </a:t>
             </a:r>
             <a:r>
-              <a:rPr lang="ko-KR" altLang="en-US" sz="1000" dirty="0" smtClean="0"/>
+              <a:rPr lang="ko-KR" altLang="en-US" sz="1000" dirty="0"/>
               <a:t>도서예약확인</a:t>
             </a:r>
-            <a:endParaRPr lang="ko-KR" altLang="en-US" sz="1000" dirty="0"/>
           </a:p>
         </p:txBody>
       </p:sp>
@@ -13636,7 +13527,7 @@
           <a:lstStyle/>
           <a:p>
             <a:pPr algn="ctr"/>
-            <a:endParaRPr lang="ko-KR" altLang="en-US" sz="1000" b="1" dirty="0" smtClean="0"/>
+            <a:endParaRPr lang="ko-KR" altLang="en-US" sz="1000" b="1" dirty="0"/>
           </a:p>
         </p:txBody>
       </p:sp>
@@ -13726,7 +13617,7 @@
           <a:lstStyle/>
           <a:p>
             <a:pPr algn="ctr"/>
-            <a:endParaRPr lang="ko-KR" altLang="en-US" sz="1000" b="1" dirty="0" smtClean="0"/>
+            <a:endParaRPr lang="ko-KR" altLang="en-US" sz="1000" b="1" dirty="0"/>
           </a:p>
         </p:txBody>
       </p:sp>
@@ -13753,14 +13644,13 @@
           <a:lstStyle/>
           <a:p>
             <a:r>
-              <a:rPr lang="en-US" altLang="ko-KR" sz="1000" dirty="0" smtClean="0"/>
+              <a:rPr lang="en-US" altLang="ko-KR" sz="1000" dirty="0"/>
               <a:t>9. </a:t>
             </a:r>
             <a:r>
-              <a:rPr lang="ko-KR" altLang="en-US" sz="1000" dirty="0" smtClean="0"/>
+              <a:rPr lang="ko-KR" altLang="en-US" sz="1000" dirty="0"/>
               <a:t>도서예약</a:t>
             </a:r>
-            <a:endParaRPr lang="ko-KR" altLang="en-US" sz="1000" dirty="0"/>
           </a:p>
         </p:txBody>
       </p:sp>
@@ -13787,14 +13677,13 @@
           <a:lstStyle/>
           <a:p>
             <a:r>
-              <a:rPr lang="en-US" altLang="ko-KR" sz="1000" dirty="0" smtClean="0"/>
+              <a:rPr lang="en-US" altLang="ko-KR" sz="1000" dirty="0"/>
               <a:t>10. </a:t>
             </a:r>
             <a:r>
-              <a:rPr lang="ko-KR" altLang="en-US" sz="1000" dirty="0" smtClean="0"/>
+              <a:rPr lang="ko-KR" altLang="en-US" sz="1000" dirty="0"/>
               <a:t>도서예약확인</a:t>
             </a:r>
-            <a:endParaRPr lang="ko-KR" altLang="en-US" sz="1000" dirty="0"/>
           </a:p>
         </p:txBody>
       </p:sp>
@@ -13822,19 +13711,11 @@
           <a:p>
             <a:r>
               <a:rPr lang="en-US" altLang="ko-KR" sz="900" dirty="0"/>
-              <a:t>7</a:t>
-            </a:r>
-            <a:r>
-              <a:rPr lang="en-US" altLang="ko-KR" sz="900" dirty="0" smtClean="0"/>
-              <a:t>. </a:t>
-            </a:r>
-            <a:r>
-              <a:rPr lang="ko-KR" altLang="en-US" sz="900" dirty="0" smtClean="0"/>
-              <a:t>자리예</a:t>
+              <a:t>7. </a:t>
             </a:r>
             <a:r>
               <a:rPr lang="ko-KR" altLang="en-US" sz="900" dirty="0"/>
-              <a:t>약</a:t>
+              <a:t>자리예약</a:t>
             </a:r>
           </a:p>
         </p:txBody>
@@ -13862,22 +13743,13 @@
           <a:lstStyle/>
           <a:p>
             <a:r>
-              <a:rPr lang="en-US" altLang="ko-KR" sz="900" dirty="0" smtClean="0"/>
+              <a:rPr lang="en-US" altLang="ko-KR" sz="900" dirty="0"/>
               <a:t>8. </a:t>
             </a:r>
             <a:r>
-              <a:rPr lang="ko-KR" altLang="en-US" sz="900" dirty="0" smtClean="0"/>
-              <a:t>자리예</a:t>
-            </a:r>
-            <a:r>
               <a:rPr lang="ko-KR" altLang="en-US" sz="900" dirty="0"/>
-              <a:t>약</a:t>
-            </a:r>
-            <a:r>
-              <a:rPr lang="ko-KR" altLang="en-US" sz="900" dirty="0" smtClean="0"/>
-              <a:t>확인</a:t>
-            </a:r>
-            <a:endParaRPr lang="ko-KR" altLang="en-US" sz="900" dirty="0"/>
+              <a:t>자리예약확인</a:t>
+            </a:r>
           </a:p>
         </p:txBody>
       </p:sp>
@@ -13966,7 +13838,7 @@
           <a:lstStyle/>
           <a:p>
             <a:pPr algn="ctr"/>
-            <a:endParaRPr lang="ko-KR" altLang="en-US" sz="1000" b="1" dirty="0" smtClean="0"/>
+            <a:endParaRPr lang="ko-KR" altLang="en-US" sz="1000" b="1" dirty="0"/>
           </a:p>
         </p:txBody>
       </p:sp>
@@ -14056,7 +13928,7 @@
           <a:lstStyle/>
           <a:p>
             <a:pPr algn="ctr"/>
-            <a:endParaRPr lang="ko-KR" altLang="en-US" sz="1000" b="1" dirty="0" smtClean="0"/>
+            <a:endParaRPr lang="ko-KR" altLang="en-US" sz="1000" b="1" dirty="0"/>
           </a:p>
         </p:txBody>
       </p:sp>
@@ -14083,42 +13955,41 @@
           <a:lstStyle/>
           <a:p>
             <a:r>
-              <a:rPr lang="en-US" altLang="ko-KR" sz="1000" dirty="0" smtClean="0"/>
+              <a:rPr lang="en-US" altLang="ko-KR" sz="1000" dirty="0"/>
               <a:t>11. </a:t>
             </a:r>
             <a:r>
-              <a:rPr lang="ko-KR" altLang="en-US" sz="1000" dirty="0" smtClean="0"/>
+              <a:rPr lang="ko-KR" altLang="en-US" sz="1000" dirty="0"/>
               <a:t>내 대출도서</a:t>
             </a:r>
             <a:r>
-              <a:rPr lang="en-US" altLang="ko-KR" sz="1000" dirty="0" smtClean="0"/>
+              <a:rPr lang="en-US" altLang="ko-KR" sz="1000" dirty="0"/>
               <a:t>, </a:t>
             </a:r>
             <a:r>
-              <a:rPr lang="ko-KR" altLang="en-US" sz="1000" dirty="0" err="1" smtClean="0"/>
+              <a:rPr lang="ko-KR" altLang="en-US" sz="1000" dirty="0" err="1"/>
               <a:t>내예약도서</a:t>
             </a:r>
             <a:r>
-              <a:rPr lang="en-US" altLang="ko-KR" sz="1000" dirty="0" smtClean="0"/>
+              <a:rPr lang="en-US" altLang="ko-KR" sz="1000" dirty="0"/>
               <a:t>, </a:t>
             </a:r>
             <a:r>
-              <a:rPr lang="ko-KR" altLang="en-US" sz="1000" dirty="0" err="1" smtClean="0"/>
+              <a:rPr lang="ko-KR" altLang="en-US" sz="1000" dirty="0" err="1"/>
               <a:t>내도서신청정보</a:t>
             </a:r>
             <a:r>
-              <a:rPr lang="en-US" altLang="ko-KR" sz="1000" dirty="0" smtClean="0"/>
+              <a:rPr lang="en-US" altLang="ko-KR" sz="1000" dirty="0"/>
               <a:t>, </a:t>
             </a:r>
             <a:r>
-              <a:rPr lang="ko-KR" altLang="en-US" sz="1000" dirty="0" err="1" smtClean="0"/>
+              <a:rPr lang="ko-KR" altLang="en-US" sz="1000" dirty="0" err="1"/>
               <a:t>내정보</a:t>
             </a:r>
             <a:r>
-              <a:rPr lang="ko-KR" altLang="en-US" sz="1000" dirty="0" smtClean="0"/>
+              <a:rPr lang="ko-KR" altLang="en-US" sz="1000" dirty="0"/>
               <a:t> 등 조회</a:t>
             </a:r>
-            <a:endParaRPr lang="ko-KR" altLang="en-US" sz="1000" dirty="0"/>
           </a:p>
         </p:txBody>
       </p:sp>
@@ -14145,7 +14016,7 @@
           <a:lstStyle/>
           <a:p>
             <a:r>
-              <a:rPr lang="en-US" altLang="ko-KR" sz="1000" dirty="0" smtClean="0"/>
+              <a:rPr lang="en-US" altLang="ko-KR" sz="1000" dirty="0"/>
               <a:t>12. </a:t>
             </a:r>
             <a:r>
@@ -14178,15 +14049,7 @@
             </a:r>
             <a:r>
               <a:rPr lang="ko-KR" altLang="en-US" sz="1000" dirty="0"/>
-              <a:t> 등 </a:t>
-            </a:r>
-            <a:r>
-              <a:rPr lang="ko-KR" altLang="en-US" sz="1000" dirty="0" smtClean="0"/>
-              <a:t>확</a:t>
-            </a:r>
-            <a:r>
-              <a:rPr lang="ko-KR" altLang="en-US" sz="1000" dirty="0"/>
-              <a:t>인</a:t>
+              <a:t> 등 확인</a:t>
             </a:r>
           </a:p>
         </p:txBody>
@@ -14276,7 +14139,7 @@
           <a:lstStyle/>
           <a:p>
             <a:pPr algn="ctr"/>
-            <a:endParaRPr lang="ko-KR" altLang="en-US" sz="1000" b="1" dirty="0" smtClean="0"/>
+            <a:endParaRPr lang="ko-KR" altLang="en-US" sz="1000" b="1" dirty="0"/>
           </a:p>
         </p:txBody>
       </p:sp>
@@ -14366,7 +14229,7 @@
           <a:lstStyle/>
           <a:p>
             <a:pPr algn="ctr"/>
-            <a:endParaRPr lang="ko-KR" altLang="en-US" sz="1000" b="1" dirty="0" smtClean="0"/>
+            <a:endParaRPr lang="ko-KR" altLang="en-US" sz="1000" b="1" dirty="0"/>
           </a:p>
         </p:txBody>
       </p:sp>
@@ -14393,54 +14256,53 @@
           <a:lstStyle/>
           <a:p>
             <a:r>
-              <a:rPr lang="en-US" altLang="ko-KR" sz="1000" dirty="0" smtClean="0"/>
+              <a:rPr lang="en-US" altLang="ko-KR" sz="1000" dirty="0"/>
               <a:t>13. </a:t>
             </a:r>
             <a:r>
-              <a:rPr lang="ko-KR" altLang="en-US" sz="1000" dirty="0" smtClean="0"/>
+              <a:rPr lang="ko-KR" altLang="en-US" sz="1000" dirty="0"/>
               <a:t>글 작성 </a:t>
             </a:r>
             <a:r>
-              <a:rPr lang="en-US" altLang="ko-KR" sz="1000" dirty="0" smtClean="0"/>
+              <a:rPr lang="en-US" altLang="ko-KR" sz="1000" dirty="0"/>
               <a:t>/ </a:t>
             </a:r>
             <a:r>
-              <a:rPr lang="ko-KR" altLang="en-US" sz="1000" dirty="0" err="1" smtClean="0"/>
+              <a:rPr lang="ko-KR" altLang="en-US" sz="1000" dirty="0" err="1"/>
               <a:t>답글</a:t>
             </a:r>
             <a:r>
-              <a:rPr lang="ko-KR" altLang="en-US" sz="1000" dirty="0" smtClean="0"/>
+              <a:rPr lang="ko-KR" altLang="en-US" sz="1000" dirty="0"/>
               <a:t> 달기</a:t>
             </a:r>
             <a:r>
-              <a:rPr lang="en-US" altLang="ko-KR" sz="1000" dirty="0" smtClean="0"/>
+              <a:rPr lang="en-US" altLang="ko-KR" sz="1000" dirty="0"/>
               <a:t>/ </a:t>
             </a:r>
             <a:r>
-              <a:rPr lang="ko-KR" altLang="en-US" sz="1000" dirty="0" err="1" smtClean="0"/>
+              <a:rPr lang="ko-KR" altLang="en-US" sz="1000" dirty="0" err="1"/>
               <a:t>댓글</a:t>
             </a:r>
             <a:r>
-              <a:rPr lang="ko-KR" altLang="en-US" sz="1000" dirty="0" smtClean="0"/>
+              <a:rPr lang="ko-KR" altLang="en-US" sz="1000" dirty="0"/>
               <a:t> 달기 </a:t>
             </a:r>
             <a:r>
-              <a:rPr lang="en-US" altLang="ko-KR" sz="1000" dirty="0" smtClean="0"/>
+              <a:rPr lang="en-US" altLang="ko-KR" sz="1000" dirty="0"/>
               <a:t>/ </a:t>
             </a:r>
             <a:r>
-              <a:rPr lang="ko-KR" altLang="en-US" sz="1000" dirty="0" smtClean="0"/>
+              <a:rPr lang="ko-KR" altLang="en-US" sz="1000" dirty="0"/>
               <a:t>조회 </a:t>
             </a:r>
             <a:r>
-              <a:rPr lang="en-US" altLang="ko-KR" sz="1000" dirty="0" smtClean="0"/>
+              <a:rPr lang="en-US" altLang="ko-KR" sz="1000" dirty="0"/>
               <a:t>/ </a:t>
             </a:r>
             <a:r>
-              <a:rPr lang="ko-KR" altLang="en-US" sz="1000" dirty="0" smtClean="0"/>
+              <a:rPr lang="ko-KR" altLang="en-US" sz="1000" dirty="0"/>
               <a:t>삭제</a:t>
             </a:r>
-            <a:endParaRPr lang="ko-KR" altLang="en-US" sz="1000" dirty="0"/>
           </a:p>
         </p:txBody>
       </p:sp>
@@ -14467,14 +14329,13 @@
           <a:lstStyle/>
           <a:p>
             <a:r>
-              <a:rPr lang="en-US" altLang="ko-KR" sz="1000" dirty="0" smtClean="0"/>
+              <a:rPr lang="en-US" altLang="ko-KR" sz="1000" dirty="0"/>
               <a:t>14. </a:t>
             </a:r>
             <a:r>
-              <a:rPr lang="ko-KR" altLang="en-US" sz="1000" dirty="0" smtClean="0"/>
+              <a:rPr lang="ko-KR" altLang="en-US" sz="1000" dirty="0"/>
               <a:t>게시판 확인</a:t>
             </a:r>
-            <a:endParaRPr lang="ko-KR" altLang="en-US" sz="1000" dirty="0"/>
           </a:p>
         </p:txBody>
       </p:sp>
@@ -14501,7 +14362,7 @@
           <a:lstStyle/>
           <a:p>
             <a:r>
-              <a:rPr lang="en-US" altLang="ko-KR" sz="1200" b="1" dirty="0" smtClean="0">
+              <a:rPr lang="en-US" altLang="ko-KR" sz="1200" b="1" dirty="0">
                 <a:solidFill>
                   <a:srgbClr val="756B5F"/>
                 </a:solidFill>
@@ -14581,14 +14442,13 @@
           <a:lstStyle/>
           <a:p>
             <a:r>
-              <a:rPr lang="en-US" altLang="ko-KR" sz="1000" dirty="0" smtClean="0"/>
+              <a:rPr lang="en-US" altLang="ko-KR" sz="1000" dirty="0"/>
               <a:t>1.1 id</a:t>
             </a:r>
             <a:r>
-              <a:rPr lang="ko-KR" altLang="en-US" sz="1000" dirty="0" smtClean="0"/>
+              <a:rPr lang="ko-KR" altLang="en-US" sz="1000" dirty="0"/>
               <a:t>중복체크</a:t>
             </a:r>
-            <a:endParaRPr lang="ko-KR" altLang="en-US" sz="1000" dirty="0"/>
           </a:p>
         </p:txBody>
       </p:sp>
@@ -14641,7 +14501,7 @@
           <a:lstStyle/>
           <a:p>
             <a:pPr algn="ctr"/>
-            <a:endParaRPr lang="ko-KR" altLang="en-US" sz="1000" b="1" dirty="0" smtClean="0"/>
+            <a:endParaRPr lang="ko-KR" altLang="en-US" sz="1000" b="1" dirty="0"/>
           </a:p>
         </p:txBody>
       </p:sp>
@@ -14655,13 +14515,6 @@
   <p:clrMapOvr>
     <a:masterClrMapping/>
   </p:clrMapOvr>
-  <p:timing>
-    <p:tnLst>
-      <p:par>
-        <p:cTn id="1" dur="indefinite" restart="never" nodeType="tmRoot"/>
-      </p:par>
-    </p:tnLst>
-  </p:timing>
 </p:sld>
 </file>
 
@@ -14733,7 +14586,7 @@
           <a:lstStyle/>
           <a:p>
             <a:r>
-              <a:rPr lang="en-US" altLang="ko-KR" sz="1200" b="1" dirty="0" smtClean="0">
+              <a:rPr lang="en-US" altLang="ko-KR" sz="1200" b="1" dirty="0">
                 <a:solidFill>
                   <a:srgbClr val="756B5F"/>
                 </a:solidFill>
@@ -14771,7 +14624,7 @@
           <a:lstStyle/>
           <a:p>
             <a:r>
-              <a:rPr lang="en-US" altLang="ko-KR" b="1" dirty="0" smtClean="0">
+              <a:rPr lang="en-US" altLang="ko-KR" b="1" dirty="0">
                 <a:solidFill>
                   <a:srgbClr val="756B5F"/>
                 </a:solidFill>
@@ -14779,18 +14632,13 @@
               <a:t>7.  </a:t>
             </a:r>
             <a:r>
-              <a:rPr lang="ko-KR" altLang="en-US" b="1" dirty="0" smtClean="0">
+              <a:rPr lang="ko-KR" altLang="en-US" b="1" dirty="0">
                 <a:solidFill>
                   <a:srgbClr val="756B5F"/>
                 </a:solidFill>
               </a:rPr>
               <a:t>순차 다이어그램</a:t>
             </a:r>
-            <a:endParaRPr lang="ko-KR" altLang="en-US" b="1" dirty="0">
-              <a:solidFill>
-                <a:srgbClr val="756B5F"/>
-              </a:solidFill>
-            </a:endParaRPr>
           </a:p>
         </p:txBody>
       </p:sp>
@@ -14895,26 +14743,26 @@
             <a:p>
               <a:pPr algn="ctr"/>
               <a:r>
-                <a:rPr lang="ko-KR" altLang="en-US" sz="1000" b="1" dirty="0" smtClean="0"/>
+                <a:rPr lang="ko-KR" altLang="en-US" sz="1000" b="1" dirty="0"/>
                 <a:t>관리자</a:t>
               </a:r>
-              <a:endParaRPr lang="en-US" altLang="ko-KR" sz="1000" b="1" dirty="0" smtClean="0"/>
+              <a:endParaRPr lang="en-US" altLang="ko-KR" sz="1000" b="1" dirty="0"/>
             </a:p>
             <a:p>
               <a:pPr algn="ctr"/>
               <a:r>
-                <a:rPr lang="en-US" altLang="ko-KR" sz="1000" b="1" dirty="0" smtClean="0"/>
+                <a:rPr lang="en-US" altLang="ko-KR" sz="1000" b="1" dirty="0"/>
                 <a:t>(</a:t>
               </a:r>
               <a:r>
-                <a:rPr lang="ko-KR" altLang="en-US" sz="1000" b="1" dirty="0" smtClean="0"/>
+                <a:rPr lang="ko-KR" altLang="en-US" sz="1000" b="1" dirty="0"/>
                 <a:t>사서</a:t>
               </a:r>
               <a:r>
-                <a:rPr lang="en-US" altLang="ko-KR" sz="1000" b="1" dirty="0" smtClean="0"/>
+                <a:rPr lang="en-US" altLang="ko-KR" sz="1000" b="1" dirty="0"/>
                 <a:t>)</a:t>
               </a:r>
-              <a:endParaRPr lang="ko-KR" altLang="en-US" sz="1000" b="1" dirty="0" smtClean="0"/>
+              <a:endParaRPr lang="ko-KR" altLang="en-US" sz="1000" b="1" dirty="0"/>
             </a:p>
           </p:txBody>
         </p:sp>
@@ -14968,15 +14816,15 @@
             <a:p>
               <a:pPr algn="ctr"/>
               <a:r>
-                <a:rPr lang="ko-KR" altLang="en-US" sz="1000" b="1" dirty="0" smtClean="0"/>
+                <a:rPr lang="ko-KR" altLang="en-US" sz="1000" b="1" dirty="0"/>
                 <a:t>로그인</a:t>
               </a:r>
               <a:r>
-                <a:rPr lang="en-US" altLang="ko-KR" sz="1000" b="1" dirty="0" smtClean="0"/>
+                <a:rPr lang="en-US" altLang="ko-KR" sz="1000" b="1" dirty="0"/>
                 <a:t>/</a:t>
               </a:r>
               <a:r>
-                <a:rPr lang="ko-KR" altLang="en-US" sz="1000" b="1" dirty="0" smtClean="0"/>
+                <a:rPr lang="ko-KR" altLang="en-US" sz="1000" b="1" dirty="0"/>
                 <a:t>아웃</a:t>
               </a:r>
             </a:p>
@@ -15032,15 +14880,15 @@
             <a:p>
               <a:pPr algn="ctr"/>
               <a:r>
-                <a:rPr lang="ko-KR" altLang="en-US" sz="1000" b="1" dirty="0" smtClean="0"/>
+                <a:rPr lang="ko-KR" altLang="en-US" sz="1000" b="1" dirty="0"/>
                 <a:t>대출</a:t>
               </a:r>
               <a:r>
-                <a:rPr lang="en-US" altLang="ko-KR" sz="1000" b="1" dirty="0" smtClean="0"/>
+                <a:rPr lang="en-US" altLang="ko-KR" sz="1000" b="1" dirty="0"/>
                 <a:t>/</a:t>
               </a:r>
               <a:r>
-                <a:rPr lang="ko-KR" altLang="en-US" sz="1000" b="1" dirty="0" smtClean="0"/>
+                <a:rPr lang="ko-KR" altLang="en-US" sz="1000" b="1" dirty="0"/>
                 <a:t>반납</a:t>
               </a:r>
             </a:p>
@@ -15096,7 +14944,7 @@
             <a:p>
               <a:pPr algn="ctr"/>
               <a:r>
-                <a:rPr lang="ko-KR" altLang="en-US" sz="1000" b="1" dirty="0" smtClean="0"/>
+                <a:rPr lang="ko-KR" altLang="en-US" sz="1000" b="1" dirty="0"/>
                 <a:t>공지사항</a:t>
               </a:r>
             </a:p>
@@ -15152,7 +15000,7 @@
             <a:p>
               <a:pPr algn="ctr"/>
               <a:r>
-                <a:rPr lang="ko-KR" altLang="en-US" sz="1000" b="1" dirty="0" smtClean="0"/>
+                <a:rPr lang="ko-KR" altLang="en-US" sz="1000" b="1" dirty="0"/>
                 <a:t>회원관리</a:t>
               </a:r>
             </a:p>
@@ -15208,7 +15056,7 @@
             <a:p>
               <a:pPr algn="ctr"/>
               <a:r>
-                <a:rPr lang="ko-KR" altLang="en-US" sz="1000" b="1" dirty="0" smtClean="0"/>
+                <a:rPr lang="ko-KR" altLang="en-US" sz="1000" b="1" dirty="0"/>
                 <a:t>통계</a:t>
               </a:r>
             </a:p>
@@ -15264,14 +15112,9 @@
             <a:p>
               <a:pPr algn="ctr"/>
               <a:r>
-                <a:rPr lang="ko-KR" altLang="en-US" sz="1000" b="1" dirty="0" smtClean="0"/>
-                <a:t>도서관</a:t>
+                <a:rPr lang="ko-KR" altLang="en-US" sz="1000" b="1" dirty="0"/>
+                <a:t>도서관리</a:t>
               </a:r>
-              <a:r>
-                <a:rPr lang="ko-KR" altLang="en-US" sz="1000" b="1" dirty="0"/>
-                <a:t>리</a:t>
-              </a:r>
-              <a:endParaRPr lang="ko-KR" altLang="en-US" sz="1000" b="1" dirty="0" smtClean="0"/>
             </a:p>
           </p:txBody>
         </p:sp>
@@ -15592,7 +15435,7 @@
             <a:lstStyle/>
             <a:p>
               <a:pPr algn="ctr"/>
-              <a:endParaRPr lang="ko-KR" altLang="en-US" sz="1000" b="1" dirty="0" smtClean="0"/>
+              <a:endParaRPr lang="ko-KR" altLang="en-US" sz="1000" b="1" dirty="0"/>
             </a:p>
           </p:txBody>
         </p:sp>
@@ -15681,7 +15524,7 @@
             <a:lstStyle/>
             <a:p>
               <a:pPr algn="ctr"/>
-              <a:endParaRPr lang="ko-KR" altLang="en-US" sz="1000" b="1" dirty="0" smtClean="0"/>
+              <a:endParaRPr lang="ko-KR" altLang="en-US" sz="1000" b="1" dirty="0"/>
             </a:p>
           </p:txBody>
         </p:sp>
@@ -15708,14 +15551,13 @@
             <a:lstStyle/>
             <a:p>
               <a:r>
-                <a:rPr lang="en-US" altLang="ko-KR" sz="1000" dirty="0" smtClean="0"/>
+                <a:rPr lang="en-US" altLang="ko-KR" sz="1000" dirty="0"/>
                 <a:t>1. </a:t>
               </a:r>
               <a:r>
-                <a:rPr lang="ko-KR" altLang="en-US" sz="1000" dirty="0" smtClean="0"/>
+                <a:rPr lang="ko-KR" altLang="en-US" sz="1000" dirty="0"/>
                 <a:t>로그인</a:t>
               </a:r>
-              <a:endParaRPr lang="ko-KR" altLang="en-US" sz="1000" dirty="0"/>
             </a:p>
           </p:txBody>
         </p:sp>
@@ -15778,16 +15620,12 @@
             <a:lstStyle/>
             <a:p>
               <a:r>
-                <a:rPr lang="en-US" altLang="ko-KR" sz="1000" dirty="0" smtClean="0"/>
+                <a:rPr lang="en-US" altLang="ko-KR" sz="1000" dirty="0"/>
                 <a:t>2. </a:t>
               </a:r>
               <a:r>
-                <a:rPr lang="ko-KR" altLang="en-US" sz="1000" dirty="0" smtClean="0"/>
-                <a:t>관리자승</a:t>
-              </a:r>
-              <a:r>
                 <a:rPr lang="ko-KR" altLang="en-US" sz="1000" dirty="0"/>
-                <a:t>인</a:t>
+                <a:t>관리자승인</a:t>
               </a:r>
             </a:p>
           </p:txBody>
@@ -15878,7 +15716,7 @@
             <a:lstStyle/>
             <a:p>
               <a:pPr algn="ctr"/>
-              <a:endParaRPr lang="ko-KR" altLang="en-US" sz="1000" b="1" dirty="0" smtClean="0"/>
+              <a:endParaRPr lang="ko-KR" altLang="en-US" sz="1000" b="1" dirty="0"/>
             </a:p>
           </p:txBody>
         </p:sp>
@@ -15905,22 +15743,21 @@
             <a:lstStyle/>
             <a:p>
               <a:r>
-                <a:rPr lang="en-US" altLang="ko-KR" sz="1000" dirty="0" smtClean="0"/>
+                <a:rPr lang="en-US" altLang="ko-KR" sz="1000" dirty="0"/>
                 <a:t>3. </a:t>
               </a:r>
               <a:r>
-                <a:rPr lang="ko-KR" altLang="en-US" sz="1000" dirty="0" smtClean="0"/>
+                <a:rPr lang="ko-KR" altLang="en-US" sz="1000" dirty="0"/>
                 <a:t>도서대출</a:t>
               </a:r>
               <a:r>
-                <a:rPr lang="en-US" altLang="ko-KR" sz="1000" dirty="0" smtClean="0"/>
+                <a:rPr lang="en-US" altLang="ko-KR" sz="1000" dirty="0"/>
                 <a:t>/</a:t>
               </a:r>
               <a:r>
-                <a:rPr lang="ko-KR" altLang="en-US" sz="1000" dirty="0" smtClean="0"/>
+                <a:rPr lang="ko-KR" altLang="en-US" sz="1000" dirty="0"/>
                 <a:t>반납</a:t>
               </a:r>
-              <a:endParaRPr lang="ko-KR" altLang="en-US" sz="1000" dirty="0"/>
             </a:p>
           </p:txBody>
         </p:sp>
@@ -15948,25 +15785,20 @@
             <a:p>
               <a:r>
                 <a:rPr lang="en-US" altLang="ko-KR" sz="1000" dirty="0"/>
-                <a:t>4</a:t>
+                <a:t>4. </a:t>
               </a:r>
               <a:r>
-                <a:rPr lang="en-US" altLang="ko-KR" sz="1000" dirty="0" smtClean="0"/>
-                <a:t>. </a:t>
-              </a:r>
-              <a:r>
-                <a:rPr lang="ko-KR" altLang="en-US" sz="1000" dirty="0" smtClean="0"/>
+                <a:rPr lang="ko-KR" altLang="en-US" sz="1000" dirty="0"/>
                 <a:t>도서대출</a:t>
               </a:r>
               <a:r>
-                <a:rPr lang="en-US" altLang="ko-KR" sz="1000" dirty="0" smtClean="0"/>
+                <a:rPr lang="en-US" altLang="ko-KR" sz="1000" dirty="0"/>
                 <a:t>/</a:t>
               </a:r>
               <a:r>
-                <a:rPr lang="ko-KR" altLang="en-US" sz="1000" dirty="0" smtClean="0"/>
+                <a:rPr lang="ko-KR" altLang="en-US" sz="1000" dirty="0"/>
                 <a:t>반납 승인 및 확인</a:t>
               </a:r>
-              <a:endParaRPr lang="ko-KR" altLang="en-US" sz="1000" dirty="0"/>
             </a:p>
           </p:txBody>
         </p:sp>
@@ -16092,7 +15924,7 @@
             <a:lstStyle/>
             <a:p>
               <a:pPr algn="ctr"/>
-              <a:endParaRPr lang="ko-KR" altLang="en-US" sz="1000" b="1" dirty="0" smtClean="0"/>
+              <a:endParaRPr lang="ko-KR" altLang="en-US" sz="1000" b="1" dirty="0"/>
             </a:p>
           </p:txBody>
         </p:sp>
@@ -16119,42 +15951,37 @@
             <a:lstStyle/>
             <a:p>
               <a:r>
-                <a:rPr lang="en-US" altLang="ko-KR" sz="1000" dirty="0" smtClean="0"/>
+                <a:rPr lang="en-US" altLang="ko-KR" sz="1000" dirty="0"/>
                 <a:t>5. </a:t>
               </a:r>
               <a:r>
-                <a:rPr lang="ko-KR" altLang="en-US" sz="1000" dirty="0" smtClean="0"/>
+                <a:rPr lang="ko-KR" altLang="en-US" sz="1000" dirty="0"/>
                 <a:t>공지사항 작성</a:t>
               </a:r>
               <a:r>
                 <a:rPr lang="en-US" altLang="ko-KR" sz="1000" dirty="0"/>
-                <a:t> </a:t>
+                <a:t> / </a:t>
               </a:r>
               <a:r>
-                <a:rPr lang="en-US" altLang="ko-KR" sz="1000" dirty="0" smtClean="0"/>
+                <a:rPr lang="ko-KR" altLang="en-US" sz="1000" dirty="0"/>
+                <a:t>수정 </a:t>
+              </a:r>
+              <a:r>
+                <a:rPr lang="en-US" altLang="ko-KR" sz="1000" dirty="0"/>
                 <a:t>/ </a:t>
               </a:r>
               <a:r>
-                <a:rPr lang="ko-KR" altLang="en-US" sz="1000" dirty="0" smtClean="0"/>
-                <a:t>수정 </a:t>
+                <a:rPr lang="ko-KR" altLang="en-US" sz="1000" dirty="0"/>
+                <a:t>조회 </a:t>
               </a:r>
               <a:r>
-                <a:rPr lang="en-US" altLang="ko-KR" sz="1000" dirty="0" smtClean="0"/>
+                <a:rPr lang="en-US" altLang="ko-KR" sz="1000" dirty="0"/>
                 <a:t>/ </a:t>
               </a:r>
               <a:r>
-                <a:rPr lang="ko-KR" altLang="en-US" sz="1000" dirty="0" smtClean="0"/>
-                <a:t>조회 </a:t>
-              </a:r>
-              <a:r>
-                <a:rPr lang="en-US" altLang="ko-KR" sz="1000" dirty="0" smtClean="0"/>
-                <a:t>/ </a:t>
-              </a:r>
-              <a:r>
-                <a:rPr lang="ko-KR" altLang="en-US" sz="1000" dirty="0" smtClean="0"/>
+                <a:rPr lang="ko-KR" altLang="en-US" sz="1000" dirty="0"/>
                 <a:t>삭제</a:t>
               </a:r>
-              <a:endParaRPr lang="ko-KR" altLang="en-US" sz="1000" dirty="0"/>
             </a:p>
           </p:txBody>
         </p:sp>
@@ -16181,14 +16008,13 @@
             <a:lstStyle/>
             <a:p>
               <a:r>
-                <a:rPr lang="en-US" altLang="ko-KR" sz="1000" dirty="0" smtClean="0"/>
+                <a:rPr lang="en-US" altLang="ko-KR" sz="1000" dirty="0"/>
                 <a:t>6. </a:t>
               </a:r>
               <a:r>
-                <a:rPr lang="ko-KR" altLang="en-US" sz="1000" dirty="0" smtClean="0"/>
+                <a:rPr lang="ko-KR" altLang="en-US" sz="1000" dirty="0"/>
                 <a:t>공지사항 목록 확인</a:t>
               </a:r>
-              <a:endParaRPr lang="ko-KR" altLang="en-US" sz="1000" dirty="0"/>
             </a:p>
           </p:txBody>
         </p:sp>
@@ -16314,7 +16140,7 @@
             <a:lstStyle/>
             <a:p>
               <a:pPr algn="ctr"/>
-              <a:endParaRPr lang="ko-KR" altLang="en-US" sz="1000" b="1" dirty="0" smtClean="0"/>
+              <a:endParaRPr lang="ko-KR" altLang="en-US" sz="1000" b="1" dirty="0"/>
             </a:p>
           </p:txBody>
         </p:sp>
@@ -16440,7 +16266,7 @@
             <a:lstStyle/>
             <a:p>
               <a:pPr algn="ctr"/>
-              <a:endParaRPr lang="ko-KR" altLang="en-US" sz="1000" b="1" dirty="0" smtClean="0"/>
+              <a:endParaRPr lang="ko-KR" altLang="en-US" sz="1000" b="1" dirty="0"/>
             </a:p>
           </p:txBody>
         </p:sp>
@@ -16467,18 +16293,17 @@
             <a:lstStyle/>
             <a:p>
               <a:r>
-                <a:rPr lang="en-US" altLang="ko-KR" sz="1000" dirty="0" smtClean="0"/>
+                <a:rPr lang="en-US" altLang="ko-KR" sz="1000" dirty="0"/>
                 <a:t>9. </a:t>
               </a:r>
               <a:r>
-                <a:rPr lang="ko-KR" altLang="en-US" sz="1000" dirty="0" err="1" smtClean="0"/>
+                <a:rPr lang="ko-KR" altLang="en-US" sz="1000" dirty="0" err="1"/>
                 <a:t>회원레벨별</a:t>
               </a:r>
               <a:r>
-                <a:rPr lang="ko-KR" altLang="en-US" sz="1000" dirty="0" smtClean="0"/>
+                <a:rPr lang="ko-KR" altLang="en-US" sz="1000" dirty="0"/>
                 <a:t> 다수 이용 순으로 조회 및 회원 레벨 조정</a:t>
               </a:r>
-              <a:endParaRPr lang="ko-KR" altLang="en-US" sz="1000" dirty="0"/>
             </a:p>
           </p:txBody>
         </p:sp>
@@ -16505,14 +16330,13 @@
             <a:lstStyle/>
             <a:p>
               <a:r>
-                <a:rPr lang="en-US" altLang="ko-KR" sz="1000" dirty="0" smtClean="0"/>
+                <a:rPr lang="en-US" altLang="ko-KR" sz="1000" dirty="0"/>
                 <a:t>10. </a:t>
               </a:r>
               <a:r>
-                <a:rPr lang="ko-KR" altLang="en-US" sz="1000" dirty="0" smtClean="0"/>
+                <a:rPr lang="ko-KR" altLang="en-US" sz="1000" dirty="0"/>
                 <a:t>회원 목록 확인</a:t>
               </a:r>
-              <a:endParaRPr lang="ko-KR" altLang="en-US" sz="1000" dirty="0"/>
             </a:p>
           </p:txBody>
         </p:sp>
@@ -16638,7 +16462,7 @@
             <a:lstStyle/>
             <a:p>
               <a:pPr algn="ctr"/>
-              <a:endParaRPr lang="ko-KR" altLang="en-US" sz="1000" b="1" dirty="0" smtClean="0"/>
+              <a:endParaRPr lang="ko-KR" altLang="en-US" sz="1000" b="1" dirty="0"/>
             </a:p>
           </p:txBody>
         </p:sp>
@@ -16665,22 +16489,21 @@
             <a:lstStyle/>
             <a:p>
               <a:r>
-                <a:rPr lang="en-US" altLang="ko-KR" sz="1000" dirty="0" smtClean="0"/>
+                <a:rPr lang="en-US" altLang="ko-KR" sz="1000" dirty="0"/>
                 <a:t>11. </a:t>
               </a:r>
               <a:r>
-                <a:rPr lang="ko-KR" altLang="en-US" sz="1000" dirty="0" smtClean="0"/>
+                <a:rPr lang="ko-KR" altLang="en-US" sz="1000" dirty="0"/>
                 <a:t>인기도서 통계 </a:t>
               </a:r>
               <a:r>
-                <a:rPr lang="en-US" altLang="ko-KR" sz="1000" dirty="0" smtClean="0"/>
+                <a:rPr lang="en-US" altLang="ko-KR" sz="1000" dirty="0"/>
                 <a:t>/ </a:t>
               </a:r>
               <a:r>
-                <a:rPr lang="ko-KR" altLang="en-US" sz="1000" dirty="0" smtClean="0"/>
+                <a:rPr lang="ko-KR" altLang="en-US" sz="1000" dirty="0"/>
                 <a:t>우수회원에게 도서추천</a:t>
               </a:r>
-              <a:endParaRPr lang="ko-KR" altLang="en-US" sz="1000" dirty="0"/>
             </a:p>
           </p:txBody>
         </p:sp>
@@ -16707,14 +16530,13 @@
             <a:lstStyle/>
             <a:p>
               <a:r>
-                <a:rPr lang="en-US" altLang="ko-KR" sz="1000" dirty="0" smtClean="0"/>
+                <a:rPr lang="en-US" altLang="ko-KR" sz="1000" dirty="0"/>
                 <a:t>12. </a:t>
               </a:r>
               <a:r>
-                <a:rPr lang="ko-KR" altLang="en-US" sz="1000" dirty="0" smtClean="0"/>
+                <a:rPr lang="ko-KR" altLang="en-US" sz="1000" dirty="0"/>
                 <a:t>통계 결과 확인</a:t>
               </a:r>
-              <a:endParaRPr lang="ko-KR" altLang="en-US" sz="1000" dirty="0"/>
             </a:p>
           </p:txBody>
         </p:sp>
@@ -16742,35 +16564,27 @@
             <a:p>
               <a:r>
                 <a:rPr lang="en-US" altLang="ko-KR" sz="900" dirty="0"/>
-                <a:t>7</a:t>
+                <a:t>7. </a:t>
               </a:r>
               <a:r>
-                <a:rPr lang="en-US" altLang="ko-KR" sz="900" dirty="0" smtClean="0"/>
-                <a:t>. </a:t>
-              </a:r>
-              <a:r>
-                <a:rPr lang="ko-KR" altLang="en-US" sz="900" dirty="0" smtClean="0"/>
+                <a:rPr lang="ko-KR" altLang="en-US" sz="900" dirty="0"/>
                 <a:t>도서 등록 </a:t>
               </a:r>
               <a:r>
-                <a:rPr lang="en-US" altLang="ko-KR" sz="900" dirty="0" smtClean="0"/>
+                <a:rPr lang="en-US" altLang="ko-KR" sz="900" dirty="0"/>
                 <a:t>/ </a:t>
               </a:r>
               <a:r>
-                <a:rPr lang="ko-KR" altLang="en-US" sz="900" dirty="0" smtClean="0"/>
+                <a:rPr lang="ko-KR" altLang="en-US" sz="900" dirty="0"/>
                 <a:t>수정</a:t>
               </a:r>
               <a:r>
-                <a:rPr lang="en-US" altLang="ko-KR" sz="900" dirty="0" smtClean="0"/>
+                <a:rPr lang="en-US" altLang="ko-KR" sz="900" dirty="0"/>
                 <a:t> / </a:t>
               </a:r>
               <a:r>
-                <a:rPr lang="ko-KR" altLang="en-US" sz="900" dirty="0" smtClean="0"/>
-                <a:t>삭</a:t>
-              </a:r>
-              <a:r>
                 <a:rPr lang="ko-KR" altLang="en-US" sz="900" dirty="0"/>
-                <a:t>제</a:t>
+                <a:t>삭제</a:t>
               </a:r>
             </a:p>
           </p:txBody>
@@ -16798,14 +16612,13 @@
             <a:lstStyle/>
             <a:p>
               <a:r>
-                <a:rPr lang="en-US" altLang="ko-KR" sz="900" dirty="0" smtClean="0"/>
+                <a:rPr lang="en-US" altLang="ko-KR" sz="900" dirty="0"/>
                 <a:t>8. </a:t>
               </a:r>
               <a:r>
-                <a:rPr lang="ko-KR" altLang="en-US" sz="900" dirty="0" smtClean="0"/>
+                <a:rPr lang="ko-KR" altLang="en-US" sz="900" dirty="0"/>
                 <a:t>도서 목록 확인</a:t>
               </a:r>
-              <a:endParaRPr lang="ko-KR" altLang="en-US" sz="900" dirty="0"/>
             </a:p>
           </p:txBody>
         </p:sp>
@@ -16859,7 +16672,7 @@
           <a:lstStyle/>
           <a:p>
             <a:pPr algn="ctr"/>
-            <a:endParaRPr lang="ko-KR" altLang="en-US" sz="1000" b="1" dirty="0" smtClean="0"/>
+            <a:endParaRPr lang="ko-KR" altLang="en-US" sz="1000" b="1" dirty="0"/>
           </a:p>
         </p:txBody>
       </p:sp>
@@ -16912,7 +16725,7 @@
           <a:lstStyle/>
           <a:p>
             <a:pPr algn="ctr"/>
-            <a:endParaRPr lang="ko-KR" altLang="en-US" sz="1000" b="1" dirty="0" smtClean="0"/>
+            <a:endParaRPr lang="ko-KR" altLang="en-US" sz="1000" b="1" dirty="0"/>
           </a:p>
         </p:txBody>
       </p:sp>
@@ -16965,7 +16778,7 @@
           <a:lstStyle/>
           <a:p>
             <a:pPr algn="ctr"/>
-            <a:endParaRPr lang="ko-KR" altLang="en-US" sz="1000" b="1" dirty="0" smtClean="0"/>
+            <a:endParaRPr lang="ko-KR" altLang="en-US" sz="1000" b="1" dirty="0"/>
           </a:p>
         </p:txBody>
       </p:sp>
@@ -17018,7 +16831,7 @@
           <a:lstStyle/>
           <a:p>
             <a:pPr algn="ctr"/>
-            <a:endParaRPr lang="ko-KR" altLang="en-US" sz="1000" b="1" dirty="0" smtClean="0"/>
+            <a:endParaRPr lang="ko-KR" altLang="en-US" sz="1000" b="1" dirty="0"/>
           </a:p>
         </p:txBody>
       </p:sp>
@@ -17071,7 +16884,7 @@
           <a:lstStyle/>
           <a:p>
             <a:pPr algn="ctr"/>
-            <a:endParaRPr lang="ko-KR" altLang="en-US" sz="1000" b="1" dirty="0" smtClean="0"/>
+            <a:endParaRPr lang="ko-KR" altLang="en-US" sz="1000" b="1" dirty="0"/>
           </a:p>
         </p:txBody>
       </p:sp>
@@ -17085,13 +16898,6 @@
   <p:clrMapOvr>
     <a:masterClrMapping/>
   </p:clrMapOvr>
-  <p:timing>
-    <p:tnLst>
-      <p:par>
-        <p:cTn id="1" dur="indefinite" restart="never" nodeType="tmRoot"/>
-      </p:par>
-    </p:tnLst>
-  </p:timing>
 </p:sld>
 </file>
 
@@ -17159,7 +16965,7 @@
           <a:lstStyle/>
           <a:p>
             <a:r>
-              <a:rPr lang="en-US" altLang="ko-KR" b="1" smtClean="0">
+              <a:rPr lang="en-US" altLang="ko-KR" b="1">
                 <a:solidFill>
                   <a:srgbClr val="756B5F"/>
                 </a:solidFill>
@@ -17167,18 +16973,13 @@
               <a:t>8.  </a:t>
             </a:r>
             <a:r>
-              <a:rPr lang="ko-KR" altLang="en-US" b="1" dirty="0" smtClean="0">
+              <a:rPr lang="ko-KR" altLang="en-US" b="1" dirty="0">
                 <a:solidFill>
                   <a:srgbClr val="756B5F"/>
                 </a:solidFill>
               </a:rPr>
               <a:t>기능정의서 및 설계</a:t>
             </a:r>
-            <a:endParaRPr lang="ko-KR" altLang="en-US" b="1" dirty="0">
-              <a:solidFill>
-                <a:srgbClr val="756B5F"/>
-              </a:solidFill>
-            </a:endParaRPr>
           </a:p>
         </p:txBody>
       </p:sp>
@@ -17312,7 +17113,7 @@
           <a:lstStyle/>
           <a:p>
             <a:r>
-              <a:rPr lang="en-US" altLang="ko-KR" b="1" smtClean="0">
+              <a:rPr lang="en-US" altLang="ko-KR" b="1">
                 <a:solidFill>
                   <a:srgbClr val="756B5F"/>
                 </a:solidFill>
@@ -17458,7 +17259,7 @@
           <a:lstStyle/>
           <a:p>
             <a:r>
-              <a:rPr lang="en-US" altLang="ko-KR" b="1" dirty="0" smtClean="0">
+              <a:rPr lang="en-US" altLang="ko-KR" b="1" dirty="0">
                 <a:solidFill>
                   <a:srgbClr val="756B5F"/>
                 </a:solidFill>
@@ -17466,18 +17267,13 @@
               <a:t>9.  </a:t>
             </a:r>
             <a:r>
-              <a:rPr lang="ko-KR" altLang="en-US" b="1" dirty="0" smtClean="0">
+              <a:rPr lang="ko-KR" altLang="en-US" b="1" dirty="0">
                 <a:solidFill>
                   <a:srgbClr val="756B5F"/>
                 </a:solidFill>
               </a:rPr>
               <a:t>기능정의서</a:t>
             </a:r>
-            <a:endParaRPr lang="ko-KR" altLang="en-US" b="1" dirty="0">
-              <a:solidFill>
-                <a:srgbClr val="756B5F"/>
-              </a:solidFill>
-            </a:endParaRPr>
           </a:p>
         </p:txBody>
       </p:sp>
@@ -30341,28 +30137,12 @@
           <a:lstStyle/>
           <a:p>
             <a:r>
-              <a:rPr lang="en-US" altLang="ko-KR" b="1" dirty="0" smtClean="0">
-                <a:solidFill>
-                  <a:srgbClr val="756B5F"/>
-                </a:solidFill>
-              </a:rPr>
-              <a:t>10. Project </a:t>
-            </a:r>
-            <a:r>
               <a:rPr lang="en-US" altLang="ko-KR" b="1" dirty="0">
                 <a:solidFill>
                   <a:srgbClr val="756B5F"/>
                 </a:solidFill>
               </a:rPr>
-              <a:t>S</a:t>
-            </a:r>
-            <a:r>
-              <a:rPr lang="en-US" altLang="ko-KR" b="1" dirty="0" smtClean="0">
-                <a:solidFill>
-                  <a:srgbClr val="756B5F"/>
-                </a:solidFill>
-              </a:rPr>
-              <a:t>ource Explorer</a:t>
+              <a:t>10. Project Source Explorer</a:t>
             </a:r>
             <a:endParaRPr lang="ko-KR" altLang="en-US" b="1" dirty="0">
               <a:solidFill>
@@ -30436,13 +30216,6 @@
   <p:clrMapOvr>
     <a:masterClrMapping/>
   </p:clrMapOvr>
-  <p:timing>
-    <p:tnLst>
-      <p:par>
-        <p:cTn id="1" dur="indefinite" restart="never" nodeType="tmRoot"/>
-      </p:par>
-    </p:tnLst>
-  </p:timing>
 </p:sld>
 </file>
 
@@ -30506,7 +30279,7 @@
                   <a:srgbClr val="756B5F"/>
                 </a:solidFill>
               </a:rPr>
-              <a:t>INDEX</a:t>
+              <a:t>INDEX </a:t>
             </a:r>
             <a:endParaRPr lang="ko-KR" altLang="en-US" sz="3200" b="1" dirty="0">
               <a:solidFill>
@@ -31051,7 +30824,7 @@
               <a:t>8. </a:t>
             </a:r>
             <a:r>
-              <a:rPr lang="ko-KR" altLang="en-US" sz="1000" b="1" dirty="0" err="1" smtClean="0">
+              <a:rPr lang="ko-KR" altLang="en-US" sz="1000" b="1" dirty="0" err="1">
                 <a:solidFill>
                   <a:schemeClr val="bg1"/>
                 </a:solidFill>
@@ -31081,16 +30854,7 @@
                 </a:solidFill>
                 <a:latin typeface="+mn-ea"/>
               </a:rPr>
-              <a:t>9</a:t>
-            </a:r>
-            <a:r>
-              <a:rPr lang="en-US" altLang="ko-KR" sz="1000" b="1" dirty="0" smtClean="0">
-                <a:solidFill>
-                  <a:schemeClr val="bg1"/>
-                </a:solidFill>
-                <a:latin typeface="+mn-ea"/>
-              </a:rPr>
-              <a:t>.</a:t>
+              <a:t>9.</a:t>
             </a:r>
             <a:r>
               <a:rPr lang="ko-KR" altLang="en-US" sz="1000" b="1" dirty="0">
@@ -31144,23 +30908,8 @@
                 </a:solidFill>
                 <a:latin typeface="+mn-ea"/>
               </a:rPr>
-              <a:t>10. </a:t>
-            </a:r>
-            <a:r>
-              <a:rPr lang="en-US" altLang="ko-KR" sz="1000" b="1" dirty="0" smtClean="0">
-                <a:solidFill>
-                  <a:schemeClr val="bg1"/>
-                </a:solidFill>
-                <a:latin typeface="+mn-ea"/>
-              </a:rPr>
-              <a:t>Project source Explorer</a:t>
-            </a:r>
-            <a:endParaRPr lang="en-US" altLang="ko-KR" sz="1000" b="1" dirty="0">
-              <a:solidFill>
-                <a:schemeClr val="bg1"/>
-              </a:solidFill>
-              <a:latin typeface="+mn-ea"/>
-            </a:endParaRPr>
+              <a:t>10. Project source Explorer</a:t>
+            </a:r>
           </a:p>
           <a:p>
             <a:pPr indent="-285750">
@@ -31200,19 +30949,10 @@
                 </a:solidFill>
                 <a:latin typeface="+mn-ea"/>
               </a:rPr>
-              <a:t>11. </a:t>
-            </a:r>
-            <a:r>
-              <a:rPr lang="en-US" altLang="ko-KR" sz="1000" b="1" dirty="0" smtClean="0">
-                <a:solidFill>
-                  <a:schemeClr val="bg1"/>
-                </a:solidFill>
-                <a:latin typeface="+mn-ea"/>
-              </a:rPr>
-              <a:t>UI </a:t>
-            </a:r>
-            <a:r>
-              <a:rPr lang="ko-KR" altLang="en-US" sz="1000" b="1" dirty="0" smtClean="0">
+              <a:t>11. UI </a:t>
+            </a:r>
+            <a:r>
+              <a:rPr lang="ko-KR" altLang="en-US" sz="1000" b="1" dirty="0">
                 <a:solidFill>
                   <a:schemeClr val="bg1"/>
                 </a:solidFill>
@@ -31251,16 +30991,7 @@
                 </a:solidFill>
                 <a:latin typeface="+mn-ea"/>
               </a:rPr>
-              <a:t>차후 개발 </a:t>
-            </a:r>
-            <a:r>
-              <a:rPr lang="ko-KR" altLang="en-US" sz="1000" b="1" dirty="0" smtClean="0">
-                <a:solidFill>
-                  <a:schemeClr val="bg1"/>
-                </a:solidFill>
-                <a:latin typeface="+mn-ea"/>
-              </a:rPr>
-              <a:t>내용</a:t>
+              <a:t>차후 개발 내용</a:t>
             </a:r>
             <a:endParaRPr lang="en-US" altLang="ko-KR" sz="1000" b="1" dirty="0">
               <a:solidFill>
@@ -31304,13 +31035,6 @@
   <p:clrMapOvr>
     <a:masterClrMapping/>
   </p:clrMapOvr>
-  <p:timing>
-    <p:tnLst>
-      <p:par>
-        <p:cTn id="1" dur="indefinite" restart="never" nodeType="tmRoot"/>
-      </p:par>
-    </p:tnLst>
-  </p:timing>
 </p:sld>
 </file>
 
@@ -31378,7 +31102,7 @@
           <a:lstStyle/>
           <a:p>
             <a:r>
-              <a:rPr lang="en-US" altLang="ko-KR" b="1" dirty="0" smtClean="0">
+              <a:rPr lang="en-US" altLang="ko-KR" b="1" dirty="0">
                 <a:solidFill>
                   <a:srgbClr val="756B5F"/>
                 </a:solidFill>
@@ -31386,7 +31110,7 @@
               <a:t>11. UI </a:t>
             </a:r>
             <a:r>
-              <a:rPr lang="ko-KR" altLang="en-US" b="1" dirty="0" smtClean="0">
+              <a:rPr lang="ko-KR" altLang="en-US" b="1" dirty="0">
                 <a:solidFill>
                   <a:srgbClr val="756B5F"/>
                 </a:solidFill>
@@ -31394,7 +31118,7 @@
               <a:t>시연 및 핵심기능 </a:t>
             </a:r>
             <a:r>
-              <a:rPr lang="en-US" altLang="ko-KR" b="1" dirty="0" smtClean="0">
+              <a:rPr lang="en-US" altLang="ko-KR" b="1" dirty="0">
                 <a:solidFill>
                   <a:srgbClr val="756B5F"/>
                 </a:solidFill>
@@ -31402,7 +31126,7 @@
               <a:t>– </a:t>
             </a:r>
             <a:r>
-              <a:rPr lang="ko-KR" altLang="en-US" b="1" dirty="0" err="1" smtClean="0">
+              <a:rPr lang="ko-KR" altLang="en-US" b="1" dirty="0" err="1">
                 <a:solidFill>
                   <a:srgbClr val="756B5F"/>
                 </a:solidFill>
@@ -31508,18 +31232,13 @@
             <a:lstStyle/>
             <a:p>
               <a:r>
-                <a:rPr lang="ko-KR" altLang="en-US" sz="2000" b="1" dirty="0" smtClean="0">
+                <a:rPr lang="ko-KR" altLang="en-US" sz="2000" b="1" dirty="0">
                   <a:solidFill>
                     <a:srgbClr val="FF0000"/>
                   </a:solidFill>
                 </a:rPr>
                 <a:t>①</a:t>
               </a:r>
-              <a:endParaRPr lang="ko-KR" altLang="en-US" sz="2000" b="1" dirty="0">
-                <a:solidFill>
-                  <a:srgbClr val="FF0000"/>
-                </a:solidFill>
-              </a:endParaRPr>
             </a:p>
           </p:txBody>
         </p:sp>
@@ -31570,7 +31289,7 @@
             <a:lstStyle/>
             <a:p>
               <a:pPr algn="ctr"/>
-              <a:endParaRPr lang="ko-KR" altLang="en-US" sz="1000" b="1" dirty="0" smtClean="0"/>
+              <a:endParaRPr lang="ko-KR" altLang="en-US" sz="1000" b="1" dirty="0"/>
             </a:p>
           </p:txBody>
         </p:sp>
@@ -31597,18 +31316,13 @@
             <a:lstStyle/>
             <a:p>
               <a:r>
-                <a:rPr lang="ko-KR" altLang="en-US" sz="2400" b="1" dirty="0" smtClean="0">
+                <a:rPr lang="ko-KR" altLang="en-US" sz="2400" b="1" dirty="0">
                   <a:solidFill>
                     <a:srgbClr val="FF0000"/>
                   </a:solidFill>
                 </a:rPr>
                 <a:t>②</a:t>
               </a:r>
-              <a:endParaRPr lang="ko-KR" altLang="en-US" sz="2400" b="1" dirty="0">
-                <a:solidFill>
-                  <a:srgbClr val="FF0000"/>
-                </a:solidFill>
-              </a:endParaRPr>
             </a:p>
           </p:txBody>
         </p:sp>
@@ -31659,7 +31373,7 @@
             <a:lstStyle/>
             <a:p>
               <a:pPr algn="ctr"/>
-              <a:endParaRPr lang="ko-KR" altLang="en-US" sz="1000" b="1" dirty="0" smtClean="0"/>
+              <a:endParaRPr lang="ko-KR" altLang="en-US" sz="1000" b="1" dirty="0"/>
             </a:p>
           </p:txBody>
         </p:sp>
@@ -31686,18 +31400,13 @@
             <a:lstStyle/>
             <a:p>
               <a:r>
-                <a:rPr lang="ko-KR" altLang="en-US" sz="2400" b="1" dirty="0" smtClean="0">
+                <a:rPr lang="ko-KR" altLang="en-US" sz="2400" b="1" dirty="0">
                   <a:solidFill>
                     <a:srgbClr val="FF0000"/>
                   </a:solidFill>
                 </a:rPr>
                 <a:t>③</a:t>
               </a:r>
-              <a:endParaRPr lang="ko-KR" altLang="en-US" sz="2400" b="1" dirty="0">
-                <a:solidFill>
-                  <a:srgbClr val="FF0000"/>
-                </a:solidFill>
-              </a:endParaRPr>
             </a:p>
           </p:txBody>
         </p:sp>
@@ -31748,7 +31457,7 @@
             <a:lstStyle/>
             <a:p>
               <a:pPr algn="ctr"/>
-              <a:endParaRPr lang="ko-KR" altLang="en-US" sz="1000" b="1" dirty="0" smtClean="0"/>
+              <a:endParaRPr lang="ko-KR" altLang="en-US" sz="1000" b="1" dirty="0"/>
             </a:p>
           </p:txBody>
         </p:sp>
@@ -31799,7 +31508,7 @@
             <a:lstStyle/>
             <a:p>
               <a:pPr algn="ctr"/>
-              <a:endParaRPr lang="ko-KR" altLang="en-US" sz="1000" b="1" dirty="0" smtClean="0"/>
+              <a:endParaRPr lang="ko-KR" altLang="en-US" sz="1000" b="1" dirty="0"/>
             </a:p>
           </p:txBody>
         </p:sp>
@@ -31850,7 +31559,7 @@
             <a:lstStyle/>
             <a:p>
               <a:pPr algn="ctr"/>
-              <a:endParaRPr lang="ko-KR" altLang="en-US" sz="1000" b="1" dirty="0" smtClean="0"/>
+              <a:endParaRPr lang="ko-KR" altLang="en-US" sz="1000" b="1" dirty="0"/>
             </a:p>
           </p:txBody>
         </p:sp>
@@ -31901,7 +31610,7 @@
             <a:lstStyle/>
             <a:p>
               <a:pPr algn="ctr"/>
-              <a:endParaRPr lang="ko-KR" altLang="en-US" sz="1000" b="1" dirty="0" smtClean="0"/>
+              <a:endParaRPr lang="ko-KR" altLang="en-US" sz="1000" b="1" dirty="0"/>
             </a:p>
           </p:txBody>
         </p:sp>
@@ -31952,7 +31661,7 @@
             <a:lstStyle/>
             <a:p>
               <a:pPr algn="ctr"/>
-              <a:endParaRPr lang="ko-KR" altLang="en-US" sz="1000" b="1" dirty="0" smtClean="0"/>
+              <a:endParaRPr lang="ko-KR" altLang="en-US" sz="1000" b="1" dirty="0"/>
             </a:p>
           </p:txBody>
         </p:sp>
@@ -31979,18 +31688,13 @@
             <a:lstStyle/>
             <a:p>
               <a:r>
-                <a:rPr lang="ko-KR" altLang="en-US" sz="2400" b="1" dirty="0" smtClean="0">
+                <a:rPr lang="ko-KR" altLang="en-US" sz="2400" b="1" dirty="0">
                   <a:solidFill>
                     <a:srgbClr val="FF0000"/>
                   </a:solidFill>
                 </a:rPr>
                 <a:t>④</a:t>
               </a:r>
-              <a:endParaRPr lang="ko-KR" altLang="en-US" sz="2400" b="1" dirty="0">
-                <a:solidFill>
-                  <a:srgbClr val="FF0000"/>
-                </a:solidFill>
-              </a:endParaRPr>
             </a:p>
           </p:txBody>
         </p:sp>
@@ -32017,18 +31721,13 @@
             <a:lstStyle/>
             <a:p>
               <a:r>
-                <a:rPr lang="ko-KR" altLang="en-US" sz="2400" b="1" dirty="0" smtClean="0">
+                <a:rPr lang="ko-KR" altLang="en-US" sz="2400" b="1" dirty="0">
                   <a:solidFill>
                     <a:srgbClr val="FF0000"/>
                   </a:solidFill>
                 </a:rPr>
                 <a:t>⑤</a:t>
               </a:r>
-              <a:endParaRPr lang="ko-KR" altLang="en-US" sz="2400" b="1" dirty="0">
-                <a:solidFill>
-                  <a:srgbClr val="FF0000"/>
-                </a:solidFill>
-              </a:endParaRPr>
             </a:p>
           </p:txBody>
         </p:sp>
@@ -32055,18 +31754,13 @@
             <a:lstStyle/>
             <a:p>
               <a:r>
-                <a:rPr lang="ko-KR" altLang="en-US" sz="2400" b="1" dirty="0" smtClean="0">
+                <a:rPr lang="ko-KR" altLang="en-US" sz="2400" b="1" dirty="0">
                   <a:solidFill>
                     <a:srgbClr val="FF0000"/>
                   </a:solidFill>
                 </a:rPr>
                 <a:t>⑥</a:t>
               </a:r>
-              <a:endParaRPr lang="ko-KR" altLang="en-US" sz="2400" b="1" dirty="0">
-                <a:solidFill>
-                  <a:srgbClr val="FF0000"/>
-                </a:solidFill>
-              </a:endParaRPr>
             </a:p>
           </p:txBody>
         </p:sp>
@@ -32093,18 +31787,13 @@
             <a:lstStyle/>
             <a:p>
               <a:r>
-                <a:rPr lang="ko-KR" altLang="en-US" sz="2400" b="1" dirty="0" smtClean="0">
+                <a:rPr lang="ko-KR" altLang="en-US" sz="2400" b="1" dirty="0">
                   <a:solidFill>
                     <a:srgbClr val="FF0000"/>
                   </a:solidFill>
                 </a:rPr>
                 <a:t>⑦</a:t>
               </a:r>
-              <a:endParaRPr lang="ko-KR" altLang="en-US" sz="2400" b="1" dirty="0">
-                <a:solidFill>
-                  <a:srgbClr val="FF0000"/>
-                </a:solidFill>
-              </a:endParaRPr>
             </a:p>
           </p:txBody>
         </p:sp>
@@ -32167,7 +31856,7 @@
               <a:buAutoNum type="circleNumDbPlain"/>
             </a:pPr>
             <a:r>
-              <a:rPr lang="ko-KR" altLang="en-US" sz="1200" b="1" dirty="0" err="1" smtClean="0">
+              <a:rPr lang="ko-KR" altLang="en-US" sz="1200" b="1" dirty="0" err="1">
                 <a:solidFill>
                   <a:schemeClr val="tx1"/>
                 </a:solidFill>
@@ -32175,7 +31864,7 @@
               <a:t>로그인전</a:t>
             </a:r>
             <a:r>
-              <a:rPr lang="en-US" altLang="ko-KR" sz="1200" b="1" dirty="0" smtClean="0">
+              <a:rPr lang="en-US" altLang="ko-KR" sz="1200" b="1" dirty="0">
                 <a:solidFill>
                   <a:schemeClr val="tx1"/>
                 </a:solidFill>
@@ -32183,7 +31872,7 @@
               <a:t>, </a:t>
             </a:r>
             <a:r>
-              <a:rPr lang="ko-KR" altLang="en-US" sz="1200" b="1" dirty="0" smtClean="0">
+              <a:rPr lang="ko-KR" altLang="en-US" sz="1200" b="1" dirty="0">
                 <a:solidFill>
                   <a:schemeClr val="tx1"/>
                 </a:solidFill>
@@ -32191,7 +31880,7 @@
               <a:t>회원로그인후</a:t>
             </a:r>
             <a:r>
-              <a:rPr lang="en-US" altLang="ko-KR" sz="1200" b="1" dirty="0" smtClean="0">
+              <a:rPr lang="en-US" altLang="ko-KR" sz="1200" b="1" dirty="0">
                 <a:solidFill>
                   <a:schemeClr val="tx1"/>
                 </a:solidFill>
@@ -32199,7 +31888,7 @@
               <a:t>, </a:t>
             </a:r>
             <a:r>
-              <a:rPr lang="ko-KR" altLang="en-US" sz="1200" b="1" dirty="0" smtClean="0">
+              <a:rPr lang="ko-KR" altLang="en-US" sz="1200" b="1" dirty="0">
                 <a:solidFill>
                   <a:schemeClr val="tx1"/>
                 </a:solidFill>
@@ -32215,7 +31904,7 @@
               <a:t> </a:t>
             </a:r>
             <a:r>
-              <a:rPr lang="ko-KR" altLang="en-US" sz="1200" b="1" dirty="0" err="1" smtClean="0">
+              <a:rPr lang="ko-KR" altLang="en-US" sz="1200" b="1" dirty="0" err="1">
                 <a:solidFill>
                   <a:schemeClr val="tx1"/>
                 </a:solidFill>
@@ -32223,14 +31912,14 @@
               <a:t>해더의</a:t>
             </a:r>
             <a:r>
-              <a:rPr lang="ko-KR" altLang="en-US" sz="1200" b="1" dirty="0" smtClean="0">
+              <a:rPr lang="ko-KR" altLang="en-US" sz="1200" b="1" dirty="0">
                 <a:solidFill>
                   <a:schemeClr val="tx1"/>
                 </a:solidFill>
               </a:rPr>
               <a:t> 메뉴가 다르게 보인다</a:t>
             </a:r>
-            <a:endParaRPr lang="en-US" altLang="ko-KR" sz="1200" b="1" dirty="0" smtClean="0">
+            <a:endParaRPr lang="en-US" altLang="ko-KR" sz="1200" b="1" dirty="0">
               <a:solidFill>
                 <a:schemeClr val="tx1"/>
               </a:solidFill>
@@ -32245,14 +31934,14 @@
               <a:buAutoNum type="circleNumDbPlain"/>
             </a:pPr>
             <a:r>
-              <a:rPr lang="ko-KR" altLang="en-US" sz="1200" b="1" dirty="0" smtClean="0">
+              <a:rPr lang="ko-KR" altLang="en-US" sz="1200" b="1" dirty="0">
                 <a:solidFill>
                   <a:schemeClr val="tx1"/>
                 </a:solidFill>
               </a:rPr>
               <a:t>검색하기</a:t>
             </a:r>
-            <a:endParaRPr lang="en-US" altLang="ko-KR" sz="1200" b="1" dirty="0" smtClean="0">
+            <a:endParaRPr lang="en-US" altLang="ko-KR" sz="1200" b="1" dirty="0">
               <a:solidFill>
                 <a:schemeClr val="tx1"/>
               </a:solidFill>
@@ -32267,7 +31956,7 @@
               <a:buChar char="–"/>
             </a:pPr>
             <a:r>
-              <a:rPr lang="ko-KR" altLang="en-US" sz="1200" b="1" dirty="0" smtClean="0">
+              <a:rPr lang="ko-KR" altLang="en-US" sz="1200" b="1" dirty="0">
                 <a:solidFill>
                   <a:schemeClr val="tx1"/>
                 </a:solidFill>
@@ -32275,7 +31964,7 @@
               <a:t>비회원</a:t>
             </a:r>
             <a:r>
-              <a:rPr lang="en-US" altLang="ko-KR" sz="1200" b="1" dirty="0" smtClean="0">
+              <a:rPr lang="en-US" altLang="ko-KR" sz="1200" b="1" dirty="0">
                 <a:solidFill>
                   <a:schemeClr val="tx1"/>
                 </a:solidFill>
@@ -32283,7 +31972,7 @@
               <a:t>, </a:t>
             </a:r>
             <a:r>
-              <a:rPr lang="ko-KR" altLang="en-US" sz="1200" b="1" dirty="0" smtClean="0">
+              <a:rPr lang="ko-KR" altLang="en-US" sz="1200" b="1" dirty="0">
                 <a:solidFill>
                   <a:schemeClr val="tx1"/>
                 </a:solidFill>
@@ -32291,7 +31980,7 @@
               <a:t>회원</a:t>
             </a:r>
             <a:r>
-              <a:rPr lang="en-US" altLang="ko-KR" sz="1200" b="1" dirty="0" smtClean="0">
+              <a:rPr lang="en-US" altLang="ko-KR" sz="1200" b="1" dirty="0">
                 <a:solidFill>
                   <a:schemeClr val="tx1"/>
                 </a:solidFill>
@@ -32299,14 +31988,14 @@
               <a:t>, </a:t>
             </a:r>
             <a:r>
-              <a:rPr lang="ko-KR" altLang="en-US" sz="1200" b="1" dirty="0" smtClean="0">
+              <a:rPr lang="ko-KR" altLang="en-US" sz="1200" b="1" dirty="0">
                 <a:solidFill>
                   <a:schemeClr val="tx1"/>
                 </a:solidFill>
               </a:rPr>
               <a:t>관리자 모두 이용가능</a:t>
             </a:r>
-            <a:endParaRPr lang="en-US" altLang="ko-KR" sz="1200" b="1" dirty="0" smtClean="0">
+            <a:endParaRPr lang="en-US" altLang="ko-KR" sz="1200" b="1" dirty="0">
               <a:solidFill>
                 <a:schemeClr val="tx1"/>
               </a:solidFill>
@@ -32321,7 +32010,7 @@
               <a:buChar char="–"/>
             </a:pPr>
             <a:r>
-              <a:rPr lang="ko-KR" altLang="en-US" sz="1200" b="1" dirty="0" smtClean="0">
+              <a:rPr lang="ko-KR" altLang="en-US" sz="1200" b="1" dirty="0">
                 <a:solidFill>
                   <a:schemeClr val="tx1"/>
                 </a:solidFill>
@@ -32329,7 +32018,7 @@
               <a:t>검색조건 </a:t>
             </a:r>
             <a:r>
-              <a:rPr lang="en-US" altLang="ko-KR" sz="1200" b="1" dirty="0" smtClean="0">
+              <a:rPr lang="en-US" altLang="ko-KR" sz="1200" b="1" dirty="0">
                 <a:solidFill>
                   <a:schemeClr val="tx1"/>
                 </a:solidFill>
@@ -32337,7 +32026,7 @@
               <a:t>: </a:t>
             </a:r>
             <a:r>
-              <a:rPr lang="ko-KR" altLang="en-US" sz="1200" b="1" dirty="0" smtClean="0">
+              <a:rPr lang="ko-KR" altLang="en-US" sz="1200" b="1" dirty="0">
                 <a:solidFill>
                   <a:schemeClr val="tx1"/>
                 </a:solidFill>
@@ -32345,7 +32034,7 @@
               <a:t>전체</a:t>
             </a:r>
             <a:r>
-              <a:rPr lang="en-US" altLang="ko-KR" sz="1200" b="1" dirty="0" smtClean="0">
+              <a:rPr lang="en-US" altLang="ko-KR" sz="1200" b="1" dirty="0">
                 <a:solidFill>
                   <a:schemeClr val="tx1"/>
                 </a:solidFill>
@@ -32353,7 +32042,7 @@
               <a:t>, </a:t>
             </a:r>
             <a:r>
-              <a:rPr lang="ko-KR" altLang="en-US" sz="1200" b="1" dirty="0" smtClean="0">
+              <a:rPr lang="ko-KR" altLang="en-US" sz="1200" b="1" dirty="0">
                 <a:solidFill>
                   <a:schemeClr val="tx1"/>
                 </a:solidFill>
@@ -32361,7 +32050,7 @@
               <a:t>서명</a:t>
             </a:r>
             <a:r>
-              <a:rPr lang="en-US" altLang="ko-KR" sz="1200" b="1" dirty="0" smtClean="0">
+              <a:rPr lang="en-US" altLang="ko-KR" sz="1200" b="1" dirty="0">
                 <a:solidFill>
                   <a:schemeClr val="tx1"/>
                 </a:solidFill>
@@ -32369,7 +32058,7 @@
               <a:t>, </a:t>
             </a:r>
             <a:r>
-              <a:rPr lang="ko-KR" altLang="en-US" sz="1200" b="1" dirty="0" smtClean="0">
+              <a:rPr lang="ko-KR" altLang="en-US" sz="1200" b="1" dirty="0">
                 <a:solidFill>
                   <a:schemeClr val="tx1"/>
                 </a:solidFill>
@@ -32377,7 +32066,7 @@
               <a:t>저자</a:t>
             </a:r>
             <a:r>
-              <a:rPr lang="en-US" altLang="ko-KR" sz="1200" b="1" dirty="0" smtClean="0">
+              <a:rPr lang="en-US" altLang="ko-KR" sz="1200" b="1" dirty="0">
                 <a:solidFill>
                   <a:schemeClr val="tx1"/>
                 </a:solidFill>
@@ -32385,14 +32074,14 @@
               <a:t>, </a:t>
             </a:r>
             <a:r>
-              <a:rPr lang="ko-KR" altLang="en-US" sz="1200" b="1" dirty="0" smtClean="0">
+              <a:rPr lang="ko-KR" altLang="en-US" sz="1200" b="1" dirty="0">
                 <a:solidFill>
                   <a:schemeClr val="tx1"/>
                 </a:solidFill>
               </a:rPr>
               <a:t>출판사 </a:t>
             </a:r>
-            <a:endParaRPr lang="en-US" altLang="ko-KR" sz="1200" b="1" dirty="0" smtClean="0">
+            <a:endParaRPr lang="en-US" altLang="ko-KR" sz="1200" b="1" dirty="0">
               <a:solidFill>
                 <a:schemeClr val="tx1"/>
               </a:solidFill>
@@ -32407,7 +32096,7 @@
               <a:buAutoNum type="circleNumDbPlain"/>
             </a:pPr>
             <a:r>
-              <a:rPr lang="en-US" altLang="ko-KR" sz="1200" b="1" dirty="0" smtClean="0">
+              <a:rPr lang="en-US" altLang="ko-KR" sz="1200" b="1" dirty="0">
                 <a:solidFill>
                   <a:schemeClr val="tx1"/>
                 </a:solidFill>
@@ -32424,7 +32113,7 @@
               <a:buChar char="–"/>
             </a:pPr>
             <a:r>
-              <a:rPr lang="ko-KR" altLang="en-US" sz="1200" b="1" dirty="0" smtClean="0">
+              <a:rPr lang="ko-KR" altLang="en-US" sz="1200" b="1" dirty="0">
                 <a:solidFill>
                   <a:schemeClr val="tx1"/>
                 </a:solidFill>
@@ -32432,7 +32121,7 @@
               <a:t>도서신청</a:t>
             </a:r>
             <a:r>
-              <a:rPr lang="en-US" altLang="ko-KR" sz="1200" b="1" dirty="0" smtClean="0">
+              <a:rPr lang="en-US" altLang="ko-KR" sz="1200" b="1" dirty="0">
                 <a:solidFill>
                   <a:schemeClr val="tx1"/>
                 </a:solidFill>
@@ -32440,7 +32129,7 @@
               <a:t>, </a:t>
             </a:r>
             <a:r>
-              <a:rPr lang="ko-KR" altLang="en-US" sz="1200" b="1" dirty="0" smtClean="0">
+              <a:rPr lang="ko-KR" altLang="en-US" sz="1200" b="1" dirty="0">
                 <a:solidFill>
                   <a:schemeClr val="tx1"/>
                 </a:solidFill>
@@ -32448,7 +32137,7 @@
               <a:t>좌석예약</a:t>
             </a:r>
             <a:r>
-              <a:rPr lang="en-US" altLang="ko-KR" sz="1200" b="1" dirty="0" smtClean="0">
+              <a:rPr lang="en-US" altLang="ko-KR" sz="1200" b="1" dirty="0">
                 <a:solidFill>
                   <a:schemeClr val="tx1"/>
                 </a:solidFill>
@@ -32456,7 +32145,7 @@
               <a:t>, </a:t>
             </a:r>
             <a:r>
-              <a:rPr lang="ko-KR" altLang="en-US" sz="1200" b="1" dirty="0" err="1" smtClean="0">
+              <a:rPr lang="ko-KR" altLang="en-US" sz="1200" b="1" dirty="0" err="1">
                 <a:solidFill>
                   <a:schemeClr val="tx1"/>
                 </a:solidFill>
@@ -32464,7 +32153,7 @@
               <a:t>신착자료</a:t>
             </a:r>
             <a:r>
-              <a:rPr lang="en-US" altLang="ko-KR" sz="1200" b="1" dirty="0" smtClean="0">
+              <a:rPr lang="en-US" altLang="ko-KR" sz="1200" b="1" dirty="0">
                 <a:solidFill>
                   <a:schemeClr val="tx1"/>
                 </a:solidFill>
@@ -32472,7 +32161,7 @@
               <a:t>, </a:t>
             </a:r>
             <a:r>
-              <a:rPr lang="ko-KR" altLang="en-US" sz="1200" b="1" dirty="0" smtClean="0">
+              <a:rPr lang="ko-KR" altLang="en-US" sz="1200" b="1" dirty="0">
                 <a:solidFill>
                   <a:schemeClr val="tx1"/>
                 </a:solidFill>
@@ -32480,7 +32169,7 @@
               <a:t>도서추천</a:t>
             </a:r>
             <a:r>
-              <a:rPr lang="en-US" altLang="ko-KR" sz="1200" b="1" dirty="0" smtClean="0">
+              <a:rPr lang="en-US" altLang="ko-KR" sz="1200" b="1" dirty="0">
                 <a:solidFill>
                   <a:schemeClr val="tx1"/>
                 </a:solidFill>
@@ -32488,7 +32177,7 @@
               <a:t>, </a:t>
             </a:r>
             <a:r>
-              <a:rPr lang="ko-KR" altLang="en-US" sz="1200" b="1" dirty="0" smtClean="0">
+              <a:rPr lang="ko-KR" altLang="en-US" sz="1200" b="1" dirty="0">
                 <a:solidFill>
                   <a:schemeClr val="tx1"/>
                 </a:solidFill>
@@ -32496,7 +32185,7 @@
               <a:t>인기도서</a:t>
             </a:r>
             <a:r>
-              <a:rPr lang="en-US" altLang="ko-KR" sz="1200" b="1" dirty="0" smtClean="0">
+              <a:rPr lang="en-US" altLang="ko-KR" sz="1200" b="1" dirty="0">
                 <a:solidFill>
                   <a:schemeClr val="tx1"/>
                 </a:solidFill>
@@ -32504,14 +32193,14 @@
               <a:t>, </a:t>
             </a:r>
             <a:r>
-              <a:rPr lang="ko-KR" altLang="en-US" sz="1200" b="1" dirty="0" smtClean="0">
+              <a:rPr lang="ko-KR" altLang="en-US" sz="1200" b="1" dirty="0">
                 <a:solidFill>
                   <a:schemeClr val="tx1"/>
                 </a:solidFill>
               </a:rPr>
               <a:t>이용문의</a:t>
             </a:r>
-            <a:endParaRPr lang="en-US" altLang="ko-KR" sz="1200" b="1" dirty="0" smtClean="0">
+            <a:endParaRPr lang="en-US" altLang="ko-KR" sz="1200" b="1" dirty="0">
               <a:solidFill>
                 <a:schemeClr val="tx1"/>
               </a:solidFill>
@@ -32526,7 +32215,7 @@
               <a:buAutoNum type="circleNumDbPlain"/>
             </a:pPr>
             <a:r>
-              <a:rPr lang="ko-KR" altLang="en-US" sz="1200" b="1" dirty="0" smtClean="0">
+              <a:rPr lang="ko-KR" altLang="en-US" sz="1200" b="1" dirty="0">
                 <a:solidFill>
                   <a:schemeClr val="tx1"/>
                 </a:solidFill>
@@ -32534,7 +32223,7 @@
               <a:t>최근 공지사항 </a:t>
             </a:r>
             <a:r>
-              <a:rPr lang="en-US" altLang="ko-KR" sz="1200" b="1" dirty="0" smtClean="0">
+              <a:rPr lang="en-US" altLang="ko-KR" sz="1200" b="1" dirty="0">
                 <a:solidFill>
                   <a:schemeClr val="tx1"/>
                 </a:solidFill>
@@ -32542,14 +32231,14 @@
               <a:t>top5 </a:t>
             </a:r>
             <a:r>
-              <a:rPr lang="ko-KR" altLang="en-US" sz="1200" b="1" dirty="0" smtClean="0">
+              <a:rPr lang="ko-KR" altLang="en-US" sz="1200" b="1" dirty="0">
                 <a:solidFill>
                   <a:schemeClr val="tx1"/>
                 </a:solidFill>
               </a:rPr>
               <a:t>출력</a:t>
             </a:r>
-            <a:endParaRPr lang="en-US" altLang="ko-KR" sz="1200" b="1" dirty="0" smtClean="0">
+            <a:endParaRPr lang="en-US" altLang="ko-KR" sz="1200" b="1" dirty="0">
               <a:solidFill>
                 <a:schemeClr val="tx1"/>
               </a:solidFill>
@@ -32564,7 +32253,7 @@
               <a:buAutoNum type="circleNumDbPlain"/>
             </a:pPr>
             <a:r>
-              <a:rPr lang="ko-KR" altLang="en-US" sz="1200" b="1" dirty="0" smtClean="0">
+              <a:rPr lang="ko-KR" altLang="en-US" sz="1200" b="1" dirty="0">
                 <a:solidFill>
                   <a:schemeClr val="tx1"/>
                 </a:solidFill>
@@ -32572,7 +32261,7 @@
               <a:t>달력</a:t>
             </a:r>
             <a:r>
-              <a:rPr lang="en-US" altLang="ko-KR" sz="1200" b="1" dirty="0" smtClean="0">
+              <a:rPr lang="en-US" altLang="ko-KR" sz="1200" b="1" dirty="0">
                 <a:solidFill>
                   <a:schemeClr val="tx1"/>
                 </a:solidFill>
@@ -32580,7 +32269,7 @@
               <a:t> </a:t>
             </a:r>
             <a:r>
-              <a:rPr lang="ko-KR" altLang="en-US" sz="1200" b="1" dirty="0" smtClean="0">
+              <a:rPr lang="ko-KR" altLang="en-US" sz="1200" b="1" dirty="0">
                 <a:solidFill>
                   <a:schemeClr val="tx1"/>
                 </a:solidFill>
@@ -32588,7 +32277,7 @@
               <a:t>및 일정</a:t>
             </a:r>
             <a:r>
-              <a:rPr lang="en-US" altLang="ko-KR" sz="1200" b="1" dirty="0" smtClean="0">
+              <a:rPr lang="en-US" altLang="ko-KR" sz="1200" b="1" dirty="0">
                 <a:solidFill>
                   <a:schemeClr val="tx1"/>
                 </a:solidFill>
@@ -32596,14 +32285,14 @@
               <a:t>, </a:t>
             </a:r>
             <a:r>
-              <a:rPr lang="ko-KR" altLang="en-US" sz="1200" b="1" dirty="0" smtClean="0">
+              <a:rPr lang="ko-KR" altLang="en-US" sz="1200" b="1" dirty="0">
                 <a:solidFill>
                   <a:schemeClr val="tx1"/>
                 </a:solidFill>
               </a:rPr>
               <a:t>이용시간 출력</a:t>
             </a:r>
-            <a:endParaRPr lang="en-US" altLang="ko-KR" sz="1200" b="1" dirty="0" smtClean="0">
+            <a:endParaRPr lang="en-US" altLang="ko-KR" sz="1200" b="1" dirty="0">
               <a:solidFill>
                 <a:schemeClr val="tx1"/>
               </a:solidFill>
@@ -32618,7 +32307,7 @@
               <a:buAutoNum type="circleNumDbPlain"/>
             </a:pPr>
             <a:r>
-              <a:rPr lang="ko-KR" altLang="en-US" sz="1200" b="1" dirty="0" smtClean="0">
+              <a:rPr lang="ko-KR" altLang="en-US" sz="1200" b="1" dirty="0">
                 <a:solidFill>
                   <a:schemeClr val="tx1"/>
                 </a:solidFill>
@@ -32626,7 +32315,7 @@
               <a:t>대출 인기 도서 </a:t>
             </a:r>
             <a:r>
-              <a:rPr lang="en-US" altLang="ko-KR" sz="1200" b="1" dirty="0" smtClean="0">
+              <a:rPr lang="en-US" altLang="ko-KR" sz="1200" b="1" dirty="0">
                 <a:solidFill>
                   <a:schemeClr val="tx1"/>
                 </a:solidFill>
@@ -32634,14 +32323,14 @@
               <a:t>top 5 </a:t>
             </a:r>
             <a:r>
-              <a:rPr lang="ko-KR" altLang="en-US" sz="1200" b="1" dirty="0" smtClean="0">
+              <a:rPr lang="ko-KR" altLang="en-US" sz="1200" b="1" dirty="0">
                 <a:solidFill>
                   <a:schemeClr val="tx1"/>
                 </a:solidFill>
               </a:rPr>
               <a:t>출력</a:t>
             </a:r>
-            <a:endParaRPr lang="en-US" altLang="ko-KR" sz="1200" b="1" dirty="0" smtClean="0">
+            <a:endParaRPr lang="en-US" altLang="ko-KR" sz="1200" b="1" dirty="0">
               <a:solidFill>
                 <a:schemeClr val="tx1"/>
               </a:solidFill>
@@ -32656,7 +32345,7 @@
               <a:buAutoNum type="circleNumDbPlain"/>
             </a:pPr>
             <a:r>
-              <a:rPr lang="en-US" altLang="ko-KR" sz="1200" b="1" dirty="0" smtClean="0">
+              <a:rPr lang="en-US" altLang="ko-KR" sz="1200" b="1" dirty="0">
                 <a:solidFill>
                   <a:schemeClr val="tx1"/>
                 </a:solidFill>
@@ -32664,7 +32353,7 @@
               <a:t>Hit URL : </a:t>
             </a:r>
             <a:r>
-              <a:rPr lang="ko-KR" altLang="en-US" sz="1200" b="1" dirty="0" err="1" smtClean="0">
+              <a:rPr lang="ko-KR" altLang="en-US" sz="1200" b="1" dirty="0" err="1">
                 <a:solidFill>
                   <a:schemeClr val="tx1"/>
                 </a:solidFill>
@@ -32672,7 +32361,7 @@
               <a:t>사이트맵</a:t>
             </a:r>
             <a:r>
-              <a:rPr lang="ko-KR" altLang="en-US" sz="1200" b="1" dirty="0" smtClean="0">
+              <a:rPr lang="ko-KR" altLang="en-US" sz="1200" b="1" dirty="0">
                 <a:solidFill>
                   <a:schemeClr val="tx1"/>
                 </a:solidFill>
@@ -32680,7 +32369,7 @@
               <a:t> </a:t>
             </a:r>
             <a:r>
-              <a:rPr lang="en-US" altLang="ko-KR" sz="1200" b="1" dirty="0" smtClean="0">
+              <a:rPr lang="en-US" altLang="ko-KR" sz="1200" b="1" dirty="0">
                 <a:solidFill>
                   <a:schemeClr val="tx1"/>
                 </a:solidFill>
@@ -32688,7 +32377,7 @@
               <a:t>, RISS, NDSL, KOLAS, </a:t>
             </a:r>
             <a:r>
-              <a:rPr lang="ko-KR" altLang="en-US" sz="1200" b="1" dirty="0" smtClean="0">
+              <a:rPr lang="ko-KR" altLang="en-US" sz="1200" b="1" dirty="0">
                 <a:solidFill>
                   <a:schemeClr val="tx1"/>
                 </a:solidFill>
@@ -32708,13 +32397,6 @@
   <p:clrMapOvr>
     <a:masterClrMapping/>
   </p:clrMapOvr>
-  <p:timing>
-    <p:tnLst>
-      <p:par>
-        <p:cTn id="1" dur="indefinite" restart="never" nodeType="tmRoot"/>
-      </p:par>
-    </p:tnLst>
-  </p:timing>
 </p:sld>
 </file>
 
@@ -32782,7 +32464,7 @@
           <a:lstStyle/>
           <a:p>
             <a:r>
-              <a:rPr lang="en-US" altLang="ko-KR" b="1" dirty="0" smtClean="0">
+              <a:rPr lang="en-US" altLang="ko-KR" b="1" dirty="0">
                 <a:solidFill>
                   <a:srgbClr val="756B5F"/>
                 </a:solidFill>
@@ -32790,7 +32472,7 @@
               <a:t>11. UI </a:t>
             </a:r>
             <a:r>
-              <a:rPr lang="ko-KR" altLang="en-US" b="1" dirty="0" smtClean="0">
+              <a:rPr lang="ko-KR" altLang="en-US" b="1" dirty="0">
                 <a:solidFill>
                   <a:srgbClr val="756B5F"/>
                 </a:solidFill>
@@ -32798,7 +32480,7 @@
               <a:t>시연 및 핵심기능 </a:t>
             </a:r>
             <a:r>
-              <a:rPr lang="en-US" altLang="ko-KR" b="1" dirty="0" smtClean="0">
+              <a:rPr lang="en-US" altLang="ko-KR" b="1" dirty="0">
                 <a:solidFill>
                   <a:srgbClr val="756B5F"/>
                 </a:solidFill>
@@ -32806,7 +32488,7 @@
               <a:t>– </a:t>
             </a:r>
             <a:r>
-              <a:rPr lang="ko-KR" altLang="en-US" b="1" dirty="0" smtClean="0">
+              <a:rPr lang="ko-KR" altLang="en-US" b="1" dirty="0">
                 <a:solidFill>
                   <a:srgbClr val="756B5F"/>
                 </a:solidFill>
@@ -32814,7 +32496,7 @@
               <a:t>관리자</a:t>
             </a:r>
             <a:r>
-              <a:rPr lang="en-US" altLang="ko-KR" b="1" dirty="0" smtClean="0">
+              <a:rPr lang="en-US" altLang="ko-KR" b="1" dirty="0">
                 <a:solidFill>
                   <a:srgbClr val="756B5F"/>
                 </a:solidFill>
@@ -32822,7 +32504,7 @@
               <a:t>(</a:t>
             </a:r>
             <a:r>
-              <a:rPr lang="ko-KR" altLang="en-US" b="1" dirty="0" smtClean="0">
+              <a:rPr lang="ko-KR" altLang="en-US" b="1" dirty="0">
                 <a:solidFill>
                   <a:srgbClr val="756B5F"/>
                 </a:solidFill>
@@ -32830,7 +32512,7 @@
               <a:t>사서</a:t>
             </a:r>
             <a:r>
-              <a:rPr lang="en-US" altLang="ko-KR" b="1" dirty="0" smtClean="0">
+              <a:rPr lang="en-US" altLang="ko-KR" b="1" dirty="0">
                 <a:solidFill>
                   <a:srgbClr val="756B5F"/>
                 </a:solidFill>
@@ -32838,18 +32520,13 @@
               <a:t>) </a:t>
             </a:r>
             <a:r>
-              <a:rPr lang="ko-KR" altLang="en-US" b="1" dirty="0" smtClean="0">
+              <a:rPr lang="ko-KR" altLang="en-US" b="1" dirty="0">
                 <a:solidFill>
                   <a:srgbClr val="756B5F"/>
                 </a:solidFill>
               </a:rPr>
               <a:t>등록 및 삭제</a:t>
             </a:r>
-            <a:endParaRPr lang="ko-KR" altLang="en-US" b="1" dirty="0">
-              <a:solidFill>
-                <a:srgbClr val="756B5F"/>
-              </a:solidFill>
-            </a:endParaRPr>
           </a:p>
         </p:txBody>
       </p:sp>
@@ -32911,7 +32588,7 @@
               <a:buAutoNum type="circleNumDbPlain"/>
             </a:pPr>
             <a:r>
-              <a:rPr lang="ko-KR" altLang="en-US" sz="1200" b="1" dirty="0" smtClean="0">
+              <a:rPr lang="ko-KR" altLang="en-US" sz="1200" b="1" dirty="0">
                 <a:solidFill>
                   <a:schemeClr val="tx1"/>
                 </a:solidFill>
@@ -32919,7 +32596,7 @@
               <a:t>서비스의 사이트에서 현재 위치를 알려주고</a:t>
             </a:r>
             <a:r>
-              <a:rPr lang="en-US" altLang="ko-KR" sz="1200" b="1" dirty="0" smtClean="0">
+              <a:rPr lang="en-US" altLang="ko-KR" sz="1200" b="1" dirty="0">
                 <a:solidFill>
                   <a:schemeClr val="tx1"/>
                 </a:solidFill>
@@ -32927,14 +32604,14 @@
               <a:t>, </a:t>
             </a:r>
             <a:r>
-              <a:rPr lang="ko-KR" altLang="en-US" sz="1200" b="1" dirty="0" smtClean="0">
+              <a:rPr lang="ko-KR" altLang="en-US" sz="1200" b="1" dirty="0">
                 <a:solidFill>
                   <a:schemeClr val="tx1"/>
                 </a:solidFill>
               </a:rPr>
               <a:t>좌측 메뉴도 현재 위치를 달리 표현한다</a:t>
             </a:r>
-            <a:endParaRPr lang="en-US" altLang="ko-KR" sz="1200" b="1" dirty="0" smtClean="0">
+            <a:endParaRPr lang="en-US" altLang="ko-KR" sz="1200" b="1" dirty="0">
               <a:solidFill>
                 <a:schemeClr val="tx1"/>
               </a:solidFill>
@@ -32949,7 +32626,7 @@
               <a:buAutoNum type="circleNumDbPlain"/>
             </a:pPr>
             <a:r>
-              <a:rPr lang="ko-KR" altLang="en-US" sz="1200" b="1" dirty="0" smtClean="0">
+              <a:rPr lang="ko-KR" altLang="en-US" sz="1200" b="1" dirty="0">
                 <a:solidFill>
                   <a:schemeClr val="tx1"/>
                 </a:solidFill>
@@ -32957,7 +32634,7 @@
               <a:t>관리자 관리메뉴 </a:t>
             </a:r>
             <a:r>
-              <a:rPr lang="en-US" altLang="ko-KR" sz="1200" b="1" dirty="0" smtClean="0">
+              <a:rPr lang="en-US" altLang="ko-KR" sz="1200" b="1" dirty="0">
                 <a:solidFill>
                   <a:schemeClr val="tx1"/>
                 </a:solidFill>
@@ -32965,7 +32642,7 @@
               <a:t>: </a:t>
             </a:r>
             <a:r>
-              <a:rPr lang="ko-KR" altLang="en-US" sz="1200" b="1" dirty="0" smtClean="0">
+              <a:rPr lang="ko-KR" altLang="en-US" sz="1200" b="1" dirty="0">
                 <a:solidFill>
                   <a:schemeClr val="tx1"/>
                 </a:solidFill>
@@ -32973,7 +32650,7 @@
               <a:t>관리자 등록 및 관리자 삭제</a:t>
             </a:r>
             <a:r>
-              <a:rPr lang="en-US" altLang="ko-KR" sz="1200" b="1" dirty="0" smtClean="0">
+              <a:rPr lang="en-US" altLang="ko-KR" sz="1200" b="1" dirty="0">
                 <a:solidFill>
                   <a:schemeClr val="tx1"/>
                 </a:solidFill>
@@ -32981,7 +32658,7 @@
               <a:t>. </a:t>
             </a:r>
             <a:r>
-              <a:rPr lang="ko-KR" altLang="en-US" sz="1200" b="1" dirty="0" smtClean="0">
+              <a:rPr lang="ko-KR" altLang="en-US" sz="1200" b="1" dirty="0">
                 <a:solidFill>
                   <a:schemeClr val="tx1"/>
                 </a:solidFill>
@@ -32989,7 +32666,7 @@
               <a:t>현재 위치 메뉴는 </a:t>
             </a:r>
             <a:r>
-              <a:rPr lang="en-US" altLang="ko-KR" sz="1200" b="1" dirty="0" smtClean="0">
+              <a:rPr lang="en-US" altLang="ko-KR" sz="1200" b="1" dirty="0">
                 <a:solidFill>
                   <a:schemeClr val="tx1"/>
                 </a:solidFill>
@@ -32997,7 +32674,7 @@
               <a:t>CSS</a:t>
             </a:r>
             <a:r>
-              <a:rPr lang="ko-KR" altLang="en-US" sz="1200" b="1" dirty="0" smtClean="0">
+              <a:rPr lang="ko-KR" altLang="en-US" sz="1200" b="1" dirty="0">
                 <a:solidFill>
                   <a:schemeClr val="tx1"/>
                 </a:solidFill>
@@ -33005,7 +32682,7 @@
               <a:t>를 달리 한다</a:t>
             </a:r>
             <a:r>
-              <a:rPr lang="en-US" altLang="ko-KR" sz="1200" b="1" dirty="0" smtClean="0">
+              <a:rPr lang="en-US" altLang="ko-KR" sz="1200" b="1" dirty="0">
                 <a:solidFill>
                   <a:schemeClr val="tx1"/>
                 </a:solidFill>
@@ -33022,7 +32699,7 @@
               <a:buAutoNum type="circleNumDbPlain"/>
             </a:pPr>
             <a:r>
-              <a:rPr lang="ko-KR" altLang="en-US" sz="1200" b="1" dirty="0" smtClean="0">
+              <a:rPr lang="ko-KR" altLang="en-US" sz="1200" b="1" dirty="0">
                 <a:solidFill>
                   <a:schemeClr val="tx1"/>
                 </a:solidFill>
@@ -33030,7 +32707,7 @@
               <a:t>새로운 사서가 입사하여 관리자를 등록하는 화면에서 관리자의 </a:t>
             </a:r>
             <a:r>
-              <a:rPr lang="en-US" altLang="ko-KR" sz="1200" b="1" dirty="0" smtClean="0">
+              <a:rPr lang="en-US" altLang="ko-KR" sz="1200" b="1" dirty="0">
                 <a:solidFill>
                   <a:schemeClr val="tx1"/>
                 </a:solidFill>
@@ -33038,7 +32715,7 @@
               <a:t>ID</a:t>
             </a:r>
             <a:r>
-              <a:rPr lang="ko-KR" altLang="en-US" sz="1200" b="1" dirty="0" smtClean="0">
+              <a:rPr lang="ko-KR" altLang="en-US" sz="1200" b="1" dirty="0">
                 <a:solidFill>
                   <a:schemeClr val="tx1"/>
                 </a:solidFill>
@@ -33046,7 +32723,7 @@
               <a:t>중복체크</a:t>
             </a:r>
             <a:r>
-              <a:rPr lang="en-US" altLang="ko-KR" sz="1200" b="1" dirty="0" smtClean="0">
+              <a:rPr lang="en-US" altLang="ko-KR" sz="1200" b="1" dirty="0">
                 <a:solidFill>
                   <a:schemeClr val="tx1"/>
                 </a:solidFill>
@@ -33054,7 +32731,7 @@
               <a:t>(Ajax </a:t>
             </a:r>
             <a:r>
-              <a:rPr lang="ko-KR" altLang="en-US" sz="1200" b="1" dirty="0" smtClean="0">
+              <a:rPr lang="ko-KR" altLang="en-US" sz="1200" b="1" dirty="0">
                 <a:solidFill>
                   <a:schemeClr val="tx1"/>
                 </a:solidFill>
@@ -33062,7 +32739,7 @@
               <a:t>이용</a:t>
             </a:r>
             <a:r>
-              <a:rPr lang="en-US" altLang="ko-KR" sz="1200" b="1" dirty="0" smtClean="0">
+              <a:rPr lang="en-US" altLang="ko-KR" sz="1200" b="1" dirty="0">
                 <a:solidFill>
                   <a:schemeClr val="tx1"/>
                 </a:solidFill>
@@ -33079,7 +32756,7 @@
               <a:buAutoNum type="circleNumDbPlain"/>
             </a:pPr>
             <a:r>
-              <a:rPr lang="en-US" altLang="ko-KR" sz="1200" b="1" dirty="0" err="1" smtClean="0">
+              <a:rPr lang="en-US" altLang="ko-KR" sz="1200" b="1" dirty="0" err="1">
                 <a:solidFill>
                   <a:schemeClr val="tx1"/>
                 </a:solidFill>
@@ -33087,7 +32764,7 @@
               <a:t>jQueryUI</a:t>
             </a:r>
             <a:r>
-              <a:rPr lang="en-US" altLang="ko-KR" sz="1200" b="1" dirty="0" smtClean="0">
+              <a:rPr lang="en-US" altLang="ko-KR" sz="1200" b="1" dirty="0">
                 <a:solidFill>
                   <a:schemeClr val="tx1"/>
                 </a:solidFill>
@@ -33095,7 +32772,7 @@
               <a:t>, </a:t>
             </a:r>
             <a:r>
-              <a:rPr lang="en-US" altLang="ko-KR" sz="1200" b="1" dirty="0" err="1" smtClean="0">
+              <a:rPr lang="en-US" altLang="ko-KR" sz="1200" b="1" dirty="0" err="1">
                 <a:solidFill>
                   <a:schemeClr val="tx1"/>
                 </a:solidFill>
@@ -33103,7 +32780,7 @@
               <a:t>daum</a:t>
             </a:r>
             <a:r>
-              <a:rPr lang="en-US" altLang="ko-KR" sz="1200" b="1" dirty="0" smtClean="0">
+              <a:rPr lang="en-US" altLang="ko-KR" sz="1200" b="1" dirty="0">
                 <a:solidFill>
                   <a:schemeClr val="tx1"/>
                 </a:solidFill>
@@ -33111,14 +32788,14 @@
               <a:t> postcode API </a:t>
             </a:r>
             <a:r>
-              <a:rPr lang="ko-KR" altLang="en-US" sz="1200" b="1" dirty="0" smtClean="0">
+              <a:rPr lang="ko-KR" altLang="en-US" sz="1200" b="1" dirty="0">
                 <a:solidFill>
                   <a:schemeClr val="tx1"/>
                 </a:solidFill>
               </a:rPr>
               <a:t>이용</a:t>
             </a:r>
-            <a:endParaRPr lang="en-US" altLang="ko-KR" sz="1200" b="1" dirty="0" smtClean="0">
+            <a:endParaRPr lang="en-US" altLang="ko-KR" sz="1200" b="1" dirty="0">
               <a:solidFill>
                 <a:schemeClr val="tx1"/>
               </a:solidFill>
@@ -33133,7 +32810,7 @@
               <a:buAutoNum type="circleNumDbPlain"/>
             </a:pPr>
             <a:r>
-              <a:rPr lang="ko-KR" altLang="en-US" sz="1200" b="1" dirty="0" smtClean="0">
+              <a:rPr lang="ko-KR" altLang="en-US" sz="1200" b="1" dirty="0">
                 <a:solidFill>
                   <a:schemeClr val="tx1"/>
                 </a:solidFill>
@@ -33141,7 +32818,7 @@
               <a:t>사서가 퇴사하여 관리자를 삭제할 경우 </a:t>
             </a:r>
             <a:r>
-              <a:rPr lang="en-US" altLang="ko-KR" sz="1200" b="1" dirty="0" smtClean="0">
+              <a:rPr lang="en-US" altLang="ko-KR" sz="1200" b="1" dirty="0">
                 <a:solidFill>
                   <a:schemeClr val="tx1"/>
                 </a:solidFill>
@@ -33149,7 +32826,7 @@
               <a:t>X</a:t>
             </a:r>
             <a:r>
-              <a:rPr lang="ko-KR" altLang="en-US" sz="1200" b="1" dirty="0" smtClean="0">
+              <a:rPr lang="ko-KR" altLang="en-US" sz="1200" b="1" dirty="0">
                 <a:solidFill>
                   <a:schemeClr val="tx1"/>
                 </a:solidFill>
@@ -33157,7 +32834,7 @@
               <a:t>를 클릭하면 해당 </a:t>
             </a:r>
             <a:r>
-              <a:rPr lang="en-US" altLang="ko-KR" sz="1200" b="1" dirty="0" smtClean="0">
+              <a:rPr lang="en-US" altLang="ko-KR" sz="1200" b="1" dirty="0">
                 <a:solidFill>
                   <a:schemeClr val="tx1"/>
                 </a:solidFill>
@@ -33165,14 +32842,14 @@
               <a:t>ID</a:t>
             </a:r>
             <a:r>
-              <a:rPr lang="ko-KR" altLang="en-US" sz="1200" b="1" dirty="0" smtClean="0">
+              <a:rPr lang="ko-KR" altLang="en-US" sz="1200" b="1" dirty="0">
                 <a:solidFill>
                   <a:schemeClr val="tx1"/>
                 </a:solidFill>
               </a:rPr>
               <a:t>만 삭제된다</a:t>
             </a:r>
-            <a:endParaRPr lang="en-US" altLang="ko-KR" sz="1200" b="1" dirty="0" smtClean="0">
+            <a:endParaRPr lang="en-US" altLang="ko-KR" sz="1200" b="1" dirty="0">
               <a:solidFill>
                 <a:schemeClr val="tx1"/>
               </a:solidFill>
@@ -33187,7 +32864,7 @@
               <a:buAutoNum type="circleNumDbPlain"/>
             </a:pPr>
             <a:r>
-              <a:rPr lang="ko-KR" altLang="en-US" sz="1200" b="1" dirty="0" smtClean="0">
+              <a:rPr lang="ko-KR" altLang="en-US" sz="1200" b="1" dirty="0">
                 <a:solidFill>
                   <a:schemeClr val="tx1"/>
                 </a:solidFill>
@@ -33195,7 +32872,7 @@
               <a:t>본 서비스의 모든 리스트 출력은 </a:t>
             </a:r>
             <a:r>
-              <a:rPr lang="ko-KR" altLang="en-US" sz="1200" b="1" dirty="0" err="1" smtClean="0">
+              <a:rPr lang="ko-KR" altLang="en-US" sz="1200" b="1" dirty="0" err="1">
                 <a:solidFill>
                   <a:schemeClr val="tx1"/>
                 </a:solidFill>
@@ -33203,7 +32880,7 @@
               <a:t>페이징</a:t>
             </a:r>
             <a:r>
-              <a:rPr lang="ko-KR" altLang="en-US" sz="1200" b="1" dirty="0" smtClean="0">
+              <a:rPr lang="ko-KR" altLang="en-US" sz="1200" b="1" dirty="0">
                 <a:solidFill>
                   <a:schemeClr val="tx1"/>
                 </a:solidFill>
@@ -33334,18 +33011,13 @@
           <a:lstStyle/>
           <a:p>
             <a:r>
-              <a:rPr lang="ko-KR" altLang="en-US" sz="2000" b="1" dirty="0" smtClean="0">
+              <a:rPr lang="ko-KR" altLang="en-US" sz="2000" b="1" dirty="0">
                 <a:solidFill>
                   <a:srgbClr val="FF0000"/>
                 </a:solidFill>
               </a:rPr>
               <a:t>①</a:t>
             </a:r>
-            <a:endParaRPr lang="ko-KR" altLang="en-US" sz="2000" b="1" dirty="0">
-              <a:solidFill>
-                <a:srgbClr val="FF0000"/>
-              </a:solidFill>
-            </a:endParaRPr>
           </a:p>
         </p:txBody>
       </p:sp>
@@ -33372,18 +33044,13 @@
           <a:lstStyle/>
           <a:p>
             <a:r>
-              <a:rPr lang="ko-KR" altLang="en-US" sz="2400" b="1" dirty="0" smtClean="0">
+              <a:rPr lang="ko-KR" altLang="en-US" sz="2400" b="1" dirty="0">
                 <a:solidFill>
                   <a:srgbClr val="FF0000"/>
                 </a:solidFill>
               </a:rPr>
               <a:t>②</a:t>
             </a:r>
-            <a:endParaRPr lang="ko-KR" altLang="en-US" sz="2400" b="1" dirty="0">
-              <a:solidFill>
-                <a:srgbClr val="FF0000"/>
-              </a:solidFill>
-            </a:endParaRPr>
           </a:p>
         </p:txBody>
       </p:sp>
@@ -33410,18 +33077,13 @@
           <a:lstStyle/>
           <a:p>
             <a:r>
-              <a:rPr lang="ko-KR" altLang="en-US" sz="2400" b="1" dirty="0" smtClean="0">
+              <a:rPr lang="ko-KR" altLang="en-US" sz="2400" b="1" dirty="0">
                 <a:solidFill>
                   <a:srgbClr val="FF0000"/>
                 </a:solidFill>
               </a:rPr>
               <a:t>③</a:t>
             </a:r>
-            <a:endParaRPr lang="ko-KR" altLang="en-US" sz="2400" b="1" dirty="0">
-              <a:solidFill>
-                <a:srgbClr val="FF0000"/>
-              </a:solidFill>
-            </a:endParaRPr>
           </a:p>
         </p:txBody>
       </p:sp>
@@ -33448,18 +33110,13 @@
           <a:lstStyle/>
           <a:p>
             <a:r>
-              <a:rPr lang="ko-KR" altLang="en-US" sz="2400" b="1" dirty="0" smtClean="0">
+              <a:rPr lang="ko-KR" altLang="en-US" sz="2400" b="1" dirty="0">
                 <a:solidFill>
                   <a:srgbClr val="FF0000"/>
                 </a:solidFill>
               </a:rPr>
               <a:t>④</a:t>
             </a:r>
-            <a:endParaRPr lang="ko-KR" altLang="en-US" sz="2400" b="1" dirty="0">
-              <a:solidFill>
-                <a:srgbClr val="FF0000"/>
-              </a:solidFill>
-            </a:endParaRPr>
           </a:p>
         </p:txBody>
       </p:sp>
@@ -33486,18 +33143,13 @@
           <a:lstStyle/>
           <a:p>
             <a:r>
-              <a:rPr lang="ko-KR" altLang="en-US" sz="2400" b="1" dirty="0" smtClean="0">
+              <a:rPr lang="ko-KR" altLang="en-US" sz="2400" b="1" dirty="0">
                 <a:solidFill>
                   <a:srgbClr val="FF0000"/>
                 </a:solidFill>
               </a:rPr>
               <a:t>⑤</a:t>
             </a:r>
-            <a:endParaRPr lang="ko-KR" altLang="en-US" sz="2400" b="1" dirty="0">
-              <a:solidFill>
-                <a:srgbClr val="FF0000"/>
-              </a:solidFill>
-            </a:endParaRPr>
           </a:p>
         </p:txBody>
       </p:sp>
@@ -33524,18 +33176,13 @@
           <a:lstStyle/>
           <a:p>
             <a:r>
-              <a:rPr lang="ko-KR" altLang="en-US" sz="2400" b="1" dirty="0" smtClean="0">
+              <a:rPr lang="ko-KR" altLang="en-US" sz="2400" b="1" dirty="0">
                 <a:solidFill>
                   <a:srgbClr val="FF0000"/>
                 </a:solidFill>
               </a:rPr>
               <a:t>⑥</a:t>
             </a:r>
-            <a:endParaRPr lang="ko-KR" altLang="en-US" sz="2400" b="1" dirty="0">
-              <a:solidFill>
-                <a:srgbClr val="FF0000"/>
-              </a:solidFill>
-            </a:endParaRPr>
           </a:p>
         </p:txBody>
       </p:sp>
@@ -33589,7 +33236,7 @@
               <a:buFont typeface="+mj-ea"/>
               <a:buAutoNum type="circleNumDbPlain"/>
             </a:pPr>
-            <a:endParaRPr lang="ko-KR" altLang="en-US" sz="1000" b="1" dirty="0" err="1" smtClean="0">
+            <a:endParaRPr lang="ko-KR" altLang="en-US" sz="1000" b="1" dirty="0" err="1">
               <a:solidFill>
                 <a:schemeClr val="tx1"/>
               </a:solidFill>
@@ -33647,7 +33294,7 @@
               <a:buFont typeface="+mj-ea"/>
               <a:buAutoNum type="circleNumDbPlain"/>
             </a:pPr>
-            <a:endParaRPr lang="ko-KR" altLang="en-US" sz="1000" b="1" dirty="0" err="1" smtClean="0">
+            <a:endParaRPr lang="ko-KR" altLang="en-US" sz="1000" b="1" dirty="0" err="1">
               <a:solidFill>
                 <a:schemeClr val="tx1"/>
               </a:solidFill>
@@ -33777,7 +33424,7 @@
               <a:buFont typeface="+mj-ea"/>
               <a:buAutoNum type="circleNumDbPlain"/>
             </a:pPr>
-            <a:endParaRPr lang="ko-KR" altLang="en-US" sz="1000" b="1" dirty="0" err="1" smtClean="0">
+            <a:endParaRPr lang="ko-KR" altLang="en-US" sz="1000" b="1" dirty="0" err="1">
               <a:solidFill>
                 <a:schemeClr val="tx1"/>
               </a:solidFill>
@@ -33835,7 +33482,7 @@
               <a:buFont typeface="+mj-ea"/>
               <a:buAutoNum type="circleNumDbPlain"/>
             </a:pPr>
-            <a:endParaRPr lang="ko-KR" altLang="en-US" sz="1000" b="1" dirty="0" err="1" smtClean="0">
+            <a:endParaRPr lang="ko-KR" altLang="en-US" sz="1000" b="1" dirty="0" err="1">
               <a:solidFill>
                 <a:schemeClr val="tx1"/>
               </a:solidFill>
@@ -33893,7 +33540,7 @@
               <a:buFont typeface="+mj-ea"/>
               <a:buAutoNum type="circleNumDbPlain"/>
             </a:pPr>
-            <a:endParaRPr lang="ko-KR" altLang="en-US" sz="1000" b="1" dirty="0" err="1" smtClean="0">
+            <a:endParaRPr lang="ko-KR" altLang="en-US" sz="1000" b="1" dirty="0" err="1">
               <a:solidFill>
                 <a:schemeClr val="tx1"/>
               </a:solidFill>
@@ -33951,7 +33598,7 @@
               <a:buFont typeface="+mj-ea"/>
               <a:buAutoNum type="circleNumDbPlain"/>
             </a:pPr>
-            <a:endParaRPr lang="ko-KR" altLang="en-US" sz="1000" b="1" dirty="0" err="1" smtClean="0">
+            <a:endParaRPr lang="ko-KR" altLang="en-US" sz="1000" b="1" dirty="0" err="1">
               <a:solidFill>
                 <a:schemeClr val="tx1"/>
               </a:solidFill>
@@ -33969,13 +33616,6 @@
   <p:clrMapOvr>
     <a:masterClrMapping/>
   </p:clrMapOvr>
-  <p:timing>
-    <p:tnLst>
-      <p:par>
-        <p:cTn id="1" dur="indefinite" restart="never" nodeType="tmRoot"/>
-      </p:par>
-    </p:tnLst>
-  </p:timing>
 </p:sld>
 </file>
 
@@ -34043,7 +33683,7 @@
           <a:lstStyle/>
           <a:p>
             <a:r>
-              <a:rPr lang="en-US" altLang="ko-KR" b="1" dirty="0" smtClean="0">
+              <a:rPr lang="en-US" altLang="ko-KR" b="1" dirty="0">
                 <a:solidFill>
                   <a:srgbClr val="756B5F"/>
                 </a:solidFill>
@@ -34051,7 +33691,7 @@
               <a:t>11. UI </a:t>
             </a:r>
             <a:r>
-              <a:rPr lang="ko-KR" altLang="en-US" b="1" dirty="0" smtClean="0">
+              <a:rPr lang="ko-KR" altLang="en-US" b="1" dirty="0">
                 <a:solidFill>
                   <a:srgbClr val="756B5F"/>
                 </a:solidFill>
@@ -34059,7 +33699,7 @@
               <a:t>시연 및 핵심코드 </a:t>
             </a:r>
             <a:r>
-              <a:rPr lang="en-US" altLang="ko-KR" b="1" dirty="0" smtClean="0">
+              <a:rPr lang="en-US" altLang="ko-KR" b="1" dirty="0">
                 <a:solidFill>
                   <a:srgbClr val="756B5F"/>
                 </a:solidFill>
@@ -34097,18 +33737,17 @@
           <a:lstStyle/>
           <a:p>
             <a:r>
-              <a:rPr lang="ko-KR" altLang="en-US" dirty="0" smtClean="0"/>
+              <a:rPr lang="ko-KR" altLang="en-US" dirty="0"/>
               <a:t>워드 포트폴리오에 있는 화면구성들 다음 </a:t>
             </a:r>
             <a:r>
-              <a:rPr lang="en-US" altLang="ko-KR" dirty="0" err="1" smtClean="0"/>
+              <a:rPr lang="en-US" altLang="ko-KR" dirty="0" err="1"/>
               <a:t>ppt</a:t>
             </a:r>
             <a:r>
-              <a:rPr lang="ko-KR" altLang="en-US" dirty="0" smtClean="0"/>
+              <a:rPr lang="ko-KR" altLang="en-US" dirty="0"/>
               <a:t>에 배치</a:t>
             </a:r>
-            <a:endParaRPr lang="ko-KR" altLang="en-US" dirty="0"/>
           </a:p>
         </p:txBody>
       </p:sp>
@@ -34122,13 +33761,6 @@
   <p:clrMapOvr>
     <a:masterClrMapping/>
   </p:clrMapOvr>
-  <p:timing>
-    <p:tnLst>
-      <p:par>
-        <p:cTn id="1" dur="indefinite" restart="never" nodeType="tmRoot"/>
-      </p:par>
-    </p:tnLst>
-  </p:timing>
 </p:sld>
 </file>
 
@@ -34167,7 +33799,7 @@
         </p:spPr>
         <p:txBody>
           <a:bodyPr>
-            <a:normAutofit fontScale="92500" lnSpcReduction="10000"/>
+            <a:normAutofit lnSpcReduction="10000"/>
           </a:bodyPr>
           <a:lstStyle/>
           <a:p>
@@ -34177,10 +33809,10 @@
               </a:lnSpc>
             </a:pPr>
             <a:r>
-              <a:rPr lang="ko-KR" altLang="en-US" sz="2000" dirty="0" smtClean="0"/>
+              <a:rPr lang="ko-KR" altLang="en-US" sz="2000" dirty="0"/>
               <a:t>이용자 기반의 추천 플랫폼</a:t>
             </a:r>
-            <a:endParaRPr lang="en-US" altLang="ko-KR" sz="2000" dirty="0" smtClean="0"/>
+            <a:endParaRPr lang="en-US" altLang="ko-KR" sz="2000" dirty="0"/>
           </a:p>
           <a:p>
             <a:pPr>
@@ -34189,26 +33821,26 @@
               </a:lnSpc>
             </a:pPr>
             <a:r>
-              <a:rPr lang="ko-KR" altLang="en-US" sz="2000" dirty="0" smtClean="0"/>
+              <a:rPr lang="ko-KR" altLang="en-US" sz="2000" dirty="0"/>
               <a:t>예약 및 대출</a:t>
             </a:r>
             <a:r>
-              <a:rPr lang="en-US" altLang="ko-KR" sz="2000" dirty="0" smtClean="0"/>
+              <a:rPr lang="en-US" altLang="ko-KR" sz="2000" dirty="0"/>
               <a:t>, </a:t>
             </a:r>
             <a:r>
-              <a:rPr lang="ko-KR" altLang="en-US" sz="2000" dirty="0" smtClean="0"/>
+              <a:rPr lang="ko-KR" altLang="en-US" sz="2000" dirty="0"/>
               <a:t>반납기능을 </a:t>
             </a:r>
             <a:r>
-              <a:rPr lang="en-US" altLang="ko-KR" sz="2000" dirty="0" smtClean="0"/>
+              <a:rPr lang="en-US" altLang="ko-KR" sz="2000" dirty="0"/>
               <a:t>SNS</a:t>
             </a:r>
             <a:r>
-              <a:rPr lang="ko-KR" altLang="en-US" sz="2000" dirty="0" smtClean="0"/>
+              <a:rPr lang="ko-KR" altLang="en-US" sz="2000" dirty="0"/>
               <a:t>와 연동</a:t>
             </a:r>
-            <a:endParaRPr lang="en-US" altLang="ko-KR" sz="2000" dirty="0" smtClean="0"/>
+            <a:endParaRPr lang="en-US" altLang="ko-KR" sz="2000" dirty="0"/>
           </a:p>
           <a:p>
             <a:pPr>
@@ -34217,10 +33849,9 @@
               </a:lnSpc>
             </a:pPr>
             <a:r>
-              <a:rPr lang="ko-KR" altLang="en-US" sz="2000" dirty="0" smtClean="0"/>
+              <a:rPr lang="ko-KR" altLang="en-US" sz="2000" dirty="0"/>
               <a:t>연체 및 대출에 대한 점수 부여</a:t>
             </a:r>
-            <a:endParaRPr lang="ko-KR" altLang="en-US" sz="2000" dirty="0"/>
           </a:p>
         </p:txBody>
       </p:sp>
@@ -34271,7 +33902,7 @@
           <a:lstStyle/>
           <a:p>
             <a:r>
-              <a:rPr lang="en-US" altLang="ko-KR" b="1" dirty="0" smtClean="0">
+              <a:rPr lang="en-US" altLang="ko-KR" b="1" dirty="0">
                 <a:solidFill>
                   <a:srgbClr val="756B5F"/>
                 </a:solidFill>
@@ -34279,7 +33910,7 @@
               <a:t>12. </a:t>
             </a:r>
             <a:r>
-              <a:rPr lang="ko-KR" altLang="en-US" b="1" dirty="0" smtClean="0">
+              <a:rPr lang="ko-KR" altLang="en-US" b="1" dirty="0">
                 <a:solidFill>
                   <a:srgbClr val="756B5F"/>
                 </a:solidFill>
@@ -34287,7 +33918,7 @@
               <a:t>차후</a:t>
             </a:r>
             <a:r>
-              <a:rPr lang="en-US" altLang="ko-KR" b="1" dirty="0" smtClean="0">
+              <a:rPr lang="en-US" altLang="ko-KR" b="1" dirty="0">
                 <a:solidFill>
                   <a:srgbClr val="756B5F"/>
                 </a:solidFill>
@@ -34295,18 +33926,13 @@
               <a:t> </a:t>
             </a:r>
             <a:r>
-              <a:rPr lang="ko-KR" altLang="en-US" b="1" dirty="0" smtClean="0">
+              <a:rPr lang="ko-KR" altLang="en-US" b="1" dirty="0">
                 <a:solidFill>
                   <a:srgbClr val="756B5F"/>
                 </a:solidFill>
               </a:rPr>
               <a:t>개발 내용</a:t>
             </a:r>
-            <a:endParaRPr lang="ko-KR" altLang="en-US" b="1" dirty="0">
-              <a:solidFill>
-                <a:srgbClr val="756B5F"/>
-              </a:solidFill>
-            </a:endParaRPr>
           </a:p>
         </p:txBody>
       </p:sp>
@@ -34360,7 +33986,7 @@
               <a:buFont typeface="+mj-ea"/>
               <a:buAutoNum type="circleNumDbPlain"/>
             </a:pPr>
-            <a:endParaRPr lang="ko-KR" altLang="en-US" sz="1000" b="1" dirty="0" err="1" smtClean="0">
+            <a:endParaRPr lang="ko-KR" altLang="en-US" sz="1000" b="1" dirty="0" err="1">
               <a:solidFill>
                 <a:schemeClr val="tx1"/>
               </a:solidFill>
@@ -34378,13 +34004,6 @@
   <p:clrMapOvr>
     <a:masterClrMapping/>
   </p:clrMapOvr>
-  <p:timing>
-    <p:tnLst>
-      <p:par>
-        <p:cTn id="1" dur="indefinite" restart="never" nodeType="tmRoot"/>
-      </p:par>
-    </p:tnLst>
-  </p:timing>
 </p:sld>
 </file>
 
@@ -34530,7 +34149,7 @@
               <a:defRPr/>
             </a:pPr>
             <a:r>
-              <a:rPr lang="ko-KR" altLang="en-US" sz="4000" b="1" dirty="0" smtClean="0">
+              <a:rPr lang="ko-KR" altLang="en-US" sz="4000" b="1" dirty="0">
                 <a:solidFill>
                   <a:srgbClr val="756B5F"/>
                 </a:solidFill>
@@ -34555,7 +34174,7 @@
               <a:defRPr/>
             </a:pPr>
             <a:r>
-              <a:rPr lang="ko-KR" altLang="en-US" sz="4000" b="1" dirty="0" smtClean="0">
+              <a:rPr lang="ko-KR" altLang="en-US" sz="4000" b="1" dirty="0">
                 <a:solidFill>
                   <a:schemeClr val="bg1"/>
                 </a:solidFill>
@@ -34618,7 +34237,7 @@
           <a:p>
             <a:pPr algn="ctr"/>
             <a:r>
-              <a:rPr lang="en-US" altLang="ko-KR" b="1" dirty="0" smtClean="0">
+              <a:rPr lang="en-US" altLang="ko-KR" b="1" dirty="0">
                 <a:solidFill>
                   <a:schemeClr val="bg1"/>
                 </a:solidFill>
@@ -34626,7 +34245,7 @@
               <a:t>LAS</a:t>
             </a:r>
             <a:r>
-              <a:rPr lang="en-US" altLang="ko-KR" sz="2800" b="1" baseline="30000" dirty="0" smtClean="0">
+              <a:rPr lang="en-US" altLang="ko-KR" sz="2800" b="1" baseline="30000" dirty="0">
                 <a:solidFill>
                   <a:schemeClr val="bg1"/>
                 </a:solidFill>
@@ -34674,13 +34293,65 @@
   <p:clrMapOvr>
     <a:masterClrMapping/>
   </p:clrMapOvr>
-  <p:timing>
-    <p:tnLst>
-      <p:par>
-        <p:cTn id="1" dur="indefinite" restart="never" nodeType="tmRoot"/>
-      </p:par>
-    </p:tnLst>
-  </p:timing>
+</p:sld>
+</file>
+
+<file path=ppt/slides/slide25.xml><?xml version="1.0" encoding="utf-8"?>
+<p:sld xmlns:a="http://schemas.openxmlformats.org/drawingml/2006/main" xmlns:r="http://schemas.openxmlformats.org/officeDocument/2006/relationships" xmlns:p="http://schemas.openxmlformats.org/presentationml/2006/main">
+  <p:cSld>
+    <p:spTree>
+      <p:nvGrpSpPr>
+        <p:cNvPr id="1" name=""/>
+        <p:cNvGrpSpPr/>
+        <p:nvPr/>
+      </p:nvGrpSpPr>
+      <p:grpSpPr>
+        <a:xfrm>
+          <a:off x="0" y="0"/>
+          <a:ext cx="0" cy="0"/>
+          <a:chOff x="0" y="0"/>
+          <a:chExt cx="0" cy="0"/>
+        </a:xfrm>
+      </p:grpSpPr>
+      <p:sp>
+        <p:nvSpPr>
+          <p:cNvPr id="4" name="슬라이드 번호 개체 틀 3">
+            <a:extLst>
+              <a:ext uri="{FF2B5EF4-FFF2-40B4-BE49-F238E27FC236}">
+                <a16:creationId xmlns:a16="http://schemas.microsoft.com/office/drawing/2014/main" id="{E34DBA25-FBBF-1680-9BF5-D1678456C0C0}"/>
+              </a:ext>
+            </a:extLst>
+          </p:cNvPr>
+          <p:cNvSpPr>
+            <a:spLocks noGrp="1"/>
+          </p:cNvSpPr>
+          <p:nvPr>
+            <p:ph type="sldNum" sz="quarter" idx="12"/>
+          </p:nvPr>
+        </p:nvSpPr>
+        <p:spPr/>
+        <p:txBody>
+          <a:bodyPr/>
+          <a:lstStyle/>
+          <a:p>
+            <a:fld id="{8E974B11-60DB-405B-8211-256C6E064270}" type="slidenum">
+              <a:rPr lang="ko-KR" altLang="en-US" smtClean="0"/>
+              <a:t>25</a:t>
+            </a:fld>
+            <a:endParaRPr lang="ko-KR" altLang="en-US"/>
+          </a:p>
+        </p:txBody>
+      </p:sp>
+    </p:spTree>
+    <p:extLst>
+      <p:ext uri="{BB962C8B-B14F-4D97-AF65-F5344CB8AC3E}">
+        <p14:creationId xmlns:p14="http://schemas.microsoft.com/office/powerpoint/2010/main" val="1284865806"/>
+      </p:ext>
+    </p:extLst>
+  </p:cSld>
+  <p:clrMapOvr>
+    <a:masterClrMapping/>
+  </p:clrMapOvr>
 </p:sld>
 </file>
 
@@ -34724,7 +34395,7 @@
           <a:lstStyle/>
           <a:p>
             <a:r>
-              <a:rPr lang="en-US" altLang="ko-KR" b="1" dirty="0" smtClean="0">
+              <a:rPr lang="en-US" altLang="ko-KR" b="1" dirty="0">
                 <a:solidFill>
                   <a:srgbClr val="756B5F"/>
                 </a:solidFill>
@@ -34732,18 +34403,13 @@
               <a:t>1.  </a:t>
             </a:r>
             <a:r>
-              <a:rPr lang="ko-KR" altLang="en-US" b="1" dirty="0" smtClean="0">
+              <a:rPr lang="ko-KR" altLang="en-US" b="1" dirty="0">
                 <a:solidFill>
                   <a:srgbClr val="756B5F"/>
                 </a:solidFill>
               </a:rPr>
               <a:t>주제 및 목적</a:t>
             </a:r>
-            <a:endParaRPr lang="ko-KR" altLang="en-US" b="1" dirty="0">
-              <a:solidFill>
-                <a:srgbClr val="756B5F"/>
-              </a:solidFill>
-            </a:endParaRPr>
           </a:p>
         </p:txBody>
       </p:sp>
@@ -34831,13 +34497,16 @@
         </p:nvSpPr>
         <p:spPr>
           <a:xfrm>
-            <a:off x="179512" y="1524292"/>
-            <a:ext cx="8784976" cy="3416320"/>
+            <a:off x="179512" y="1459686"/>
+            <a:ext cx="8784976" cy="2999347"/>
           </a:xfrm>
           <a:prstGeom prst="rect">
             <a:avLst/>
           </a:prstGeom>
           <a:noFill/>
+          <a:ln>
+            <a:noFill/>
+          </a:ln>
         </p:spPr>
         <p:txBody>
           <a:bodyPr wrap="square" rtlCol="0">
@@ -34853,7 +34522,7 @@
               <a:buChar char="§"/>
             </a:pPr>
             <a:r>
-              <a:rPr lang="ko-KR" altLang="en-US" dirty="0" smtClean="0">
+              <a:rPr lang="ko-KR" altLang="en-US" sz="1600" dirty="0">
                 <a:solidFill>
                   <a:srgbClr val="464646"/>
                 </a:solidFill>
@@ -34861,7 +34530,7 @@
               </a:rPr>
               <a:t>비회원</a:t>
             </a:r>
-            <a:endParaRPr lang="en-US" altLang="ko-KR" dirty="0" smtClean="0">
+            <a:endParaRPr lang="en-US" altLang="ko-KR" sz="1600" dirty="0">
               <a:solidFill>
                 <a:srgbClr val="464646"/>
               </a:solidFill>
@@ -34875,42 +34544,42 @@
               </a:lnSpc>
             </a:pPr>
             <a:r>
-              <a:rPr lang="en-US" altLang="ko-KR" dirty="0">
+              <a:rPr lang="en-US" altLang="ko-KR" sz="1600" dirty="0">
                 <a:solidFill>
                   <a:srgbClr val="464646"/>
                 </a:solidFill>
                 <a:latin typeface="+mn-ea"/>
               </a:rPr>
-              <a:t> </a:t>
-            </a:r>
-            <a:r>
-              <a:rPr lang="en-US" altLang="ko-KR" dirty="0" smtClean="0">
+              <a:t>  	- </a:t>
+            </a:r>
+            <a:r>
+              <a:rPr lang="ko-KR" altLang="en-US" sz="1600" dirty="0">
                 <a:solidFill>
                   <a:srgbClr val="464646"/>
                 </a:solidFill>
                 <a:latin typeface="+mn-ea"/>
               </a:rPr>
-              <a:t> 	- </a:t>
-            </a:r>
-            <a:r>
-              <a:rPr lang="ko-KR" altLang="en-US" dirty="0">
+              <a:t>반려동물 구경하기</a:t>
+            </a:r>
+            <a:r>
+              <a:rPr lang="en-US" altLang="ko-KR" sz="1600" dirty="0">
                 <a:solidFill>
                   <a:srgbClr val="464646"/>
                 </a:solidFill>
                 <a:latin typeface="+mn-ea"/>
               </a:rPr>
-              <a:t>검색 기능과 반려동물 구경하기 </a:t>
-            </a:r>
-            <a:r>
-              <a:rPr lang="ko-KR" altLang="en-US" dirty="0" smtClean="0">
+              <a:t>, </a:t>
+            </a:r>
+            <a:r>
+              <a:rPr lang="ko-KR" altLang="en-US" sz="1600" dirty="0">
                 <a:solidFill>
                   <a:srgbClr val="464646"/>
                 </a:solidFill>
                 <a:latin typeface="+mn-ea"/>
               </a:rPr>
-              <a:t>이용가능</a:t>
-            </a:r>
-            <a:endParaRPr lang="en-US" altLang="ko-KR" dirty="0" smtClean="0">
+              <a:t>자유게시판 구경하기 가능</a:t>
+            </a:r>
+            <a:endParaRPr lang="en-US" altLang="ko-KR" sz="1600" dirty="0">
               <a:latin typeface="+mn-ea"/>
             </a:endParaRPr>
           </a:p>
@@ -34923,7 +34592,7 @@
               <a:buChar char="§"/>
             </a:pPr>
             <a:r>
-              <a:rPr lang="ko-KR" altLang="en-US" dirty="0" smtClean="0">
+              <a:rPr lang="ko-KR" altLang="en-US" sz="1600" dirty="0">
                 <a:solidFill>
                   <a:srgbClr val="464646"/>
                 </a:solidFill>
@@ -34931,12 +34600,6 @@
               </a:rPr>
               <a:t>회원 </a:t>
             </a:r>
-            <a:endParaRPr lang="ko-KR" altLang="en-US" dirty="0">
-              <a:solidFill>
-                <a:srgbClr val="464646"/>
-              </a:solidFill>
-              <a:latin typeface="+mn-ea"/>
-            </a:endParaRPr>
           </a:p>
           <a:p>
             <a:pPr>
@@ -34945,60 +34608,42 @@
               </a:lnSpc>
             </a:pPr>
             <a:r>
-              <a:rPr lang="en-US" altLang="ko-KR" dirty="0">
+              <a:rPr lang="en-US" altLang="ko-KR" sz="1600" dirty="0">
                 <a:latin typeface="+mn-ea"/>
               </a:rPr>
-              <a:t>	</a:t>
-            </a:r>
-            <a:r>
-              <a:rPr lang="en-US" altLang="ko-KR" dirty="0" smtClean="0">
+              <a:t>	- </a:t>
+            </a:r>
+            <a:r>
+              <a:rPr lang="ko-KR" altLang="en-US" sz="1600" dirty="0">
                 <a:latin typeface="+mn-ea"/>
               </a:rPr>
-              <a:t>- </a:t>
-            </a:r>
-            <a:r>
-              <a:rPr lang="ko-KR" altLang="en-US" dirty="0">
-                <a:latin typeface="+mn-ea"/>
-              </a:rPr>
-              <a:t>최소 검색 기능부터 최대 </a:t>
-            </a:r>
-            <a:r>
-              <a:rPr lang="ko-KR" altLang="en-US" dirty="0" err="1">
-                <a:latin typeface="+mn-ea"/>
-              </a:rPr>
-              <a:t>반려견</a:t>
-            </a:r>
-            <a:r>
-              <a:rPr lang="ko-KR" altLang="en-US" dirty="0">
-                <a:latin typeface="+mn-ea"/>
-              </a:rPr>
-              <a:t> 분양</a:t>
-            </a:r>
-            <a:r>
-              <a:rPr lang="en-US" altLang="ko-KR" dirty="0">
-                <a:latin typeface="+mn-ea"/>
-              </a:rPr>
-              <a:t>,</a:t>
-            </a:r>
-            <a:r>
-              <a:rPr lang="ko-KR" altLang="en-US" dirty="0">
-                <a:latin typeface="+mn-ea"/>
-              </a:rPr>
-              <a:t>예약</a:t>
-            </a:r>
-            <a:r>
-              <a:rPr lang="en-US" altLang="ko-KR" dirty="0">
+              <a:t>반려동물 상세보기</a:t>
+            </a:r>
+            <a:r>
+              <a:rPr lang="en-US" altLang="ko-KR" sz="1600" dirty="0">
                 <a:latin typeface="+mn-ea"/>
               </a:rPr>
               <a:t>, </a:t>
             </a:r>
             <a:r>
-              <a:rPr lang="ko-KR" altLang="en-US" dirty="0">
+              <a:rPr lang="ko-KR" altLang="en-US" sz="1600" dirty="0">
                 <a:latin typeface="+mn-ea"/>
               </a:rPr>
-              <a:t>자유게시판 이용</a:t>
-            </a:r>
-            <a:endParaRPr lang="en-US" altLang="ko-KR" dirty="0" smtClean="0">
+              <a:t>댓글</a:t>
+            </a:r>
+            <a:r>
+              <a:rPr lang="en-US" altLang="ko-KR" sz="1600" dirty="0">
+                <a:latin typeface="+mn-ea"/>
+              </a:rPr>
+              <a:t>, </a:t>
+            </a:r>
+            <a:r>
+              <a:rPr lang="ko-KR" altLang="en-US" sz="1600" dirty="0">
+                <a:latin typeface="+mn-ea"/>
+              </a:rPr>
+              <a:t>자유게시판 이용하기 가능</a:t>
+            </a:r>
+            <a:endParaRPr lang="en-US" altLang="ko-KR" sz="1600" dirty="0">
               <a:latin typeface="+mn-ea"/>
             </a:endParaRPr>
           </a:p>
@@ -35011,126 +34656,144 @@
               <a:buChar char="§"/>
             </a:pPr>
             <a:r>
-              <a:rPr lang="ko-KR" altLang="en-US" dirty="0" smtClean="0">
+              <a:rPr lang="ko-KR" altLang="en-US" sz="1600" dirty="0">
                 <a:latin typeface="+mn-ea"/>
               </a:rPr>
               <a:t>관리자</a:t>
             </a:r>
-            <a:endParaRPr lang="en-US" altLang="ko-KR" dirty="0" smtClean="0">
+            <a:r>
+              <a:rPr lang="en-US" altLang="ko-KR" sz="1600" dirty="0">
+                <a:latin typeface="+mn-ea"/>
+              </a:rPr>
+              <a:t>	</a:t>
+            </a:r>
+          </a:p>
+          <a:p>
+            <a:pPr lvl="1">
+              <a:lnSpc>
+                <a:spcPct val="150000"/>
+              </a:lnSpc>
+            </a:pPr>
+            <a:r>
+              <a:rPr lang="en-US" altLang="ko-KR" sz="1600" dirty="0">
+                <a:latin typeface="+mn-ea"/>
+              </a:rPr>
+              <a:t>	- </a:t>
+            </a:r>
+            <a:r>
+              <a:rPr lang="ko-KR" altLang="en-US" sz="1600" dirty="0">
+                <a:latin typeface="+mn-ea"/>
+              </a:rPr>
+              <a:t>최고 관리자를 기본으로 두고</a:t>
+            </a:r>
+            <a:r>
+              <a:rPr lang="en-US" altLang="ko-KR" sz="1600" dirty="0">
+                <a:latin typeface="+mn-ea"/>
+              </a:rPr>
+              <a:t>, </a:t>
+            </a:r>
+            <a:r>
+              <a:rPr lang="ko-KR" altLang="en-US" sz="1600" dirty="0">
+                <a:latin typeface="+mn-ea"/>
+              </a:rPr>
+              <a:t>최고 관리자를 통해서 관리자 계정 등록</a:t>
+            </a:r>
+            <a:r>
+              <a:rPr lang="en-US" altLang="ko-KR" sz="1600" dirty="0">
+                <a:latin typeface="+mn-ea"/>
+              </a:rPr>
+              <a:t>, </a:t>
+            </a:r>
+            <a:r>
+              <a:rPr lang="ko-KR" altLang="en-US" sz="1600" dirty="0">
+                <a:latin typeface="+mn-ea"/>
+              </a:rPr>
+              <a:t>삭제 가능</a:t>
+            </a:r>
+            <a:endParaRPr lang="en-US" altLang="ko-KR" sz="1600" dirty="0">
               <a:latin typeface="+mn-ea"/>
             </a:endParaRPr>
           </a:p>
           <a:p>
-            <a:pPr marL="742950" lvl="1" indent="-285750">
+            <a:pPr lvl="1">
               <a:lnSpc>
                 <a:spcPct val="150000"/>
               </a:lnSpc>
-              <a:buFontTx/>
-              <a:buChar char="-"/>
             </a:pPr>
             <a:r>
-              <a:rPr lang="ko-KR" altLang="en-US" dirty="0">
-                <a:solidFill>
-                  <a:srgbClr val="464646"/>
-                </a:solidFill>
+              <a:rPr lang="en-US" altLang="ko-KR" sz="1600" dirty="0">
                 <a:latin typeface="+mn-ea"/>
               </a:rPr>
-              <a:t>최고 관리자를 기본으로 두고</a:t>
-            </a:r>
-            <a:r>
-              <a:rPr lang="en-US" altLang="ko-KR" dirty="0">
-                <a:solidFill>
-                  <a:srgbClr val="464646"/>
-                </a:solidFill>
+              <a:t>	- </a:t>
+            </a:r>
+            <a:r>
+              <a:rPr lang="ko-KR" altLang="en-US" sz="1600" dirty="0">
+                <a:latin typeface="+mn-ea"/>
+              </a:rPr>
+              <a:t>관리자는 반려동물 등록</a:t>
+            </a:r>
+            <a:r>
+              <a:rPr lang="en-US" altLang="ko-KR" sz="1600" dirty="0">
+                <a:latin typeface="+mn-ea"/>
+              </a:rPr>
+              <a:t>,</a:t>
+            </a:r>
+            <a:r>
+              <a:rPr lang="ko-KR" altLang="en-US" sz="1600" dirty="0">
+                <a:latin typeface="+mn-ea"/>
+              </a:rPr>
+              <a:t>수정</a:t>
+            </a:r>
+            <a:r>
+              <a:rPr lang="en-US" altLang="ko-KR" sz="1600" dirty="0">
+                <a:latin typeface="+mn-ea"/>
+              </a:rPr>
+              <a:t>,</a:t>
+            </a:r>
+            <a:r>
+              <a:rPr lang="ko-KR" altLang="en-US" sz="1600" dirty="0">
+                <a:latin typeface="+mn-ea"/>
+              </a:rPr>
+              <a:t>삭제 등의 관리</a:t>
+            </a:r>
+            <a:r>
+              <a:rPr lang="en-US" altLang="ko-KR" sz="1600" dirty="0">
+                <a:latin typeface="+mn-ea"/>
+              </a:rPr>
+              <a:t>,</a:t>
+            </a:r>
+          </a:p>
+          <a:p>
+            <a:pPr lvl="1">
+              <a:lnSpc>
+                <a:spcPct val="150000"/>
+              </a:lnSpc>
+            </a:pPr>
+            <a:r>
+              <a:rPr lang="en-US" altLang="ko-KR" sz="1600" dirty="0">
+                <a:latin typeface="+mn-ea"/>
+              </a:rPr>
+              <a:t>	- </a:t>
+            </a:r>
+            <a:r>
+              <a:rPr lang="ko-KR" altLang="en-US" sz="1600" dirty="0">
+                <a:latin typeface="+mn-ea"/>
+              </a:rPr>
+              <a:t>회원게시판 관리</a:t>
+            </a:r>
+            <a:r>
+              <a:rPr lang="en-US" altLang="ko-KR" sz="1600" dirty="0">
                 <a:latin typeface="+mn-ea"/>
               </a:rPr>
               <a:t>, </a:t>
             </a:r>
             <a:r>
-              <a:rPr lang="ko-KR" altLang="en-US" dirty="0">
-                <a:solidFill>
-                  <a:srgbClr val="464646"/>
-                </a:solidFill>
+              <a:rPr lang="ko-KR" altLang="en-US" sz="1600" dirty="0">
                 <a:latin typeface="+mn-ea"/>
               </a:rPr>
-              <a:t>최고 관리자를 통해서 관리자 계정 등록</a:t>
-            </a:r>
-            <a:r>
-              <a:rPr lang="en-US" altLang="ko-KR" dirty="0">
-                <a:solidFill>
-                  <a:srgbClr val="464646"/>
-                </a:solidFill>
-                <a:latin typeface="+mn-ea"/>
-              </a:rPr>
-              <a:t>, </a:t>
-            </a:r>
-            <a:r>
-              <a:rPr lang="ko-KR" altLang="en-US" dirty="0">
-                <a:solidFill>
-                  <a:srgbClr val="464646"/>
-                </a:solidFill>
-                <a:latin typeface="+mn-ea"/>
-              </a:rPr>
-              <a:t>삭제</a:t>
-            </a:r>
-          </a:p>
-          <a:p>
-            <a:pPr marL="742950" lvl="1" indent="-285750">
-              <a:lnSpc>
-                <a:spcPct val="150000"/>
-              </a:lnSpc>
-              <a:buFontTx/>
-              <a:buChar char="-"/>
-            </a:pPr>
-            <a:r>
-              <a:rPr lang="ko-KR" altLang="en-US" dirty="0">
-                <a:solidFill>
-                  <a:srgbClr val="464646"/>
-                </a:solidFill>
-                <a:latin typeface="+mn-ea"/>
-              </a:rPr>
-              <a:t>관리자는 반려동물 등록 및 삭제 등의 관리</a:t>
-            </a:r>
-            <a:r>
-              <a:rPr lang="en-US" altLang="ko-KR" dirty="0">
-                <a:solidFill>
-                  <a:srgbClr val="464646"/>
-                </a:solidFill>
-                <a:latin typeface="+mn-ea"/>
-              </a:rPr>
-              <a:t>, </a:t>
-            </a:r>
-            <a:r>
-              <a:rPr lang="ko-KR" altLang="en-US" dirty="0">
-                <a:solidFill>
-                  <a:srgbClr val="464646"/>
-                </a:solidFill>
-                <a:latin typeface="+mn-ea"/>
-              </a:rPr>
-              <a:t>공지사항 및 </a:t>
-            </a:r>
-            <a:r>
-              <a:rPr lang="ko-KR" altLang="en-US" dirty="0" err="1">
-                <a:solidFill>
-                  <a:srgbClr val="464646"/>
-                </a:solidFill>
-                <a:latin typeface="+mn-ea"/>
-              </a:rPr>
-              <a:t>회원게시판</a:t>
-            </a:r>
-            <a:r>
-              <a:rPr lang="ko-KR" altLang="en-US" dirty="0">
-                <a:solidFill>
-                  <a:srgbClr val="464646"/>
-                </a:solidFill>
-                <a:latin typeface="+mn-ea"/>
-              </a:rPr>
-              <a:t> 관리 등의 기능을 이용</a:t>
-            </a:r>
-            <a:endParaRPr lang="en-US" altLang="ko-KR" dirty="0" smtClean="0">
-              <a:solidFill>
-                <a:srgbClr val="464646"/>
-              </a:solidFill>
+              <a:t>반려동물 게시글 댓글 관리 가능 </a:t>
+            </a:r>
+            <a:endParaRPr lang="en-US" altLang="ko-KR" sz="1600" dirty="0">
               <a:latin typeface="+mn-ea"/>
             </a:endParaRPr>
           </a:p>
@@ -35164,6 +34827,97 @@
           </a:p>
         </p:txBody>
       </p:sp>
+      <p:pic>
+        <p:nvPicPr>
+          <p:cNvPr id="5" name="그림 4">
+            <a:extLst>
+              <a:ext uri="{FF2B5EF4-FFF2-40B4-BE49-F238E27FC236}">
+                <a16:creationId xmlns:a16="http://schemas.microsoft.com/office/drawing/2014/main" id="{3EBE7FB0-2500-D883-E6BD-5FFEFAED1863}"/>
+              </a:ext>
+            </a:extLst>
+          </p:cNvPr>
+          <p:cNvPicPr>
+            <a:picLocks noChangeAspect="1"/>
+          </p:cNvPicPr>
+          <p:nvPr/>
+        </p:nvPicPr>
+        <p:blipFill>
+          <a:blip r:embed="rId3"/>
+          <a:stretch>
+            <a:fillRect/>
+          </a:stretch>
+        </p:blipFill>
+        <p:spPr>
+          <a:xfrm>
+            <a:off x="22803" y="4442042"/>
+            <a:ext cx="893131" cy="687908"/>
+          </a:xfrm>
+          <a:prstGeom prst="rect">
+            <a:avLst/>
+          </a:prstGeom>
+        </p:spPr>
+      </p:pic>
+      <p:sp>
+        <p:nvSpPr>
+          <p:cNvPr id="6" name="직사각형 5">
+            <a:extLst>
+              <a:ext uri="{FF2B5EF4-FFF2-40B4-BE49-F238E27FC236}">
+                <a16:creationId xmlns:a16="http://schemas.microsoft.com/office/drawing/2014/main" id="{91733143-15C8-C396-AF08-329D35EEB1B7}"/>
+              </a:ext>
+            </a:extLst>
+          </p:cNvPr>
+          <p:cNvSpPr/>
+          <p:nvPr/>
+        </p:nvSpPr>
+        <p:spPr>
+          <a:xfrm>
+            <a:off x="906902" y="4937912"/>
+            <a:ext cx="1063778" cy="149746"/>
+          </a:xfrm>
+          <a:prstGeom prst="rect">
+            <a:avLst/>
+          </a:prstGeom>
+          <a:solidFill>
+            <a:schemeClr val="bg1"/>
+          </a:solidFill>
+          <a:ln>
+            <a:noFill/>
+          </a:ln>
+        </p:spPr>
+        <p:style>
+          <a:lnRef idx="2">
+            <a:schemeClr val="accent1">
+              <a:shade val="50000"/>
+            </a:schemeClr>
+          </a:lnRef>
+          <a:fillRef idx="1">
+            <a:schemeClr val="accent1"/>
+          </a:fillRef>
+          <a:effectRef idx="0">
+            <a:schemeClr val="accent1"/>
+          </a:effectRef>
+          <a:fontRef idx="minor">
+            <a:schemeClr val="lt1"/>
+          </a:fontRef>
+        </p:style>
+        <p:txBody>
+          <a:bodyPr rot="0" spcFirstLastPara="0" vertOverflow="overflow" horzOverflow="overflow" vert="horz" wrap="square" lIns="0" tIns="0" rIns="0" bIns="0" numCol="1" spcCol="0" rtlCol="0" fromWordArt="0" anchor="ctr" anchorCtr="0" forceAA="0" compatLnSpc="1">
+            <a:prstTxWarp prst="textNoShape">
+              <a:avLst/>
+            </a:prstTxWarp>
+            <a:noAutofit/>
+          </a:bodyPr>
+          <a:lstStyle/>
+          <a:p>
+            <a:pPr algn="ctr"/>
+            <a:endParaRPr lang="ko-KR" altLang="en-US" sz="1000" b="1" dirty="0">
+              <a:solidFill>
+                <a:schemeClr val="bg1"/>
+              </a:solidFill>
+            </a:endParaRPr>
+          </a:p>
+        </p:txBody>
+      </p:sp>
     </p:spTree>
     <p:extLst>
       <p:ext uri="{BB962C8B-B14F-4D97-AF65-F5344CB8AC3E}">
@@ -35174,13 +34928,6 @@
   <p:clrMapOvr>
     <a:masterClrMapping/>
   </p:clrMapOvr>
-  <p:timing>
-    <p:tnLst>
-      <p:par>
-        <p:cTn id="1" dur="indefinite" restart="never" nodeType="tmRoot"/>
-      </p:par>
-    </p:tnLst>
-  </p:timing>
 </p:sld>
 </file>
 
@@ -35297,7 +35044,7 @@
         <p:spPr>
           <a:xfrm>
             <a:off x="323530" y="483518"/>
-            <a:ext cx="8428759" cy="954107"/>
+            <a:ext cx="8428759" cy="523220"/>
           </a:xfrm>
           <a:prstGeom prst="rect">
             <a:avLst/>
@@ -35340,81 +35087,65 @@
           </a:p>
           <a:p>
             <a:r>
-              <a:rPr lang="ko-KR" altLang="en-US" sz="1400" dirty="0" smtClean="0">
+              <a:rPr lang="ko-KR" altLang="en-US" sz="1400" dirty="0">
                 <a:solidFill>
                   <a:srgbClr val="464646"/>
                 </a:solidFill>
                 <a:latin typeface="한컴 윤고딕 230" panose="02020603020101020101" pitchFamily="18" charset="-127"/>
                 <a:ea typeface="한컴 윤고딕 230" panose="02020603020101020101" pitchFamily="18" charset="-127"/>
               </a:rPr>
-              <a:t>기존에 운용되고 있는 공공도서관 및 대학도서관 웹 페이지 및 도서관 관리 시스템인 </a:t>
-            </a:r>
-            <a:r>
-              <a:rPr lang="en-US" altLang="ko-KR" sz="1400" dirty="0" smtClean="0">
+              <a:t>기존의 운용되고 있는 </a:t>
+            </a:r>
+            <a:r>
+              <a:rPr lang="en-US" altLang="ko-KR" sz="1400" dirty="0">
                 <a:solidFill>
                   <a:srgbClr val="464646"/>
                 </a:solidFill>
                 <a:latin typeface="한컴 윤고딕 230" panose="02020603020101020101" pitchFamily="18" charset="-127"/>
                 <a:ea typeface="한컴 윤고딕 230" panose="02020603020101020101" pitchFamily="18" charset="-127"/>
               </a:rPr>
-              <a:t>KOLAS</a:t>
-            </a:r>
-            <a:r>
-              <a:rPr lang="ko-KR" altLang="en-US" sz="1400" dirty="0" smtClean="0">
+              <a:t>(</a:t>
+            </a:r>
+            <a:r>
+              <a:rPr lang="ko-KR" altLang="en-US" sz="1400" dirty="0">
                 <a:solidFill>
                   <a:srgbClr val="464646"/>
                 </a:solidFill>
                 <a:latin typeface="한컴 윤고딕 230" panose="02020603020101020101" pitchFamily="18" charset="-127"/>
                 <a:ea typeface="한컴 윤고딕 230" panose="02020603020101020101" pitchFamily="18" charset="-127"/>
               </a:rPr>
-              <a:t>를 참조</a:t>
-            </a:r>
-            <a:r>
-              <a:rPr lang="en-US" altLang="ko-KR" sz="1400" dirty="0" smtClean="0">
+              <a:t>주</a:t>
+            </a:r>
+            <a:r>
+              <a:rPr lang="en-US" altLang="ko-KR" sz="1400" dirty="0">
                 <a:solidFill>
                   <a:srgbClr val="464646"/>
                 </a:solidFill>
                 <a:latin typeface="한컴 윤고딕 230" panose="02020603020101020101" pitchFamily="18" charset="-127"/>
                 <a:ea typeface="한컴 윤고딕 230" panose="02020603020101020101" pitchFamily="18" charset="-127"/>
               </a:rPr>
-              <a:t>, </a:t>
-            </a:r>
-            <a:r>
-              <a:rPr lang="ko-KR" altLang="en-US" sz="1400" dirty="0" err="1" smtClean="0">
+              <a:t>)</a:t>
+            </a:r>
+            <a:r>
+              <a:rPr lang="ko-KR" altLang="en-US" sz="1400" dirty="0" err="1">
                 <a:solidFill>
                   <a:srgbClr val="464646"/>
                 </a:solidFill>
                 <a:latin typeface="한컴 윤고딕 230" panose="02020603020101020101" pitchFamily="18" charset="-127"/>
                 <a:ea typeface="한컴 윤고딕 230" panose="02020603020101020101" pitchFamily="18" charset="-127"/>
               </a:rPr>
-              <a:t>도서분류는</a:t>
-            </a:r>
-            <a:r>
-              <a:rPr lang="ko-KR" altLang="en-US" sz="1400" dirty="0" smtClean="0">
+              <a:t>미니펫</a:t>
+            </a:r>
+            <a:r>
+              <a:rPr lang="ko-KR" altLang="en-US" sz="1400" dirty="0">
                 <a:solidFill>
                   <a:srgbClr val="464646"/>
                 </a:solidFill>
                 <a:latin typeface="한컴 윤고딕 230" panose="02020603020101020101" pitchFamily="18" charset="-127"/>
                 <a:ea typeface="한컴 윤고딕 230" panose="02020603020101020101" pitchFamily="18" charset="-127"/>
               </a:rPr>
-              <a:t> 한국십진분류법에 따른다</a:t>
-            </a:r>
-            <a:endParaRPr lang="en-US" altLang="ko-KR" sz="1400" dirty="0" smtClean="0">
-              <a:solidFill>
-                <a:srgbClr val="464646"/>
-              </a:solidFill>
-              <a:latin typeface="한컴 윤고딕 230" panose="02020603020101020101" pitchFamily="18" charset="-127"/>
-              <a:ea typeface="한컴 윤고딕 230" panose="02020603020101020101" pitchFamily="18" charset="-127"/>
-            </a:endParaRPr>
-          </a:p>
-          <a:p>
-            <a:endParaRPr lang="ko-KR" altLang="en-US" sz="1400" dirty="0">
-              <a:solidFill>
-                <a:srgbClr val="464646"/>
-              </a:solidFill>
-              <a:latin typeface="한컴 윤고딕 230" panose="02020603020101020101" pitchFamily="18" charset="-127"/>
-              <a:ea typeface="한컴 윤고딕 230" panose="02020603020101020101" pitchFamily="18" charset="-127"/>
-            </a:endParaRPr>
+              <a:t> 의 홈페이지 및 구글의 강아지 이미지들을 참조</a:t>
+            </a:r>
           </a:p>
         </p:txBody>
       </p:sp>
@@ -35470,7 +35201,7 @@
           <a:p>
             <a:pPr algn="ctr"/>
             <a:r>
-              <a:rPr lang="en-US" altLang="ko-KR" sz="4000" b="1" dirty="0" smtClean="0">
+              <a:rPr lang="en-US" altLang="ko-KR" sz="4000" b="1" dirty="0">
                 <a:solidFill>
                   <a:schemeClr val="bg1"/>
                 </a:solidFill>
@@ -35479,7 +35210,7 @@
               <a:t>“ </a:t>
             </a:r>
             <a:r>
-              <a:rPr lang="ko-KR" altLang="en-US" sz="4000" b="1" dirty="0" smtClean="0">
+              <a:rPr lang="ko-KR" altLang="en-US" sz="4000" b="1" dirty="0">
                 <a:solidFill>
                   <a:schemeClr val="bg1"/>
                 </a:solidFill>
@@ -35488,7 +35219,7 @@
               <a:t>반려 </a:t>
             </a:r>
             <a:r>
-              <a:rPr lang="en-US" altLang="ko-KR" sz="4000" b="1" dirty="0" smtClean="0">
+              <a:rPr lang="en-US" altLang="ko-KR" sz="4000" b="1" dirty="0">
                 <a:solidFill>
                   <a:schemeClr val="bg1"/>
                 </a:solidFill>
@@ -35496,7 +35227,28 @@
               </a:rPr>
               <a:t>“</a:t>
             </a:r>
-            <a:endParaRPr lang="en-US" altLang="ko-KR" sz="4000" b="1" dirty="0" smtClean="0">
+          </a:p>
+          <a:p>
+            <a:pPr algn="ctr"/>
+            <a:r>
+              <a:rPr lang="en-US" altLang="ko-KR" sz="2400" b="1" dirty="0">
+                <a:solidFill>
+                  <a:schemeClr val="bg1"/>
+                </a:solidFill>
+                <a:latin typeface="+mn-ea"/>
+              </a:rPr>
+              <a:t> </a:t>
+            </a:r>
+            <a:r>
+              <a:rPr lang="ko-KR" altLang="en-US" sz="1600" b="1" dirty="0">
+                <a:solidFill>
+                  <a:schemeClr val="bg1"/>
+                </a:solidFill>
+                <a:latin typeface="+mn-ea"/>
+              </a:rPr>
+              <a:t>인생을 함께 한다</a:t>
+            </a:r>
+            <a:endParaRPr lang="en-US" altLang="ko-KR" sz="1600" b="1" dirty="0">
               <a:solidFill>
                 <a:schemeClr val="bg1"/>
               </a:solidFill>
@@ -35506,7 +35258,7 @@
           <a:p>
             <a:pPr algn="ctr"/>
             <a:r>
-              <a:rPr lang="en-US" altLang="ko-KR" sz="2400" b="1" dirty="0" smtClean="0">
+              <a:rPr lang="en-US" altLang="ko-KR" sz="2400" b="1" dirty="0">
                 <a:solidFill>
                   <a:schemeClr val="bg1"/>
                 </a:solidFill>
@@ -35514,37 +35266,10 @@
               </a:rPr>
               <a:t> </a:t>
             </a:r>
-            <a:r>
-              <a:rPr lang="ko-KR" altLang="en-US" sz="1600" b="1" dirty="0" smtClean="0">
-                <a:solidFill>
-                  <a:schemeClr val="bg1"/>
-                </a:solidFill>
-                <a:latin typeface="+mn-ea"/>
-              </a:rPr>
-              <a:t>인생을 함께 한다</a:t>
-            </a:r>
-            <a:endParaRPr lang="en-US" altLang="ko-KR" sz="1600" b="1" dirty="0" smtClean="0">
-              <a:solidFill>
-                <a:schemeClr val="bg1"/>
-              </a:solidFill>
-              <a:latin typeface="+mn-ea"/>
-            </a:endParaRPr>
           </a:p>
           <a:p>
             <a:pPr algn="ctr"/>
-            <a:r>
-              <a:rPr lang="en-US" altLang="ko-KR" sz="2400" b="1" dirty="0" smtClean="0">
-                <a:solidFill>
-                  <a:schemeClr val="bg1"/>
-                </a:solidFill>
-                <a:latin typeface="+mn-ea"/>
-              </a:rPr>
-              <a:t> </a:t>
-            </a:r>
-          </a:p>
-          <a:p>
-            <a:pPr algn="ctr"/>
-            <a:endParaRPr lang="en-US" altLang="ko-KR" sz="2400" b="1" dirty="0" smtClean="0">
+            <a:endParaRPr lang="en-US" altLang="ko-KR" sz="2400" b="1" dirty="0">
               <a:solidFill>
                 <a:schemeClr val="bg1"/>
               </a:solidFill>
@@ -35578,32 +35303,8 @@
         </p:blipFill>
         <p:spPr>
           <a:xfrm>
-            <a:off x="672911" y="1275606"/>
-            <a:ext cx="3923447" cy="2240976"/>
-          </a:xfrm>
-          <a:prstGeom prst="rect">
-            <a:avLst/>
-          </a:prstGeom>
-        </p:spPr>
-      </p:pic>
-      <p:pic>
-        <p:nvPicPr>
-          <p:cNvPr id="8" name="그림 7"/>
-          <p:cNvPicPr>
-            <a:picLocks noChangeAspect="1"/>
-          </p:cNvPicPr>
-          <p:nvPr/>
-        </p:nvPicPr>
-        <p:blipFill>
-          <a:blip r:embed="rId4"/>
-          <a:stretch>
-            <a:fillRect/>
-          </a:stretch>
-        </p:blipFill>
-        <p:spPr>
-          <a:xfrm>
-            <a:off x="4537908" y="1123156"/>
-            <a:ext cx="3994531" cy="1929219"/>
+            <a:off x="2267745" y="1275606"/>
+            <a:ext cx="3888432" cy="2240976"/>
           </a:xfrm>
           <a:prstGeom prst="rect">
             <a:avLst/>
@@ -35962,19 +35663,10 @@
                   </a:solidFill>
                   <a:latin typeface="+mn-ea"/>
                 </a:rPr>
-                <a:t>Windows </a:t>
+                <a:t>Windows 10 </a:t>
               </a:r>
               <a:r>
-                <a:rPr kumimoji="0" lang="en-US" altLang="ko-KR" sz="1200" dirty="0" smtClean="0">
-                  <a:solidFill>
-                    <a:srgbClr val="3F3F48"/>
-                  </a:solidFill>
-                  <a:latin typeface="+mn-ea"/>
-                </a:rPr>
-                <a:t>10 </a:t>
-              </a:r>
-              <a:r>
-                <a:rPr lang="en-US" altLang="ko-KR" sz="1200" dirty="0" smtClean="0">
+                <a:rPr lang="en-US" altLang="ko-KR" sz="1200" dirty="0">
                   <a:solidFill>
                     <a:srgbClr val="3F3F48"/>
                   </a:solidFill>
@@ -35983,22 +35675,13 @@
                 <a:t>Professional</a:t>
               </a:r>
               <a:r>
-                <a:rPr kumimoji="0" lang="en-US" altLang="ko-KR" sz="1200" dirty="0" smtClean="0">
-                  <a:solidFill>
-                    <a:srgbClr val="3F3F48"/>
-                  </a:solidFill>
-                  <a:latin typeface="+mn-ea"/>
-                </a:rPr>
-                <a:t> </a:t>
-              </a:r>
-              <a:r>
                 <a:rPr kumimoji="0" lang="en-US" altLang="ko-KR" sz="1200" dirty="0">
                   <a:solidFill>
                     <a:srgbClr val="3F3F48"/>
                   </a:solidFill>
                   <a:latin typeface="+mn-ea"/>
                 </a:rPr>
-                <a:t>K</a:t>
+                <a:t> K</a:t>
               </a:r>
             </a:p>
           </p:txBody>
@@ -36326,23 +36009,8 @@
                   </a:solidFill>
                   <a:latin typeface="+mn-ea"/>
                 </a:rPr>
-                <a:t>Apache Tomcat </a:t>
+                <a:t>Apache Tomcat 9.0.31</a:t>
               </a:r>
-              <a:r>
-                <a:rPr kumimoji="0" lang="en-US" altLang="ko-KR" sz="1200" dirty="0" smtClean="0">
-                  <a:solidFill>
-                    <a:srgbClr val="3F3F48"/>
-                  </a:solidFill>
-                  <a:latin typeface="+mn-ea"/>
-                </a:rPr>
-                <a:t>9.0.31</a:t>
-              </a:r>
-              <a:endParaRPr kumimoji="0" lang="en-US" altLang="ko-KR" sz="1200" dirty="0">
-                <a:solidFill>
-                  <a:srgbClr val="3F3F48"/>
-                </a:solidFill>
-                <a:latin typeface="+mn-ea"/>
-              </a:endParaRPr>
             </a:p>
           </p:txBody>
         </p:sp>
@@ -37686,23 +37354,8 @@
                   </a:solidFill>
                   <a:latin typeface="+mn-ea"/>
                 </a:rPr>
-                <a:t>MVC model </a:t>
+                <a:t>MVC model (model 2)</a:t>
               </a:r>
-              <a:r>
-                <a:rPr kumimoji="0" lang="en-US" altLang="ko-KR" sz="1200">
-                  <a:solidFill>
-                    <a:srgbClr val="3F3F48"/>
-                  </a:solidFill>
-                  <a:latin typeface="+mn-ea"/>
-                </a:rPr>
-                <a:t>(model 2)</a:t>
-              </a:r>
-              <a:endParaRPr kumimoji="0" lang="en-US" altLang="ko-KR" sz="1200" dirty="0">
-                <a:solidFill>
-                  <a:srgbClr val="3F3F48"/>
-                </a:solidFill>
-                <a:latin typeface="+mn-ea"/>
-              </a:endParaRPr>
             </a:p>
           </p:txBody>
         </p:sp>
@@ -37880,25 +37533,7 @@
                   </a:solidFill>
                   <a:latin typeface="+mn-ea"/>
                 </a:rPr>
-                <a:t>JavaScript </a:t>
-              </a:r>
-              <a:r>
-                <a:rPr kumimoji="0" lang="en-US" altLang="ko-KR" sz="1200" dirty="0" smtClean="0">
-                  <a:solidFill>
-                    <a:srgbClr val="3F3F48"/>
-                  </a:solidFill>
-                  <a:latin typeface="+mn-ea"/>
-                </a:rPr>
-                <a:t>jquery-3.4.1,   jquery-ui-1.12.1,</a:t>
-              </a:r>
-              <a:r>
-                <a:rPr lang="en-US" altLang="ko-KR" sz="1200" dirty="0" smtClean="0">
-                  <a:solidFill>
-                    <a:srgbClr val="3F3F48"/>
-                  </a:solidFill>
-                  <a:latin typeface="+mn-ea"/>
-                </a:rPr>
-                <a:t> </a:t>
+                <a:t>JavaScript jquery-3.4.1,   jquery-ui-1.12.1,</a:t>
               </a:r>
               <a:r>
                 <a:rPr lang="en-US" altLang="ko-KR" sz="1200" dirty="0">
@@ -37907,7 +37542,7 @@
                   </a:solidFill>
                   <a:latin typeface="+mn-ea"/>
                 </a:rPr>
-                <a:t>cos-26Dec2008</a:t>
+                <a:t> cos-26Dec2008</a:t>
               </a:r>
               <a:endParaRPr kumimoji="0" lang="en-US" altLang="ko-KR" sz="1200" dirty="0">
                 <a:solidFill>
@@ -38413,16 +38048,7 @@
                   </a:solidFill>
                   <a:latin typeface="+mn-ea"/>
                 </a:rPr>
-                <a:t>Eclipse IDE for Enterprise Java </a:t>
-              </a:r>
-              <a:r>
-                <a:rPr lang="en-US" altLang="ko-KR" sz="1200" dirty="0" smtClean="0">
-                  <a:solidFill>
-                    <a:srgbClr val="3F3F48"/>
-                  </a:solidFill>
-                  <a:latin typeface="+mn-ea"/>
-                </a:rPr>
-                <a:t>Developers, </a:t>
+                <a:t>Eclipse IDE for Enterprise Java Developers, </a:t>
               </a:r>
               <a:r>
                 <a:rPr kumimoji="0" lang="en-US" altLang="ko-KR" sz="1200" dirty="0" err="1">
@@ -38625,7 +38251,7 @@
           <a:lstStyle/>
           <a:p>
             <a:r>
-              <a:rPr lang="en-US" altLang="ko-KR" b="1" dirty="0" smtClean="0">
+              <a:rPr lang="en-US" altLang="ko-KR" b="1" dirty="0">
                 <a:solidFill>
                   <a:srgbClr val="756B5F"/>
                 </a:solidFill>
@@ -38633,20 +38259,12 @@
               <a:t>3.  </a:t>
             </a:r>
             <a:r>
-              <a:rPr lang="ko-KR" altLang="en-US" b="1" dirty="0" smtClean="0">
-                <a:solidFill>
-                  <a:srgbClr val="756B5F"/>
-                </a:solidFill>
-              </a:rPr>
-              <a:t>작업분할구조</a:t>
-            </a:r>
-            <a:r>
               <a:rPr lang="ko-KR" altLang="en-US" b="1" dirty="0">
                 <a:solidFill>
                   <a:srgbClr val="756B5F"/>
                 </a:solidFill>
               </a:rPr>
-              <a:t>도</a:t>
+              <a:t>작업분할구조도</a:t>
             </a:r>
           </a:p>
         </p:txBody>
@@ -38674,7 +38292,7 @@
           <a:lstStyle/>
           <a:p>
             <a:r>
-              <a:rPr lang="en-US" altLang="ko-KR" sz="1200" b="1" dirty="0" smtClean="0">
+              <a:rPr lang="en-US" altLang="ko-KR" sz="1200" b="1" dirty="0">
                 <a:solidFill>
                   <a:srgbClr val="756B5F"/>
                 </a:solidFill>
@@ -38682,7 +38300,7 @@
               <a:t>(</a:t>
             </a:r>
             <a:r>
-              <a:rPr lang="ko-KR" altLang="en-US" sz="1200" b="1" dirty="0" smtClean="0">
+              <a:rPr lang="ko-KR" altLang="en-US" sz="1200" b="1" dirty="0">
                 <a:solidFill>
                   <a:srgbClr val="756B5F"/>
                 </a:solidFill>
@@ -38690,7 +38308,7 @@
               <a:t>사용자 모드 측 </a:t>
             </a:r>
             <a:r>
-              <a:rPr lang="en-US" altLang="ko-KR" sz="1200" b="1" dirty="0" smtClean="0">
+              <a:rPr lang="en-US" altLang="ko-KR" sz="1200" b="1" dirty="0">
                 <a:solidFill>
                   <a:srgbClr val="756B5F"/>
                 </a:solidFill>
@@ -38755,10 +38373,9 @@
           <a:p>
             <a:pPr algn="ctr"/>
             <a:r>
-              <a:rPr lang="ko-KR" altLang="en-US" sz="1000" b="1" dirty="0" smtClean="0"/>
+              <a:rPr lang="ko-KR" altLang="en-US" sz="1000" b="1" dirty="0"/>
               <a:t>반려</a:t>
             </a:r>
-            <a:endParaRPr lang="ko-KR" altLang="en-US" sz="1000" b="1" dirty="0" smtClean="0"/>
           </a:p>
         </p:txBody>
       </p:sp>
@@ -38813,11 +38430,7 @@
             <a:pPr algn="ctr"/>
             <a:r>
               <a:rPr lang="ko-KR" altLang="en-US" sz="1000" b="1" dirty="0"/>
-              <a:t>사</a:t>
-            </a:r>
-            <a:r>
-              <a:rPr lang="ko-KR" altLang="en-US" sz="1000" b="1" dirty="0" smtClean="0"/>
-              <a:t>용자</a:t>
+              <a:t>사용자</a:t>
             </a:r>
           </a:p>
         </p:txBody>
@@ -38872,7 +38485,7 @@
           <a:p>
             <a:pPr algn="ctr"/>
             <a:r>
-              <a:rPr lang="ko-KR" altLang="en-US" sz="1000" b="1" dirty="0" smtClean="0"/>
+              <a:rPr lang="ko-KR" altLang="en-US" sz="1000" b="1" dirty="0"/>
               <a:t>관리자</a:t>
             </a:r>
           </a:p>
@@ -38886,7 +38499,7 @@
         </p:nvSpPr>
         <p:spPr>
           <a:xfrm>
-            <a:off x="5436136" y="2215761"/>
+            <a:off x="4367224" y="2215761"/>
             <a:ext cx="396064" cy="378000"/>
           </a:xfrm>
           <a:prstGeom prst="rect">
@@ -38928,15 +38541,15 @@
           <a:p>
             <a:pPr algn="ctr"/>
             <a:r>
-              <a:rPr lang="ko-KR" altLang="en-US" sz="1000" b="1" dirty="0" smtClean="0"/>
+              <a:rPr lang="ko-KR" altLang="en-US" sz="1000" b="1" dirty="0"/>
               <a:t>자유</a:t>
             </a:r>
-            <a:endParaRPr lang="en-US" altLang="ko-KR" sz="1000" b="1" dirty="0" smtClean="0"/>
+            <a:endParaRPr lang="en-US" altLang="ko-KR" sz="1000" b="1" dirty="0"/>
           </a:p>
           <a:p>
             <a:pPr algn="ctr"/>
             <a:r>
-              <a:rPr lang="ko-KR" altLang="en-US" sz="1000" b="1" dirty="0" smtClean="0"/>
+              <a:rPr lang="ko-KR" altLang="en-US" sz="1000" b="1" dirty="0"/>
               <a:t>게시판</a:t>
             </a:r>
           </a:p>
@@ -38992,72 +38605,16 @@
           <a:p>
             <a:pPr algn="ctr"/>
             <a:r>
-              <a:rPr lang="ko-KR" altLang="en-US" sz="1000" b="1" dirty="0" smtClean="0"/>
+              <a:rPr lang="ko-KR" altLang="en-US" sz="1000" b="1" dirty="0"/>
               <a:t>회원</a:t>
             </a:r>
-            <a:endParaRPr lang="en-US" altLang="ko-KR" sz="1000" b="1" dirty="0" smtClean="0"/>
+            <a:endParaRPr lang="en-US" altLang="ko-KR" sz="1000" b="1" dirty="0"/>
           </a:p>
           <a:p>
             <a:pPr algn="ctr"/>
             <a:r>
-              <a:rPr lang="ko-KR" altLang="en-US" sz="1000" b="1" dirty="0" smtClean="0"/>
+              <a:rPr lang="ko-KR" altLang="en-US" sz="1000" b="1" dirty="0"/>
               <a:t>관리</a:t>
-            </a:r>
-          </a:p>
-        </p:txBody>
-      </p:sp>
-      <p:sp>
-        <p:nvSpPr>
-          <p:cNvPr id="13" name="직사각형 12"/>
-          <p:cNvSpPr/>
-          <p:nvPr/>
-        </p:nvSpPr>
-        <p:spPr>
-          <a:xfrm>
-            <a:off x="2400859" y="2240566"/>
-            <a:ext cx="360000" cy="378000"/>
-          </a:xfrm>
-          <a:prstGeom prst="rect">
-            <a:avLst/>
-          </a:prstGeom>
-          <a:solidFill>
-            <a:srgbClr val="987C4D"/>
-          </a:solidFill>
-          <a:ln>
-            <a:solidFill>
-              <a:srgbClr val="987C4D"/>
-            </a:solidFill>
-          </a:ln>
-        </p:spPr>
-        <p:style>
-          <a:lnRef idx="2">
-            <a:schemeClr val="accent1">
-              <a:shade val="50000"/>
-            </a:schemeClr>
-          </a:lnRef>
-          <a:fillRef idx="1">
-            <a:schemeClr val="accent1"/>
-          </a:fillRef>
-          <a:effectRef idx="0">
-            <a:schemeClr val="accent1"/>
-          </a:effectRef>
-          <a:fontRef idx="minor">
-            <a:schemeClr val="lt1"/>
-          </a:fontRef>
-        </p:style>
-        <p:txBody>
-          <a:bodyPr rot="0" spcFirstLastPara="0" vertOverflow="overflow" horzOverflow="overflow" vert="horz" wrap="square" lIns="0" tIns="0" rIns="0" bIns="0" numCol="1" spcCol="0" rtlCol="0" fromWordArt="0" anchor="ctr" anchorCtr="0" forceAA="0" compatLnSpc="1">
-            <a:prstTxWarp prst="textNoShape">
-              <a:avLst/>
-            </a:prstTxWarp>
-            <a:noAutofit/>
-          </a:bodyPr>
-          <a:lstStyle/>
-          <a:p>
-            <a:pPr algn="ctr"/>
-            <a:r>
-              <a:rPr lang="ko-KR" altLang="en-US" sz="1000" b="1" dirty="0" smtClean="0"/>
-              <a:t>분양</a:t>
             </a:r>
           </a:p>
         </p:txBody>
@@ -39070,7 +38627,7 @@
         </p:nvSpPr>
         <p:spPr>
           <a:xfrm>
-            <a:off x="3779991" y="2215760"/>
+            <a:off x="2407722" y="2215760"/>
             <a:ext cx="527463" cy="378000"/>
           </a:xfrm>
           <a:prstGeom prst="rect">
@@ -39112,7 +38669,7 @@
           <a:p>
             <a:pPr algn="ctr"/>
             <a:r>
-              <a:rPr lang="ko-KR" altLang="en-US" sz="1000" b="1" dirty="0" smtClean="0"/>
+              <a:rPr lang="ko-KR" altLang="en-US" sz="1000" b="1" dirty="0"/>
               <a:t>반려동물 보기</a:t>
             </a:r>
           </a:p>
@@ -39168,7 +38725,7 @@
           <a:p>
             <a:pPr algn="ctr"/>
             <a:r>
-              <a:rPr lang="ko-KR" altLang="en-US" sz="1000" b="1" dirty="0" smtClean="0"/>
+              <a:rPr lang="ko-KR" altLang="en-US" sz="1000" b="1" dirty="0"/>
               <a:t>분양 신청</a:t>
             </a:r>
           </a:p>
@@ -39224,10 +38781,10 @@
           <a:p>
             <a:pPr algn="ctr"/>
             <a:r>
-              <a:rPr lang="ko-KR" altLang="en-US" sz="1000" b="1" dirty="0" err="1" smtClean="0"/>
+              <a:rPr lang="ko-KR" altLang="en-US" sz="1000" b="1" dirty="0" err="1"/>
               <a:t>분양예약</a:t>
             </a:r>
-            <a:endParaRPr lang="ko-KR" altLang="en-US" sz="1000" b="1" dirty="0" smtClean="0"/>
+            <a:endParaRPr lang="ko-KR" altLang="en-US" sz="1000" b="1" dirty="0"/>
           </a:p>
         </p:txBody>
       </p:sp>
@@ -39239,7 +38796,7 @@
         </p:nvSpPr>
         <p:spPr>
           <a:xfrm>
-            <a:off x="4644008" y="3346926"/>
+            <a:off x="3575096" y="3346926"/>
             <a:ext cx="360000" cy="378000"/>
           </a:xfrm>
           <a:prstGeom prst="rect">
@@ -39281,14 +38838,14 @@
           <a:p>
             <a:pPr algn="ctr"/>
             <a:r>
-              <a:rPr lang="ko-KR" altLang="en-US" sz="1000" b="1" dirty="0" err="1" smtClean="0">
+              <a:rPr lang="ko-KR" altLang="en-US" sz="1000" b="1" dirty="0" err="1">
                 <a:solidFill>
                   <a:schemeClr val="tx1"/>
                 </a:solidFill>
               </a:rPr>
               <a:t>글작성</a:t>
             </a:r>
-            <a:endParaRPr lang="ko-KR" altLang="en-US" sz="1000" b="1" dirty="0" smtClean="0">
+            <a:endParaRPr lang="ko-KR" altLang="en-US" sz="1000" b="1" dirty="0">
               <a:solidFill>
                 <a:schemeClr val="tx1"/>
               </a:solidFill>
@@ -39304,7 +38861,7 @@
         </p:nvSpPr>
         <p:spPr>
           <a:xfrm>
-            <a:off x="611600" y="3330209"/>
+            <a:off x="1043648" y="3345878"/>
             <a:ext cx="360000" cy="378000"/>
           </a:xfrm>
           <a:prstGeom prst="rect">
@@ -39346,7 +38903,7 @@
           <a:p>
             <a:pPr algn="ctr"/>
             <a:r>
-              <a:rPr lang="ko-KR" altLang="en-US" sz="1000" b="1" dirty="0" smtClean="0">
+              <a:rPr lang="ko-KR" altLang="en-US" sz="1000" b="1" dirty="0">
                 <a:solidFill>
                   <a:schemeClr val="tx1"/>
                 </a:solidFill>
@@ -39358,13 +38915,81 @@
       </p:sp>
       <p:sp>
         <p:nvSpPr>
-          <p:cNvPr id="19" name="직사각형 18"/>
+          <p:cNvPr id="20" name="직사각형 19"/>
           <p:cNvSpPr/>
           <p:nvPr/>
         </p:nvSpPr>
         <p:spPr>
           <a:xfrm>
-            <a:off x="2182044" y="3334245"/>
+            <a:off x="2411760" y="3345878"/>
+            <a:ext cx="528237" cy="378000"/>
+          </a:xfrm>
+          <a:prstGeom prst="rect">
+            <a:avLst/>
+          </a:prstGeom>
+          <a:solidFill>
+            <a:srgbClr val="CDC1B6"/>
+          </a:solidFill>
+          <a:ln>
+            <a:solidFill>
+              <a:srgbClr val="CDC1B6"/>
+            </a:solidFill>
+          </a:ln>
+        </p:spPr>
+        <p:style>
+          <a:lnRef idx="2">
+            <a:schemeClr val="accent1">
+              <a:shade val="50000"/>
+            </a:schemeClr>
+          </a:lnRef>
+          <a:fillRef idx="1">
+            <a:schemeClr val="accent1"/>
+          </a:fillRef>
+          <a:effectRef idx="0">
+            <a:schemeClr val="accent1"/>
+          </a:effectRef>
+          <a:fontRef idx="minor">
+            <a:schemeClr val="lt1"/>
+          </a:fontRef>
+        </p:style>
+        <p:txBody>
+          <a:bodyPr rot="0" spcFirstLastPara="0" vertOverflow="overflow" horzOverflow="overflow" vert="horz" wrap="square" lIns="0" tIns="0" rIns="0" bIns="0" numCol="1" spcCol="0" rtlCol="0" fromWordArt="0" anchor="ctr" anchorCtr="0" forceAA="0" compatLnSpc="1">
+            <a:prstTxWarp prst="textNoShape">
+              <a:avLst/>
+            </a:prstTxWarp>
+            <a:noAutofit/>
+          </a:bodyPr>
+          <a:lstStyle/>
+          <a:p>
+            <a:pPr algn="ctr"/>
+            <a:r>
+              <a:rPr lang="ko-KR" altLang="en-US" sz="1000" b="1" dirty="0" err="1">
+                <a:solidFill>
+                  <a:schemeClr val="tx1"/>
+                </a:solidFill>
+              </a:rPr>
+              <a:t>일반동물</a:t>
+            </a:r>
+            <a:r>
+              <a:rPr lang="ko-KR" altLang="en-US" sz="1000" b="1" dirty="0">
+                <a:solidFill>
+                  <a:schemeClr val="tx1"/>
+                </a:solidFill>
+              </a:rPr>
+              <a:t> 보기</a:t>
+            </a:r>
+          </a:p>
+        </p:txBody>
+      </p:sp>
+      <p:sp>
+        <p:nvSpPr>
+          <p:cNvPr id="21" name="직사각형 20"/>
+          <p:cNvSpPr/>
+          <p:nvPr/>
+        </p:nvSpPr>
+        <p:spPr>
+          <a:xfrm>
+            <a:off x="4848823" y="3334245"/>
             <a:ext cx="360000" cy="378000"/>
           </a:xfrm>
           <a:prstGeom prst="rect">
@@ -39406,147 +39031,14 @@
           <a:p>
             <a:pPr algn="ctr"/>
             <a:r>
-              <a:rPr lang="ko-KR" altLang="en-US" sz="1000" b="1" dirty="0" err="1" smtClean="0">
-                <a:solidFill>
-                  <a:schemeClr val="tx1"/>
-                </a:solidFill>
-              </a:rPr>
-              <a:t>예약현황</a:t>
-            </a:r>
-            <a:endParaRPr lang="ko-KR" altLang="en-US" sz="1000" b="1" dirty="0" smtClean="0">
-              <a:solidFill>
-                <a:schemeClr val="tx1"/>
-              </a:solidFill>
-            </a:endParaRPr>
-          </a:p>
-        </p:txBody>
-      </p:sp>
-      <p:sp>
-        <p:nvSpPr>
-          <p:cNvPr id="20" name="직사각형 19"/>
-          <p:cNvSpPr/>
-          <p:nvPr/>
-        </p:nvSpPr>
-        <p:spPr>
-          <a:xfrm>
-            <a:off x="3351981" y="3321416"/>
-            <a:ext cx="528237" cy="378000"/>
-          </a:xfrm>
-          <a:prstGeom prst="rect">
-            <a:avLst/>
-          </a:prstGeom>
-          <a:solidFill>
-            <a:srgbClr val="CDC1B6"/>
-          </a:solidFill>
-          <a:ln>
-            <a:solidFill>
-              <a:srgbClr val="CDC1B6"/>
-            </a:solidFill>
-          </a:ln>
-        </p:spPr>
-        <p:style>
-          <a:lnRef idx="2">
-            <a:schemeClr val="accent1">
-              <a:shade val="50000"/>
-            </a:schemeClr>
-          </a:lnRef>
-          <a:fillRef idx="1">
-            <a:schemeClr val="accent1"/>
-          </a:fillRef>
-          <a:effectRef idx="0">
-            <a:schemeClr val="accent1"/>
-          </a:effectRef>
-          <a:fontRef idx="minor">
-            <a:schemeClr val="lt1"/>
-          </a:fontRef>
-        </p:style>
-        <p:txBody>
-          <a:bodyPr rot="0" spcFirstLastPara="0" vertOverflow="overflow" horzOverflow="overflow" vert="horz" wrap="square" lIns="0" tIns="0" rIns="0" bIns="0" numCol="1" spcCol="0" rtlCol="0" fromWordArt="0" anchor="ctr" anchorCtr="0" forceAA="0" compatLnSpc="1">
-            <a:prstTxWarp prst="textNoShape">
-              <a:avLst/>
-            </a:prstTxWarp>
-            <a:noAutofit/>
-          </a:bodyPr>
-          <a:lstStyle/>
-          <a:p>
-            <a:pPr algn="ctr"/>
-            <a:r>
-              <a:rPr lang="ko-KR" altLang="en-US" sz="1000" b="1" dirty="0" err="1" smtClean="0">
-                <a:solidFill>
-                  <a:schemeClr val="tx1"/>
-                </a:solidFill>
-              </a:rPr>
-              <a:t>일반동물</a:t>
-            </a:r>
-            <a:r>
-              <a:rPr lang="ko-KR" altLang="en-US" sz="1000" b="1" dirty="0" smtClean="0">
-                <a:solidFill>
-                  <a:schemeClr val="tx1"/>
-                </a:solidFill>
-              </a:rPr>
-              <a:t> 보기</a:t>
-            </a:r>
-          </a:p>
-        </p:txBody>
-      </p:sp>
-      <p:sp>
-        <p:nvSpPr>
-          <p:cNvPr id="21" name="직사각형 20"/>
-          <p:cNvSpPr/>
-          <p:nvPr/>
-        </p:nvSpPr>
-        <p:spPr>
-          <a:xfrm>
-            <a:off x="5917735" y="3334245"/>
-            <a:ext cx="360000" cy="378000"/>
-          </a:xfrm>
-          <a:prstGeom prst="rect">
-            <a:avLst/>
-          </a:prstGeom>
-          <a:solidFill>
-            <a:srgbClr val="CDC1B6"/>
-          </a:solidFill>
-          <a:ln>
-            <a:solidFill>
-              <a:srgbClr val="CDC1B6"/>
-            </a:solidFill>
-          </a:ln>
-        </p:spPr>
-        <p:style>
-          <a:lnRef idx="2">
-            <a:schemeClr val="accent1">
-              <a:shade val="50000"/>
-            </a:schemeClr>
-          </a:lnRef>
-          <a:fillRef idx="1">
-            <a:schemeClr val="accent1"/>
-          </a:fillRef>
-          <a:effectRef idx="0">
-            <a:schemeClr val="accent1"/>
-          </a:effectRef>
-          <a:fontRef idx="minor">
-            <a:schemeClr val="lt1"/>
-          </a:fontRef>
-        </p:style>
-        <p:txBody>
-          <a:bodyPr rot="0" spcFirstLastPara="0" vertOverflow="overflow" horzOverflow="overflow" vert="horz" wrap="square" lIns="0" tIns="0" rIns="0" bIns="0" numCol="1" spcCol="0" rtlCol="0" fromWordArt="0" anchor="ctr" anchorCtr="0" forceAA="0" compatLnSpc="1">
-            <a:prstTxWarp prst="textNoShape">
-              <a:avLst/>
-            </a:prstTxWarp>
-            <a:noAutofit/>
-          </a:bodyPr>
-          <a:lstStyle/>
-          <a:p>
-            <a:pPr algn="ctr"/>
-            <a:r>
-              <a:rPr lang="ko-KR" altLang="en-US" sz="1000" b="1" dirty="0" err="1" smtClean="0">
+              <a:rPr lang="ko-KR" altLang="en-US" sz="1000" b="1" dirty="0" err="1">
                 <a:solidFill>
                   <a:schemeClr val="tx1"/>
                 </a:solidFill>
               </a:rPr>
               <a:t>글보기</a:t>
             </a:r>
-            <a:endParaRPr lang="ko-KR" altLang="en-US" sz="1000" b="1" dirty="0" smtClean="0">
+            <a:endParaRPr lang="ko-KR" altLang="en-US" sz="1000" b="1" dirty="0">
               <a:solidFill>
                 <a:schemeClr val="tx1"/>
               </a:solidFill>
@@ -39604,7 +39096,7 @@
           <a:p>
             <a:pPr algn="ctr"/>
             <a:r>
-              <a:rPr lang="ko-KR" altLang="en-US" sz="1000" b="1" dirty="0" smtClean="0">
+              <a:rPr lang="ko-KR" altLang="en-US" sz="1000" b="1" dirty="0">
                 <a:solidFill>
                   <a:schemeClr val="tx1"/>
                 </a:solidFill>
@@ -39616,13 +39108,13 @@
       </p:sp>
       <p:sp>
         <p:nvSpPr>
-          <p:cNvPr id="24" name="직사각형 23"/>
+          <p:cNvPr id="28" name="직사각형 27"/>
           <p:cNvSpPr/>
           <p:nvPr/>
         </p:nvSpPr>
         <p:spPr>
           <a:xfrm>
-            <a:off x="1043608" y="3342620"/>
+            <a:off x="4003652" y="3346926"/>
             <a:ext cx="360000" cy="378000"/>
           </a:xfrm>
           <a:prstGeom prst="rect">
@@ -39664,25 +39156,30 @@
           <a:p>
             <a:pPr algn="ctr"/>
             <a:r>
-              <a:rPr lang="ko-KR" altLang="en-US" sz="1000" b="1" dirty="0" smtClean="0">
+              <a:rPr lang="ko-KR" altLang="en-US" sz="1000" b="1" dirty="0" err="1">
                 <a:solidFill>
                   <a:schemeClr val="tx1"/>
                 </a:solidFill>
               </a:rPr>
-              <a:t>회원탈퇴</a:t>
-            </a:r>
+              <a:t>글수정</a:t>
+            </a:r>
+            <a:endParaRPr lang="ko-KR" altLang="en-US" sz="1000" b="1" dirty="0">
+              <a:solidFill>
+                <a:schemeClr val="tx1"/>
+              </a:solidFill>
+            </a:endParaRPr>
           </a:p>
         </p:txBody>
       </p:sp>
       <p:sp>
         <p:nvSpPr>
-          <p:cNvPr id="26" name="직사각형 25"/>
+          <p:cNvPr id="29" name="직사각형 28"/>
           <p:cNvSpPr/>
           <p:nvPr/>
         </p:nvSpPr>
         <p:spPr>
           <a:xfrm>
-            <a:off x="2816467" y="3338147"/>
+            <a:off x="4416815" y="3345089"/>
             <a:ext cx="360000" cy="378000"/>
           </a:xfrm>
           <a:prstGeom prst="rect">
@@ -39724,85 +39221,30 @@
           <a:p>
             <a:pPr algn="ctr"/>
             <a:r>
-              <a:rPr lang="ko-KR" altLang="en-US" sz="1000" b="1" dirty="0" smtClean="0">
+              <a:rPr lang="ko-KR" altLang="en-US" sz="1000" b="1" dirty="0" err="1">
                 <a:solidFill>
                   <a:schemeClr val="tx1"/>
                 </a:solidFill>
               </a:rPr>
-              <a:t>신청현황</a:t>
-            </a:r>
+              <a:t>글삭제</a:t>
+            </a:r>
+            <a:endParaRPr lang="ko-KR" altLang="en-US" sz="1000" b="1" dirty="0">
+              <a:solidFill>
+                <a:schemeClr val="tx1"/>
+              </a:solidFill>
+            </a:endParaRPr>
           </a:p>
         </p:txBody>
       </p:sp>
       <p:sp>
         <p:nvSpPr>
-          <p:cNvPr id="27" name="직사각형 26"/>
+          <p:cNvPr id="30" name="직사각형 29"/>
           <p:cNvSpPr/>
           <p:nvPr/>
         </p:nvSpPr>
         <p:spPr>
           <a:xfrm>
-            <a:off x="3940257" y="3321417"/>
-            <a:ext cx="555736" cy="378000"/>
-          </a:xfrm>
-          <a:prstGeom prst="rect">
-            <a:avLst/>
-          </a:prstGeom>
-          <a:solidFill>
-            <a:srgbClr val="CDC1B6"/>
-          </a:solidFill>
-          <a:ln>
-            <a:solidFill>
-              <a:srgbClr val="CDC1B6"/>
-            </a:solidFill>
-          </a:ln>
-        </p:spPr>
-        <p:style>
-          <a:lnRef idx="2">
-            <a:schemeClr val="accent1">
-              <a:shade val="50000"/>
-            </a:schemeClr>
-          </a:lnRef>
-          <a:fillRef idx="1">
-            <a:schemeClr val="accent1"/>
-          </a:fillRef>
-          <a:effectRef idx="0">
-            <a:schemeClr val="accent1"/>
-          </a:effectRef>
-          <a:fontRef idx="minor">
-            <a:schemeClr val="lt1"/>
-          </a:fontRef>
-        </p:style>
-        <p:txBody>
-          <a:bodyPr rot="0" spcFirstLastPara="0" vertOverflow="overflow" horzOverflow="overflow" vert="horz" wrap="square" lIns="0" tIns="0" rIns="0" bIns="0" numCol="1" spcCol="0" rtlCol="0" fromWordArt="0" anchor="ctr" anchorCtr="0" forceAA="0" compatLnSpc="1">
-            <a:prstTxWarp prst="textNoShape">
-              <a:avLst/>
-            </a:prstTxWarp>
-            <a:noAutofit/>
-          </a:bodyPr>
-          <a:lstStyle/>
-          <a:p>
-            <a:pPr algn="ctr"/>
-            <a:r>
-              <a:rPr lang="ko-KR" altLang="en-US" sz="1000" b="1" dirty="0" smtClean="0">
-                <a:solidFill>
-                  <a:schemeClr val="tx1"/>
-                </a:solidFill>
-              </a:rPr>
-              <a:t>프리미엄 동물 보기</a:t>
-            </a:r>
-          </a:p>
-        </p:txBody>
-      </p:sp>
-      <p:sp>
-        <p:nvSpPr>
-          <p:cNvPr id="28" name="직사각형 27"/>
-          <p:cNvSpPr/>
-          <p:nvPr/>
-        </p:nvSpPr>
-        <p:spPr>
-          <a:xfrm>
-            <a:off x="5072564" y="3346926"/>
+            <a:off x="5292120" y="3326535"/>
             <a:ext cx="360000" cy="378000"/>
           </a:xfrm>
           <a:prstGeom prst="rect">
@@ -39844,144 +39286,14 @@
           <a:p>
             <a:pPr algn="ctr"/>
             <a:r>
-              <a:rPr lang="ko-KR" altLang="en-US" sz="1000" b="1" dirty="0" err="1" smtClean="0">
-                <a:solidFill>
-                  <a:schemeClr val="tx1"/>
-                </a:solidFill>
-              </a:rPr>
-              <a:t>글수정</a:t>
-            </a:r>
-            <a:endParaRPr lang="ko-KR" altLang="en-US" sz="1000" b="1" dirty="0" smtClean="0">
-              <a:solidFill>
-                <a:schemeClr val="tx1"/>
-              </a:solidFill>
-            </a:endParaRPr>
-          </a:p>
-        </p:txBody>
-      </p:sp>
-      <p:sp>
-        <p:nvSpPr>
-          <p:cNvPr id="29" name="직사각형 28"/>
-          <p:cNvSpPr/>
-          <p:nvPr/>
-        </p:nvSpPr>
-        <p:spPr>
-          <a:xfrm>
-            <a:off x="5485727" y="3345089"/>
-            <a:ext cx="360000" cy="378000"/>
-          </a:xfrm>
-          <a:prstGeom prst="rect">
-            <a:avLst/>
-          </a:prstGeom>
-          <a:solidFill>
-            <a:srgbClr val="CDC1B6"/>
-          </a:solidFill>
-          <a:ln>
-            <a:solidFill>
-              <a:srgbClr val="CDC1B6"/>
-            </a:solidFill>
-          </a:ln>
-        </p:spPr>
-        <p:style>
-          <a:lnRef idx="2">
-            <a:schemeClr val="accent1">
-              <a:shade val="50000"/>
-            </a:schemeClr>
-          </a:lnRef>
-          <a:fillRef idx="1">
-            <a:schemeClr val="accent1"/>
-          </a:fillRef>
-          <a:effectRef idx="0">
-            <a:schemeClr val="accent1"/>
-          </a:effectRef>
-          <a:fontRef idx="minor">
-            <a:schemeClr val="lt1"/>
-          </a:fontRef>
-        </p:style>
-        <p:txBody>
-          <a:bodyPr rot="0" spcFirstLastPara="0" vertOverflow="overflow" horzOverflow="overflow" vert="horz" wrap="square" lIns="0" tIns="0" rIns="0" bIns="0" numCol="1" spcCol="0" rtlCol="0" fromWordArt="0" anchor="ctr" anchorCtr="0" forceAA="0" compatLnSpc="1">
-            <a:prstTxWarp prst="textNoShape">
-              <a:avLst/>
-            </a:prstTxWarp>
-            <a:noAutofit/>
-          </a:bodyPr>
-          <a:lstStyle/>
-          <a:p>
-            <a:pPr algn="ctr"/>
-            <a:r>
-              <a:rPr lang="ko-KR" altLang="en-US" sz="1000" b="1" dirty="0" err="1" smtClean="0">
-                <a:solidFill>
-                  <a:schemeClr val="tx1"/>
-                </a:solidFill>
-              </a:rPr>
-              <a:t>글삭제</a:t>
-            </a:r>
-            <a:endParaRPr lang="ko-KR" altLang="en-US" sz="1000" b="1" dirty="0" smtClean="0">
-              <a:solidFill>
-                <a:schemeClr val="tx1"/>
-              </a:solidFill>
-            </a:endParaRPr>
-          </a:p>
-        </p:txBody>
-      </p:sp>
-      <p:sp>
-        <p:nvSpPr>
-          <p:cNvPr id="30" name="직사각형 29"/>
-          <p:cNvSpPr/>
-          <p:nvPr/>
-        </p:nvSpPr>
-        <p:spPr>
-          <a:xfrm>
-            <a:off x="6361032" y="3326535"/>
-            <a:ext cx="360000" cy="378000"/>
-          </a:xfrm>
-          <a:prstGeom prst="rect">
-            <a:avLst/>
-          </a:prstGeom>
-          <a:solidFill>
-            <a:srgbClr val="CDC1B6"/>
-          </a:solidFill>
-          <a:ln>
-            <a:solidFill>
-              <a:srgbClr val="CDC1B6"/>
-            </a:solidFill>
-          </a:ln>
-        </p:spPr>
-        <p:style>
-          <a:lnRef idx="2">
-            <a:schemeClr val="accent1">
-              <a:shade val="50000"/>
-            </a:schemeClr>
-          </a:lnRef>
-          <a:fillRef idx="1">
-            <a:schemeClr val="accent1"/>
-          </a:fillRef>
-          <a:effectRef idx="0">
-            <a:schemeClr val="accent1"/>
-          </a:effectRef>
-          <a:fontRef idx="minor">
-            <a:schemeClr val="lt1"/>
-          </a:fontRef>
-        </p:style>
-        <p:txBody>
-          <a:bodyPr rot="0" spcFirstLastPara="0" vertOverflow="overflow" horzOverflow="overflow" vert="horz" wrap="square" lIns="0" tIns="0" rIns="0" bIns="0" numCol="1" spcCol="0" rtlCol="0" fromWordArt="0" anchor="ctr" anchorCtr="0" forceAA="0" compatLnSpc="1">
-            <a:prstTxWarp prst="textNoShape">
-              <a:avLst/>
-            </a:prstTxWarp>
-            <a:noAutofit/>
-          </a:bodyPr>
-          <a:lstStyle/>
-          <a:p>
-            <a:pPr algn="ctr"/>
-            <a:r>
-              <a:rPr lang="ko-KR" altLang="en-US" sz="1000" b="1" dirty="0" err="1" smtClean="0">
+              <a:rPr lang="ko-KR" altLang="en-US" sz="1000" b="1" dirty="0" err="1">
                 <a:solidFill>
                   <a:schemeClr val="tx1"/>
                 </a:solidFill>
               </a:rPr>
               <a:t>답변글</a:t>
             </a:r>
-            <a:endParaRPr lang="ko-KR" altLang="en-US" sz="1000" b="1" dirty="0" smtClean="0">
+            <a:endParaRPr lang="ko-KR" altLang="en-US" sz="1000" b="1" dirty="0">
               <a:solidFill>
                 <a:schemeClr val="tx1"/>
               </a:solidFill>
@@ -40039,26 +39351,13 @@
           <a:p>
             <a:pPr algn="ctr"/>
             <a:r>
-              <a:rPr lang="ko-KR" altLang="en-US" sz="1000" b="1" dirty="0" smtClean="0">
-                <a:solidFill>
-                  <a:schemeClr val="tx1"/>
-                </a:solidFill>
-              </a:rPr>
-              <a:t>신청작</a:t>
-            </a:r>
-            <a:r>
               <a:rPr lang="ko-KR" altLang="en-US" sz="1000" b="1" dirty="0">
                 <a:solidFill>
                   <a:schemeClr val="tx1"/>
                 </a:solidFill>
               </a:rPr>
-              <a:t>성</a:t>
-            </a:r>
-            <a:endParaRPr lang="ko-KR" altLang="en-US" sz="1000" b="1" dirty="0" smtClean="0">
-              <a:solidFill>
-                <a:schemeClr val="tx1"/>
-              </a:solidFill>
-            </a:endParaRPr>
+              <a:t>신청작성</a:t>
+            </a:r>
           </a:p>
         </p:txBody>
       </p:sp>
@@ -40112,28 +39411,12 @@
           <a:p>
             <a:pPr algn="ctr"/>
             <a:r>
-              <a:rPr lang="ko-KR" altLang="en-US" sz="1000" b="1" dirty="0" smtClean="0">
-                <a:solidFill>
-                  <a:schemeClr val="tx1"/>
-                </a:solidFill>
-              </a:rPr>
-              <a:t>신</a:t>
-            </a:r>
-            <a:r>
               <a:rPr lang="ko-KR" altLang="en-US" sz="1000" b="1" dirty="0">
                 <a:solidFill>
                   <a:schemeClr val="tx1"/>
                 </a:solidFill>
               </a:rPr>
-              <a:t>청</a:t>
-            </a:r>
-            <a:r>
-              <a:rPr lang="ko-KR" altLang="en-US" sz="1000" b="1" dirty="0" smtClean="0">
-                <a:solidFill>
-                  <a:schemeClr val="tx1"/>
-                </a:solidFill>
-              </a:rPr>
-              <a:t>보기</a:t>
+              <a:t>신청보기</a:t>
             </a:r>
           </a:p>
         </p:txBody>
@@ -40188,28 +39471,12 @@
           <a:p>
             <a:pPr algn="ctr"/>
             <a:r>
-              <a:rPr lang="ko-KR" altLang="en-US" sz="1000" b="1" dirty="0" smtClean="0">
-                <a:solidFill>
-                  <a:schemeClr val="tx1"/>
-                </a:solidFill>
-              </a:rPr>
-              <a:t>신</a:t>
-            </a:r>
-            <a:r>
               <a:rPr lang="ko-KR" altLang="en-US" sz="1000" b="1" dirty="0">
                 <a:solidFill>
                   <a:schemeClr val="tx1"/>
                 </a:solidFill>
               </a:rPr>
-              <a:t>청</a:t>
-            </a:r>
-            <a:r>
-              <a:rPr lang="ko-KR" altLang="en-US" sz="1000" b="1" dirty="0" smtClean="0">
-                <a:solidFill>
-                  <a:schemeClr val="tx1"/>
-                </a:solidFill>
-              </a:rPr>
-              <a:t>수정</a:t>
+              <a:t>신청수정</a:t>
             </a:r>
           </a:p>
         </p:txBody>
@@ -40264,28 +39531,12 @@
           <a:p>
             <a:pPr algn="ctr"/>
             <a:r>
-              <a:rPr lang="ko-KR" altLang="en-US" sz="1000" b="1" dirty="0" smtClean="0">
-                <a:solidFill>
-                  <a:schemeClr val="tx1"/>
-                </a:solidFill>
-              </a:rPr>
-              <a:t>신</a:t>
-            </a:r>
-            <a:r>
               <a:rPr lang="ko-KR" altLang="en-US" sz="1000" b="1" dirty="0">
                 <a:solidFill>
                   <a:schemeClr val="tx1"/>
                 </a:solidFill>
               </a:rPr>
-              <a:t>청</a:t>
-            </a:r>
-            <a:r>
-              <a:rPr lang="ko-KR" altLang="en-US" sz="1000" b="1" dirty="0" smtClean="0">
-                <a:solidFill>
-                  <a:schemeClr val="tx1"/>
-                </a:solidFill>
-              </a:rPr>
-              <a:t>삭제</a:t>
+              <a:t>신청삭제</a:t>
             </a:r>
           </a:p>
         </p:txBody>
@@ -40340,14 +39591,14 @@
           <a:p>
             <a:pPr algn="ctr"/>
             <a:r>
-              <a:rPr lang="ko-KR" altLang="en-US" sz="1000" b="1" dirty="0" err="1" smtClean="0">
+              <a:rPr lang="ko-KR" altLang="en-US" sz="1000" b="1" dirty="0" err="1">
                 <a:solidFill>
                   <a:schemeClr val="tx1"/>
                 </a:solidFill>
               </a:rPr>
               <a:t>답변글</a:t>
             </a:r>
-            <a:endParaRPr lang="ko-KR" altLang="en-US" sz="1000" b="1" dirty="0" smtClean="0">
+            <a:endParaRPr lang="ko-KR" altLang="en-US" sz="1000" b="1" dirty="0">
               <a:solidFill>
                 <a:schemeClr val="tx1"/>
               </a:solidFill>
@@ -40405,18 +39656,18 @@
           <a:p>
             <a:pPr algn="ctr"/>
             <a:r>
-              <a:rPr lang="ko-KR" altLang="en-US" sz="1000" b="1" dirty="0" smtClean="0"/>
+              <a:rPr lang="ko-KR" altLang="en-US" sz="1000" b="1" dirty="0"/>
               <a:t>로그인</a:t>
             </a:r>
             <a:r>
-              <a:rPr lang="en-US" altLang="ko-KR" sz="1000" b="1" dirty="0" smtClean="0"/>
+              <a:rPr lang="en-US" altLang="ko-KR" sz="1000" b="1" dirty="0"/>
               <a:t>/</a:t>
             </a:r>
           </a:p>
           <a:p>
             <a:pPr algn="ctr"/>
             <a:r>
-              <a:rPr lang="ko-KR" altLang="en-US" sz="1000" b="1" dirty="0" smtClean="0"/>
+              <a:rPr lang="ko-KR" altLang="en-US" sz="1000" b="1" dirty="0"/>
               <a:t>로그아웃</a:t>
             </a:r>
           </a:p>
@@ -40502,45 +39753,6 @@
       </p:cxnSp>
       <p:cxnSp>
         <p:nvCxnSpPr>
-          <p:cNvPr id="69" name="꺾인 연결선 68"/>
-          <p:cNvCxnSpPr>
-            <a:stCxn id="12" idx="2"/>
-            <a:endCxn id="24" idx="0"/>
-          </p:cNvCxnSpPr>
-          <p:nvPr/>
-        </p:nvCxnSpPr>
-        <p:spPr>
-          <a:xfrm rot="16200000" flipH="1">
-            <a:off x="676770" y="2795781"/>
-            <a:ext cx="699250" cy="394428"/>
-          </a:xfrm>
-          <a:prstGeom prst="bentConnector3">
-            <a:avLst/>
-          </a:prstGeom>
-          <a:ln w="12700">
-            <a:solidFill>
-              <a:srgbClr val="756B5F"/>
-            </a:solidFill>
-            <a:tailEnd type="none"/>
-          </a:ln>
-        </p:spPr>
-        <p:style>
-          <a:lnRef idx="1">
-            <a:schemeClr val="accent1"/>
-          </a:lnRef>
-          <a:fillRef idx="0">
-            <a:schemeClr val="accent1"/>
-          </a:fillRef>
-          <a:effectRef idx="0">
-            <a:schemeClr val="accent1"/>
-          </a:effectRef>
-          <a:fontRef idx="minor">
-            <a:schemeClr val="tx1"/>
-          </a:fontRef>
-        </p:style>
-      </p:cxnSp>
-      <p:cxnSp>
-        <p:nvCxnSpPr>
           <p:cNvPr id="73" name="꺾인 연결선 72"/>
           <p:cNvCxnSpPr>
             <a:stCxn id="9" idx="2"/>
@@ -40582,6 +39794,7 @@
         <p:nvCxnSpPr>
           <p:cNvPr id="81" name="꺾인 연결선 80"/>
           <p:cNvCxnSpPr>
+            <a:cxnSpLocks/>
             <a:stCxn id="9" idx="2"/>
             <a:endCxn id="16" idx="0"/>
           </p:cNvCxnSpPr>
@@ -40825,7 +40038,7 @@
         </p:nvCxnSpPr>
         <p:spPr>
           <a:xfrm rot="16200000" flipH="1">
-            <a:off x="5495709" y="2732219"/>
+            <a:off x="4426797" y="2732219"/>
             <a:ext cx="740484" cy="463567"/>
           </a:xfrm>
           <a:prstGeom prst="bentConnector3">
@@ -40864,7 +40077,7 @@
         </p:nvCxnSpPr>
         <p:spPr>
           <a:xfrm rot="5400000">
-            <a:off x="4852506" y="2565263"/>
+            <a:off x="3783594" y="2565263"/>
             <a:ext cx="753165" cy="810160"/>
           </a:xfrm>
           <a:prstGeom prst="bentConnector3">
@@ -40903,7 +40116,7 @@
         </p:nvCxnSpPr>
         <p:spPr>
           <a:xfrm rot="16200000" flipH="1">
-            <a:off x="5274283" y="2953645"/>
+            <a:off x="4205371" y="2953645"/>
             <a:ext cx="751328" cy="31559"/>
           </a:xfrm>
           <a:prstGeom prst="bentConnector3">
@@ -40942,125 +40155,8 @@
         </p:nvCxnSpPr>
         <p:spPr>
           <a:xfrm rot="5400000">
-            <a:off x="5066784" y="2779541"/>
+            <a:off x="3997872" y="2779541"/>
             <a:ext cx="753165" cy="381604"/>
-          </a:xfrm>
-          <a:prstGeom prst="bentConnector3">
-            <a:avLst/>
-          </a:prstGeom>
-          <a:ln w="12700">
-            <a:solidFill>
-              <a:srgbClr val="756B5F"/>
-            </a:solidFill>
-            <a:tailEnd type="none"/>
-          </a:ln>
-        </p:spPr>
-        <p:style>
-          <a:lnRef idx="1">
-            <a:schemeClr val="accent1"/>
-          </a:lnRef>
-          <a:fillRef idx="0">
-            <a:schemeClr val="accent1"/>
-          </a:fillRef>
-          <a:effectRef idx="0">
-            <a:schemeClr val="accent1"/>
-          </a:effectRef>
-          <a:fontRef idx="minor">
-            <a:schemeClr val="tx1"/>
-          </a:fontRef>
-        </p:style>
-      </p:cxnSp>
-      <p:cxnSp>
-        <p:nvCxnSpPr>
-          <p:cNvPr id="108" name="꺾인 연결선 107"/>
-          <p:cNvCxnSpPr>
-            <a:stCxn id="14" idx="2"/>
-            <a:endCxn id="27" idx="0"/>
-          </p:cNvCxnSpPr>
-          <p:nvPr/>
-        </p:nvCxnSpPr>
-        <p:spPr>
-          <a:xfrm rot="16200000" flipH="1">
-            <a:off x="3767096" y="2870387"/>
-            <a:ext cx="727657" cy="174402"/>
-          </a:xfrm>
-          <a:prstGeom prst="bentConnector3">
-            <a:avLst/>
-          </a:prstGeom>
-          <a:ln w="12700">
-            <a:solidFill>
-              <a:srgbClr val="756B5F"/>
-            </a:solidFill>
-            <a:tailEnd type="none"/>
-          </a:ln>
-        </p:spPr>
-        <p:style>
-          <a:lnRef idx="1">
-            <a:schemeClr val="accent1"/>
-          </a:lnRef>
-          <a:fillRef idx="0">
-            <a:schemeClr val="accent1"/>
-          </a:fillRef>
-          <a:effectRef idx="0">
-            <a:schemeClr val="accent1"/>
-          </a:effectRef>
-          <a:fontRef idx="minor">
-            <a:schemeClr val="tx1"/>
-          </a:fontRef>
-        </p:style>
-      </p:cxnSp>
-      <p:cxnSp>
-        <p:nvCxnSpPr>
-          <p:cNvPr id="110" name="꺾인 연결선 109"/>
-          <p:cNvCxnSpPr>
-            <a:stCxn id="14" idx="2"/>
-            <a:endCxn id="20" idx="0"/>
-          </p:cNvCxnSpPr>
-          <p:nvPr/>
-        </p:nvCxnSpPr>
-        <p:spPr>
-          <a:xfrm rot="5400000">
-            <a:off x="3466084" y="2743777"/>
-            <a:ext cx="727656" cy="427623"/>
-          </a:xfrm>
-          <a:prstGeom prst="bentConnector3">
-            <a:avLst/>
-          </a:prstGeom>
-          <a:ln w="12700">
-            <a:solidFill>
-              <a:srgbClr val="756B5F"/>
-            </a:solidFill>
-            <a:tailEnd type="none"/>
-          </a:ln>
-        </p:spPr>
-        <p:style>
-          <a:lnRef idx="1">
-            <a:schemeClr val="accent1"/>
-          </a:lnRef>
-          <a:fillRef idx="0">
-            <a:schemeClr val="accent1"/>
-          </a:fillRef>
-          <a:effectRef idx="0">
-            <a:schemeClr val="accent1"/>
-          </a:effectRef>
-          <a:fontRef idx="minor">
-            <a:schemeClr val="tx1"/>
-          </a:fontRef>
-        </p:style>
-      </p:cxnSp>
-      <p:cxnSp>
-        <p:nvCxnSpPr>
-          <p:cNvPr id="112" name="꺾인 연결선 111"/>
-          <p:cNvCxnSpPr>
-            <a:stCxn id="13" idx="2"/>
-            <a:endCxn id="26" idx="0"/>
-          </p:cNvCxnSpPr>
-          <p:nvPr/>
-        </p:nvCxnSpPr>
-        <p:spPr>
-          <a:xfrm rot="16200000" flipH="1">
-            <a:off x="2428875" y="2770552"/>
-            <a:ext cx="719581" cy="415608"/>
           </a:xfrm>
           <a:prstGeom prst="bentConnector3">
             <a:avLst/>
@@ -41167,44 +40263,6 @@
       </p:cxnSp>
       <p:cxnSp>
         <p:nvCxnSpPr>
-          <p:cNvPr id="8" name="직선 연결선 7"/>
-          <p:cNvCxnSpPr>
-            <a:stCxn id="13" idx="0"/>
-          </p:cNvCxnSpPr>
-          <p:nvPr/>
-        </p:nvCxnSpPr>
-        <p:spPr>
-          <a:xfrm flipV="1">
-            <a:off x="2580862" y="2043092"/>
-            <a:ext cx="1" cy="197475"/>
-          </a:xfrm>
-          <a:prstGeom prst="line">
-            <a:avLst/>
-          </a:prstGeom>
-          <a:ln w="12700">
-            <a:solidFill>
-              <a:srgbClr val="756B5F"/>
-            </a:solidFill>
-            <a:tailEnd type="none"/>
-          </a:ln>
-        </p:spPr>
-        <p:style>
-          <a:lnRef idx="1">
-            <a:schemeClr val="accent1"/>
-          </a:lnRef>
-          <a:fillRef idx="0">
-            <a:schemeClr val="accent1"/>
-          </a:fillRef>
-          <a:effectRef idx="0">
-            <a:schemeClr val="accent1"/>
-          </a:effectRef>
-          <a:fontRef idx="minor">
-            <a:schemeClr val="tx1"/>
-          </a:fontRef>
-        </p:style>
-      </p:cxnSp>
-      <p:cxnSp>
-        <p:nvCxnSpPr>
           <p:cNvPr id="43" name="직선 연결선 42"/>
           <p:cNvCxnSpPr>
             <a:stCxn id="11" idx="0"/>
@@ -41213,7 +40271,7 @@
         </p:nvCxnSpPr>
         <p:spPr>
           <a:xfrm flipV="1">
-            <a:off x="5634171" y="2043091"/>
+            <a:off x="4565259" y="2043091"/>
             <a:ext cx="1" cy="172670"/>
           </a:xfrm>
           <a:prstGeom prst="line">
@@ -41289,9 +40347,9 @@
           <p:nvPr/>
         </p:nvCxnSpPr>
         <p:spPr>
-          <a:xfrm rot="5400000">
-            <a:off x="466973" y="2968000"/>
-            <a:ext cx="686839" cy="37580"/>
+          <a:xfrm rot="16200000" flipH="1">
+            <a:off x="675161" y="2797390"/>
+            <a:ext cx="702507" cy="394468"/>
           </a:xfrm>
           <a:prstGeom prst="bentConnector3">
             <a:avLst/>
@@ -41329,47 +40387,8 @@
         </p:nvCxnSpPr>
         <p:spPr>
           <a:xfrm rot="16200000" flipH="1">
-            <a:off x="5721213" y="2506716"/>
+            <a:off x="4652301" y="2506716"/>
             <a:ext cx="732774" cy="906864"/>
-          </a:xfrm>
-          <a:prstGeom prst="bentConnector3">
-            <a:avLst/>
-          </a:prstGeom>
-          <a:ln w="12700">
-            <a:solidFill>
-              <a:srgbClr val="756B5F"/>
-            </a:solidFill>
-            <a:tailEnd type="none"/>
-          </a:ln>
-        </p:spPr>
-        <p:style>
-          <a:lnRef idx="1">
-            <a:schemeClr val="accent1"/>
-          </a:lnRef>
-          <a:fillRef idx="0">
-            <a:schemeClr val="accent1"/>
-          </a:fillRef>
-          <a:effectRef idx="0">
-            <a:schemeClr val="accent1"/>
-          </a:effectRef>
-          <a:fontRef idx="minor">
-            <a:schemeClr val="tx1"/>
-          </a:fontRef>
-        </p:style>
-      </p:cxnSp>
-      <p:cxnSp>
-        <p:nvCxnSpPr>
-          <p:cNvPr id="22" name="꺾인 연결선 21"/>
-          <p:cNvCxnSpPr>
-            <a:stCxn id="13" idx="2"/>
-            <a:endCxn id="19" idx="0"/>
-          </p:cNvCxnSpPr>
-          <p:nvPr/>
-        </p:nvCxnSpPr>
-        <p:spPr>
-          <a:xfrm rot="5400000">
-            <a:off x="2113613" y="2866998"/>
-            <a:ext cx="715679" cy="218815"/>
           </a:xfrm>
           <a:prstGeom prst="bentConnector3">
             <a:avLst/>
@@ -41406,8 +40425,54 @@
         </p:nvCxnSpPr>
         <p:spPr>
           <a:xfrm flipH="1" flipV="1">
-            <a:off x="4042371" y="2043091"/>
+            <a:off x="2670102" y="2043091"/>
             <a:ext cx="1352" cy="172669"/>
+          </a:xfrm>
+          <a:prstGeom prst="line">
+            <a:avLst/>
+          </a:prstGeom>
+          <a:ln w="12700">
+            <a:solidFill>
+              <a:srgbClr val="756B5F"/>
+            </a:solidFill>
+            <a:tailEnd type="none"/>
+          </a:ln>
+        </p:spPr>
+        <p:style>
+          <a:lnRef idx="1">
+            <a:schemeClr val="accent1"/>
+          </a:lnRef>
+          <a:fillRef idx="0">
+            <a:schemeClr val="accent1"/>
+          </a:fillRef>
+          <a:effectRef idx="0">
+            <a:schemeClr val="accent1"/>
+          </a:effectRef>
+          <a:fontRef idx="minor">
+            <a:schemeClr val="tx1"/>
+          </a:fontRef>
+        </p:style>
+      </p:cxnSp>
+      <p:cxnSp>
+        <p:nvCxnSpPr>
+          <p:cNvPr id="7" name="직선 연결선 6">
+            <a:extLst>
+              <a:ext uri="{FF2B5EF4-FFF2-40B4-BE49-F238E27FC236}">
+                <a16:creationId xmlns:a16="http://schemas.microsoft.com/office/drawing/2014/main" id="{F9967A74-B64C-D4DA-EBD5-D2C6EEF58146}"/>
+              </a:ext>
+            </a:extLst>
+          </p:cNvPr>
+          <p:cNvCxnSpPr>
+            <a:cxnSpLocks/>
+            <a:stCxn id="14" idx="2"/>
+            <a:endCxn id="20" idx="0"/>
+          </p:cNvCxnSpPr>
+          <p:nvPr/>
+        </p:nvCxnSpPr>
+        <p:spPr>
+          <a:xfrm>
+            <a:off x="2671454" y="2593760"/>
+            <a:ext cx="4425" cy="752118"/>
           </a:xfrm>
           <a:prstGeom prst="line">
             <a:avLst/>
@@ -41444,13 +40509,6 @@
   <p:clrMapOvr>
     <a:masterClrMapping/>
   </p:clrMapOvr>
-  <p:timing>
-    <p:tnLst>
-      <p:par>
-        <p:cTn id="1" dur="indefinite" restart="never" nodeType="tmRoot"/>
-      </p:par>
-    </p:tnLst>
-  </p:timing>
 </p:sld>
 </file>
 
@@ -41518,7 +40576,7 @@
           <a:lstStyle/>
           <a:p>
             <a:r>
-              <a:rPr lang="en-US" altLang="ko-KR" b="1" dirty="0" smtClean="0">
+              <a:rPr lang="en-US" altLang="ko-KR" b="1" dirty="0">
                 <a:solidFill>
                   <a:srgbClr val="756B5F"/>
                 </a:solidFill>
@@ -41526,20 +40584,12 @@
               <a:t>3.  </a:t>
             </a:r>
             <a:r>
-              <a:rPr lang="ko-KR" altLang="en-US" b="1" dirty="0" smtClean="0">
-                <a:solidFill>
-                  <a:srgbClr val="756B5F"/>
-                </a:solidFill>
-              </a:rPr>
-              <a:t>작업분할구조</a:t>
-            </a:r>
-            <a:r>
               <a:rPr lang="ko-KR" altLang="en-US" b="1" dirty="0">
                 <a:solidFill>
                   <a:srgbClr val="756B5F"/>
                 </a:solidFill>
               </a:rPr>
-              <a:t>도</a:t>
+              <a:t>작업분할구조도</a:t>
             </a:r>
           </a:p>
         </p:txBody>
@@ -41567,7 +40617,7 @@
           <a:lstStyle/>
           <a:p>
             <a:r>
-              <a:rPr lang="en-US" altLang="ko-KR" sz="1200" b="1" dirty="0" smtClean="0">
+              <a:rPr lang="en-US" altLang="ko-KR" sz="1200" b="1" dirty="0">
                 <a:solidFill>
                   <a:srgbClr val="756B5F"/>
                 </a:solidFill>
@@ -41575,7 +40625,7 @@
               <a:t>(</a:t>
             </a:r>
             <a:r>
-              <a:rPr lang="ko-KR" altLang="en-US" sz="1200" b="1" dirty="0" smtClean="0">
+              <a:rPr lang="ko-KR" altLang="en-US" sz="1200" b="1" dirty="0">
                 <a:solidFill>
                   <a:srgbClr val="756B5F"/>
                 </a:solidFill>
@@ -41583,7 +40633,7 @@
               <a:t>관리자 모드 측 </a:t>
             </a:r>
             <a:r>
-              <a:rPr lang="en-US" altLang="ko-KR" sz="1200" b="1" dirty="0" smtClean="0">
+              <a:rPr lang="en-US" altLang="ko-KR" sz="1200" b="1" dirty="0">
                 <a:solidFill>
                   <a:srgbClr val="756B5F"/>
                 </a:solidFill>
@@ -41648,10 +40698,10 @@
           <a:p>
             <a:pPr algn="ctr"/>
             <a:r>
-              <a:rPr lang="ko-KR" altLang="en-US" sz="1000" b="1" dirty="0" smtClean="0"/>
+              <a:rPr lang="ko-KR" altLang="en-US" sz="1000" b="1" dirty="0"/>
               <a:t>반려</a:t>
             </a:r>
-            <a:endParaRPr lang="en-US" altLang="ko-KR" sz="1000" b="1" dirty="0" smtClean="0"/>
+            <a:endParaRPr lang="en-US" altLang="ko-KR" sz="1000" b="1" dirty="0"/>
           </a:p>
         </p:txBody>
       </p:sp>
@@ -41705,14 +40755,9 @@
           <a:p>
             <a:pPr algn="ctr"/>
             <a:r>
-              <a:rPr lang="ko-KR" altLang="en-US" sz="1000" b="1" dirty="0" smtClean="0"/>
-              <a:t>이용</a:t>
-            </a:r>
-            <a:r>
               <a:rPr lang="ko-KR" altLang="en-US" sz="1000" b="1" dirty="0"/>
-              <a:t>자</a:t>
-            </a:r>
-            <a:endParaRPr lang="ko-KR" altLang="en-US" sz="1000" b="1" dirty="0" smtClean="0"/>
+              <a:t>이용자</a:t>
+            </a:r>
           </a:p>
         </p:txBody>
       </p:sp>
@@ -41766,7 +40811,7 @@
           <a:p>
             <a:pPr algn="ctr"/>
             <a:r>
-              <a:rPr lang="ko-KR" altLang="en-US" sz="1000" b="1" dirty="0" smtClean="0"/>
+              <a:rPr lang="ko-KR" altLang="en-US" sz="1000" b="1" dirty="0"/>
               <a:t>관리자</a:t>
             </a:r>
           </a:p>
@@ -41822,7 +40867,7 @@
           <a:p>
             <a:pPr algn="ctr"/>
             <a:r>
-              <a:rPr lang="ko-KR" altLang="en-US" sz="1000" b="1" dirty="0" smtClean="0"/>
+              <a:rPr lang="ko-KR" altLang="en-US" sz="1000" b="1" dirty="0"/>
               <a:t>분양 게시판</a:t>
             </a:r>
           </a:p>
@@ -41878,7 +40923,7 @@
           <a:p>
             <a:pPr algn="ctr"/>
             <a:r>
-              <a:rPr lang="ko-KR" altLang="en-US" sz="1000" b="1" dirty="0" smtClean="0"/>
+              <a:rPr lang="ko-KR" altLang="en-US" sz="1000" b="1" dirty="0"/>
               <a:t>관리자관리</a:t>
             </a:r>
           </a:p>
@@ -41934,22 +40979,17 @@
           <a:p>
             <a:pPr algn="ctr"/>
             <a:r>
-              <a:rPr lang="ko-KR" altLang="en-US" sz="1000" b="1" dirty="0" smtClean="0"/>
+              <a:rPr lang="ko-KR" altLang="en-US" sz="1000" b="1" dirty="0"/>
               <a:t>회원</a:t>
             </a:r>
-            <a:endParaRPr lang="en-US" altLang="ko-KR" sz="1000" b="1" dirty="0" smtClean="0"/>
+            <a:endParaRPr lang="en-US" altLang="ko-KR" sz="1000" b="1" dirty="0"/>
           </a:p>
           <a:p>
             <a:pPr algn="ctr"/>
             <a:r>
-              <a:rPr lang="ko-KR" altLang="en-US" sz="1000" b="1" dirty="0" smtClean="0"/>
-              <a:t>관</a:t>
-            </a:r>
-            <a:r>
               <a:rPr lang="ko-KR" altLang="en-US" sz="1000" b="1" dirty="0"/>
-              <a:t>리</a:t>
-            </a:r>
-            <a:endParaRPr lang="ko-KR" altLang="en-US" sz="1000" b="1" dirty="0" smtClean="0"/>
+              <a:t>관리</a:t>
+            </a:r>
           </a:p>
         </p:txBody>
       </p:sp>
@@ -41961,7 +41001,7 @@
         </p:nvSpPr>
         <p:spPr>
           <a:xfrm>
-            <a:off x="4522382" y="2215760"/>
+            <a:off x="4522382" y="2283718"/>
             <a:ext cx="536577" cy="427610"/>
           </a:xfrm>
           <a:prstGeom prst="rect">
@@ -42003,10 +41043,10 @@
           <a:p>
             <a:pPr algn="ctr"/>
             <a:r>
-              <a:rPr lang="ko-KR" altLang="en-US" sz="1000" b="1" dirty="0" smtClean="0"/>
+              <a:rPr lang="ko-KR" altLang="en-US" sz="1000" b="1" dirty="0"/>
               <a:t>반려동물관리</a:t>
             </a:r>
-            <a:endParaRPr lang="en-US" altLang="ko-KR" sz="1000" b="1" dirty="0" smtClean="0"/>
+            <a:endParaRPr lang="en-US" altLang="ko-KR" sz="1000" b="1" dirty="0"/>
           </a:p>
         </p:txBody>
       </p:sp>
@@ -42060,14 +41100,14 @@
           <a:p>
             <a:pPr algn="ctr"/>
             <a:r>
-              <a:rPr lang="ko-KR" altLang="en-US" sz="1000" b="1" dirty="0" err="1" smtClean="0">
+              <a:rPr lang="ko-KR" altLang="en-US" sz="1000" b="1" dirty="0" err="1">
                 <a:solidFill>
                   <a:schemeClr val="tx1"/>
                 </a:solidFill>
               </a:rPr>
               <a:t>글작성</a:t>
             </a:r>
-            <a:endParaRPr lang="ko-KR" altLang="en-US" sz="1000" b="1" dirty="0" smtClean="0">
+            <a:endParaRPr lang="ko-KR" altLang="en-US" sz="1000" b="1" dirty="0">
               <a:solidFill>
                 <a:schemeClr val="tx1"/>
               </a:solidFill>
@@ -42125,7 +41165,7 @@
           <a:p>
             <a:pPr algn="ctr"/>
             <a:r>
-              <a:rPr lang="ko-KR" altLang="en-US" sz="1000" b="1" dirty="0" smtClean="0">
+              <a:rPr lang="ko-KR" altLang="en-US" sz="1000" b="1" dirty="0">
                 <a:solidFill>
                   <a:schemeClr val="tx1"/>
                 </a:solidFill>
@@ -42185,14 +41225,14 @@
           <a:p>
             <a:pPr algn="ctr"/>
             <a:r>
-              <a:rPr lang="ko-KR" altLang="en-US" sz="1000" b="1" dirty="0" smtClean="0">
+              <a:rPr lang="ko-KR" altLang="en-US" sz="1000" b="1" dirty="0">
                 <a:solidFill>
                   <a:schemeClr val="tx1"/>
                 </a:solidFill>
               </a:rPr>
               <a:t>회원</a:t>
             </a:r>
-            <a:endParaRPr lang="en-US" altLang="ko-KR" sz="1000" b="1" dirty="0" smtClean="0">
+            <a:endParaRPr lang="en-US" altLang="ko-KR" sz="1000" b="1" dirty="0">
               <a:solidFill>
                 <a:schemeClr val="tx1"/>
               </a:solidFill>
@@ -42201,85 +41241,12 @@
           <a:p>
             <a:pPr algn="ctr"/>
             <a:r>
-              <a:rPr lang="ko-KR" altLang="en-US" sz="1000" b="1" dirty="0" smtClean="0">
-                <a:solidFill>
-                  <a:schemeClr val="tx1"/>
-                </a:solidFill>
-              </a:rPr>
-              <a:t>강</a:t>
-            </a:r>
-            <a:r>
               <a:rPr lang="ko-KR" altLang="en-US" sz="1000" b="1" dirty="0">
                 <a:solidFill>
                   <a:schemeClr val="tx1"/>
                 </a:solidFill>
               </a:rPr>
-              <a:t>등</a:t>
-            </a:r>
-            <a:endParaRPr lang="ko-KR" altLang="en-US" sz="1000" b="1" dirty="0" smtClean="0">
-              <a:solidFill>
-                <a:schemeClr val="tx1"/>
-              </a:solidFill>
-            </a:endParaRPr>
-          </a:p>
-        </p:txBody>
-      </p:sp>
-      <p:sp>
-        <p:nvSpPr>
-          <p:cNvPr id="20" name="직사각형 19"/>
-          <p:cNvSpPr/>
-          <p:nvPr/>
-        </p:nvSpPr>
-        <p:spPr>
-          <a:xfrm>
-            <a:off x="4821421" y="3317181"/>
-            <a:ext cx="565164" cy="378000"/>
-          </a:xfrm>
-          <a:prstGeom prst="rect">
-            <a:avLst/>
-          </a:prstGeom>
-          <a:solidFill>
-            <a:srgbClr val="CDC1B6"/>
-          </a:solidFill>
-          <a:ln>
-            <a:solidFill>
-              <a:srgbClr val="CDC1B6"/>
-            </a:solidFill>
-          </a:ln>
-        </p:spPr>
-        <p:style>
-          <a:lnRef idx="2">
-            <a:schemeClr val="accent1">
-              <a:shade val="50000"/>
-            </a:schemeClr>
-          </a:lnRef>
-          <a:fillRef idx="1">
-            <a:schemeClr val="accent1"/>
-          </a:fillRef>
-          <a:effectRef idx="0">
-            <a:schemeClr val="accent1"/>
-          </a:effectRef>
-          <a:fontRef idx="minor">
-            <a:schemeClr val="lt1"/>
-          </a:fontRef>
-        </p:style>
-        <p:txBody>
-          <a:bodyPr rot="0" spcFirstLastPara="0" vertOverflow="overflow" horzOverflow="overflow" vert="horz" wrap="square" lIns="0" tIns="0" rIns="0" bIns="0" numCol="1" spcCol="0" rtlCol="0" fromWordArt="0" anchor="ctr" anchorCtr="0" forceAA="0" compatLnSpc="1">
-            <a:prstTxWarp prst="textNoShape">
-              <a:avLst/>
-            </a:prstTxWarp>
-            <a:noAutofit/>
-          </a:bodyPr>
-          <a:lstStyle/>
-          <a:p>
-            <a:pPr algn="ctr"/>
-            <a:r>
-              <a:rPr lang="ko-KR" altLang="en-US" sz="1000" b="1" dirty="0" smtClean="0">
-                <a:solidFill>
-                  <a:schemeClr val="tx1"/>
-                </a:solidFill>
-              </a:rPr>
-              <a:t>프리미엄 동물 등록</a:t>
+              <a:t>강등</a:t>
             </a:r>
           </a:p>
         </p:txBody>
@@ -42334,14 +41301,14 @@
           <a:p>
             <a:pPr algn="ctr"/>
             <a:r>
-              <a:rPr lang="ko-KR" altLang="en-US" sz="1000" b="1" dirty="0" err="1" smtClean="0">
+              <a:rPr lang="ko-KR" altLang="en-US" sz="1000" b="1" dirty="0" err="1">
                 <a:solidFill>
                   <a:schemeClr val="tx1"/>
                 </a:solidFill>
               </a:rPr>
               <a:t>글보기</a:t>
             </a:r>
-            <a:endParaRPr lang="ko-KR" altLang="en-US" sz="1000" b="1" dirty="0" smtClean="0">
+            <a:endParaRPr lang="ko-KR" altLang="en-US" sz="1000" b="1" dirty="0">
               <a:solidFill>
                 <a:schemeClr val="tx1"/>
               </a:solidFill>
@@ -42399,14 +41366,14 @@
           <a:p>
             <a:pPr algn="ctr"/>
             <a:r>
-              <a:rPr lang="ko-KR" altLang="en-US" sz="1000" b="1" dirty="0" err="1" smtClean="0">
+              <a:rPr lang="ko-KR" altLang="en-US" sz="1000" b="1" dirty="0" err="1">
                 <a:solidFill>
                   <a:schemeClr val="tx1"/>
                 </a:solidFill>
               </a:rPr>
               <a:t>관리자등록</a:t>
             </a:r>
-            <a:endParaRPr lang="ko-KR" altLang="en-US" sz="1000" b="1" dirty="0" smtClean="0">
+            <a:endParaRPr lang="ko-KR" altLang="en-US" sz="1000" b="1" dirty="0">
               <a:solidFill>
                 <a:schemeClr val="tx1"/>
               </a:solidFill>
@@ -42464,14 +41431,14 @@
           <a:p>
             <a:pPr algn="ctr"/>
             <a:r>
-              <a:rPr lang="ko-KR" altLang="en-US" sz="1000" b="1" dirty="0" smtClean="0">
+              <a:rPr lang="ko-KR" altLang="en-US" sz="1000" b="1" dirty="0">
                 <a:solidFill>
                   <a:schemeClr val="tx1"/>
                 </a:solidFill>
               </a:rPr>
               <a:t>회원</a:t>
             </a:r>
-            <a:endParaRPr lang="en-US" altLang="ko-KR" sz="1000" b="1" dirty="0" smtClean="0">
+            <a:endParaRPr lang="en-US" altLang="ko-KR" sz="1000" b="1" dirty="0">
               <a:solidFill>
                 <a:schemeClr val="tx1"/>
               </a:solidFill>
@@ -42480,26 +41447,13 @@
           <a:p>
             <a:pPr algn="ctr"/>
             <a:r>
-              <a:rPr lang="ko-KR" altLang="en-US" sz="1000" b="1" dirty="0" smtClean="0">
-                <a:solidFill>
-                  <a:schemeClr val="tx1"/>
-                </a:solidFill>
-              </a:rPr>
-              <a:t>검</a:t>
-            </a:r>
-            <a:r>
               <a:rPr lang="ko-KR" altLang="en-US" sz="1000" b="1" dirty="0">
                 <a:solidFill>
                   <a:schemeClr val="tx1"/>
                 </a:solidFill>
               </a:rPr>
-              <a:t>색</a:t>
-            </a:r>
-            <a:endParaRPr lang="ko-KR" altLang="en-US" sz="1000" b="1" dirty="0" smtClean="0">
-              <a:solidFill>
-                <a:schemeClr val="tx1"/>
-              </a:solidFill>
-            </a:endParaRPr>
+              <a:t>검색</a:t>
+            </a:r>
           </a:p>
         </p:txBody>
       </p:sp>
@@ -42553,14 +41507,14 @@
           <a:p>
             <a:pPr algn="ctr"/>
             <a:r>
-              <a:rPr lang="ko-KR" altLang="en-US" sz="1000" b="1" dirty="0" err="1" smtClean="0">
+              <a:rPr lang="ko-KR" altLang="en-US" sz="1000" b="1" dirty="0" err="1">
                 <a:solidFill>
                   <a:schemeClr val="tx1"/>
                 </a:solidFill>
               </a:rPr>
               <a:t>글수정</a:t>
             </a:r>
-            <a:endParaRPr lang="ko-KR" altLang="en-US" sz="1000" b="1" dirty="0" smtClean="0">
+            <a:endParaRPr lang="ko-KR" altLang="en-US" sz="1000" b="1" dirty="0">
               <a:solidFill>
                 <a:schemeClr val="tx1"/>
               </a:solidFill>
@@ -42618,14 +41572,14 @@
           <a:p>
             <a:pPr algn="ctr"/>
             <a:r>
-              <a:rPr lang="ko-KR" altLang="en-US" sz="1000" b="1" dirty="0" err="1" smtClean="0">
+              <a:rPr lang="ko-KR" altLang="en-US" sz="1000" b="1" dirty="0" err="1">
                 <a:solidFill>
                   <a:schemeClr val="tx1"/>
                 </a:solidFill>
               </a:rPr>
               <a:t>글삭제</a:t>
             </a:r>
-            <a:endParaRPr lang="ko-KR" altLang="en-US" sz="1000" b="1" dirty="0" smtClean="0">
+            <a:endParaRPr lang="ko-KR" altLang="en-US" sz="1000" b="1" dirty="0">
               <a:solidFill>
                 <a:schemeClr val="tx1"/>
               </a:solidFill>
@@ -42683,18 +41637,18 @@
           <a:p>
             <a:pPr algn="ctr"/>
             <a:r>
-              <a:rPr lang="ko-KR" altLang="en-US" sz="1000" b="1" dirty="0" smtClean="0"/>
+              <a:rPr lang="ko-KR" altLang="en-US" sz="1000" b="1" dirty="0"/>
               <a:t>로그인</a:t>
             </a:r>
             <a:r>
-              <a:rPr lang="en-US" altLang="ko-KR" sz="1000" b="1" dirty="0" smtClean="0"/>
+              <a:rPr lang="en-US" altLang="ko-KR" sz="1000" b="1" dirty="0"/>
               <a:t>/</a:t>
             </a:r>
           </a:p>
           <a:p>
             <a:pPr algn="ctr"/>
             <a:r>
-              <a:rPr lang="ko-KR" altLang="en-US" sz="1000" b="1" dirty="0" smtClean="0"/>
+              <a:rPr lang="ko-KR" altLang="en-US" sz="1000" b="1" dirty="0"/>
               <a:t>로그아웃</a:t>
             </a:r>
           </a:p>
@@ -43014,45 +41968,6 @@
       </p:cxnSp>
       <p:cxnSp>
         <p:nvCxnSpPr>
-          <p:cNvPr id="110" name="꺾인 연결선 109"/>
-          <p:cNvCxnSpPr>
-            <a:stCxn id="14" idx="2"/>
-            <a:endCxn id="20" idx="0"/>
-          </p:cNvCxnSpPr>
-          <p:nvPr/>
-        </p:nvCxnSpPr>
-        <p:spPr>
-          <a:xfrm rot="16200000" flipH="1">
-            <a:off x="4610432" y="2823609"/>
-            <a:ext cx="673811" cy="313332"/>
-          </a:xfrm>
-          <a:prstGeom prst="bentConnector3">
-            <a:avLst/>
-          </a:prstGeom>
-          <a:ln w="12700">
-            <a:solidFill>
-              <a:srgbClr val="756B5F"/>
-            </a:solidFill>
-            <a:tailEnd type="none"/>
-          </a:ln>
-        </p:spPr>
-        <p:style>
-          <a:lnRef idx="1">
-            <a:schemeClr val="accent1"/>
-          </a:lnRef>
-          <a:fillRef idx="0">
-            <a:schemeClr val="accent1"/>
-          </a:fillRef>
-          <a:effectRef idx="0">
-            <a:schemeClr val="accent1"/>
-          </a:effectRef>
-          <a:fontRef idx="minor">
-            <a:schemeClr val="tx1"/>
-          </a:fontRef>
-        </p:style>
-      </p:cxnSp>
-      <p:cxnSp>
-        <p:nvCxnSpPr>
           <p:cNvPr id="116" name="꺾인 연결선 115"/>
           <p:cNvCxnSpPr>
             <a:stCxn id="13" idx="2"/>
@@ -43176,7 +42091,7 @@
         </p:nvSpPr>
         <p:spPr>
           <a:xfrm>
-            <a:off x="4002211" y="4179989"/>
+            <a:off x="3995936" y="3795886"/>
             <a:ext cx="583450" cy="378000"/>
           </a:xfrm>
           <a:prstGeom prst="rect">
@@ -43218,78 +42133,13 @@
           <a:p>
             <a:pPr algn="ctr"/>
             <a:r>
-              <a:rPr lang="ko-KR" altLang="en-US" sz="1000" b="1" dirty="0" smtClean="0">
+              <a:rPr lang="ko-KR" altLang="en-US" sz="1000" b="1" dirty="0">
                 <a:solidFill>
                   <a:schemeClr val="tx1"/>
                 </a:solidFill>
               </a:rPr>
               <a:t>일반 동물 삭제</a:t>
             </a:r>
-          </a:p>
-        </p:txBody>
-      </p:sp>
-      <p:sp>
-        <p:nvSpPr>
-          <p:cNvPr id="88" name="직사각형 87"/>
-          <p:cNvSpPr/>
-          <p:nvPr/>
-        </p:nvSpPr>
-        <p:spPr>
-          <a:xfrm>
-            <a:off x="4938361" y="4179989"/>
-            <a:ext cx="623905" cy="378000"/>
-          </a:xfrm>
-          <a:prstGeom prst="rect">
-            <a:avLst/>
-          </a:prstGeom>
-          <a:solidFill>
-            <a:srgbClr val="CDC1B6"/>
-          </a:solidFill>
-          <a:ln>
-            <a:solidFill>
-              <a:srgbClr val="CDC1B6"/>
-            </a:solidFill>
-          </a:ln>
-        </p:spPr>
-        <p:style>
-          <a:lnRef idx="2">
-            <a:schemeClr val="accent1">
-              <a:shade val="50000"/>
-            </a:schemeClr>
-          </a:lnRef>
-          <a:fillRef idx="1">
-            <a:schemeClr val="accent1"/>
-          </a:fillRef>
-          <a:effectRef idx="0">
-            <a:schemeClr val="accent1"/>
-          </a:effectRef>
-          <a:fontRef idx="minor">
-            <a:schemeClr val="lt1"/>
-          </a:fontRef>
-        </p:style>
-        <p:txBody>
-          <a:bodyPr rot="0" spcFirstLastPara="0" vertOverflow="overflow" horzOverflow="overflow" vert="horz" wrap="square" lIns="0" tIns="0" rIns="0" bIns="0" numCol="1" spcCol="0" rtlCol="0" fromWordArt="0" anchor="ctr" anchorCtr="0" forceAA="0" compatLnSpc="1">
-            <a:prstTxWarp prst="textNoShape">
-              <a:avLst/>
-            </a:prstTxWarp>
-            <a:noAutofit/>
-          </a:bodyPr>
-          <a:lstStyle/>
-          <a:p>
-            <a:pPr algn="ctr"/>
-            <a:r>
-              <a:rPr lang="ko-KR" altLang="en-US" sz="1000" b="1" dirty="0" smtClean="0">
-                <a:solidFill>
-                  <a:schemeClr val="tx1"/>
-                </a:solidFill>
-              </a:rPr>
-              <a:t>프리미엄 동물 삭제</a:t>
-            </a:r>
-            <a:endParaRPr lang="en-US" altLang="ko-KR" sz="1000" b="1" dirty="0" smtClean="0">
-              <a:solidFill>
-                <a:schemeClr val="tx1"/>
-              </a:solidFill>
-            </a:endParaRPr>
           </a:p>
         </p:txBody>
       </p:sp>
@@ -43301,7 +42151,7 @@
         </p:nvSpPr>
         <p:spPr>
           <a:xfrm>
-            <a:off x="3995936" y="3317181"/>
+            <a:off x="4499992" y="3003798"/>
             <a:ext cx="596001" cy="370956"/>
           </a:xfrm>
           <a:prstGeom prst="rect">
@@ -43343,7 +42193,7 @@
           <a:p>
             <a:pPr algn="ctr"/>
             <a:r>
-              <a:rPr lang="ko-KR" altLang="en-US" sz="1000" b="1" dirty="0" smtClean="0">
+              <a:rPr lang="ko-KR" altLang="en-US" sz="1000" b="1" dirty="0">
                 <a:solidFill>
                   <a:schemeClr val="tx1"/>
                 </a:solidFill>
@@ -43364,47 +42214,8 @@
         </p:nvCxnSpPr>
         <p:spPr>
           <a:xfrm rot="5400000">
-            <a:off x="4048011" y="3934063"/>
-            <a:ext cx="491852" cy="1"/>
-          </a:xfrm>
-          <a:prstGeom prst="bentConnector3">
-            <a:avLst/>
-          </a:prstGeom>
-          <a:ln w="12700">
-            <a:solidFill>
-              <a:srgbClr val="756B5F"/>
-            </a:solidFill>
-            <a:tailEnd type="none"/>
-          </a:ln>
-        </p:spPr>
-        <p:style>
-          <a:lnRef idx="1">
-            <a:schemeClr val="accent1"/>
-          </a:lnRef>
-          <a:fillRef idx="0">
-            <a:schemeClr val="accent1"/>
-          </a:fillRef>
-          <a:effectRef idx="0">
-            <a:schemeClr val="accent1"/>
-          </a:effectRef>
-          <a:fontRef idx="minor">
-            <a:schemeClr val="tx1"/>
-          </a:fontRef>
-        </p:style>
-      </p:cxnSp>
-      <p:cxnSp>
-        <p:nvCxnSpPr>
-          <p:cNvPr id="62" name="꺾인 연결선 61"/>
-          <p:cNvCxnSpPr>
-            <a:stCxn id="20" idx="2"/>
-            <a:endCxn id="88" idx="0"/>
-          </p:cNvCxnSpPr>
-          <p:nvPr/>
-        </p:nvCxnSpPr>
-        <p:spPr>
-          <a:xfrm rot="16200000" flipH="1">
-            <a:off x="4934754" y="3864429"/>
-            <a:ext cx="484808" cy="146311"/>
+            <a:off x="4332261" y="3330154"/>
+            <a:ext cx="421132" cy="510332"/>
           </a:xfrm>
           <a:prstGeom prst="bentConnector3">
             <a:avLst/>
@@ -43514,14 +42325,15 @@
         <p:nvCxnSpPr>
           <p:cNvPr id="35" name="직선 연결선 34"/>
           <p:cNvCxnSpPr>
+            <a:cxnSpLocks/>
             <a:stCxn id="14" idx="0"/>
           </p:cNvCxnSpPr>
           <p:nvPr/>
         </p:nvCxnSpPr>
         <p:spPr>
-          <a:xfrm flipH="1" flipV="1">
-            <a:off x="4788024" y="2050557"/>
-            <a:ext cx="2647" cy="165203"/>
+          <a:xfrm flipV="1">
+            <a:off x="4790671" y="2050558"/>
+            <a:ext cx="0" cy="233160"/>
           </a:xfrm>
           <a:prstGeom prst="line">
             <a:avLst/>
@@ -43558,9 +42370,9 @@
           <p:nvPr/>
         </p:nvCxnSpPr>
         <p:spPr>
-          <a:xfrm rot="5400000">
-            <a:off x="4205399" y="2731908"/>
-            <a:ext cx="673811" cy="496734"/>
+          <a:xfrm rot="16200000" flipH="1">
+            <a:off x="4648097" y="2853902"/>
+            <a:ext cx="292470" cy="7322"/>
           </a:xfrm>
           <a:prstGeom prst="bentConnector3">
             <a:avLst/>
@@ -43717,7 +42529,7 @@
           <a:p>
             <a:pPr algn="ctr"/>
             <a:r>
-              <a:rPr lang="ko-KR" altLang="en-US" sz="1000" b="1" dirty="0" smtClean="0"/>
+              <a:rPr lang="ko-KR" altLang="en-US" sz="1000" b="1" dirty="0"/>
               <a:t>공지사항</a:t>
             </a:r>
           </a:p>
@@ -43773,7 +42585,7 @@
           <a:p>
             <a:pPr algn="ctr"/>
             <a:r>
-              <a:rPr lang="ko-KR" altLang="en-US" sz="1000" b="1" dirty="0" smtClean="0">
+              <a:rPr lang="ko-KR" altLang="en-US" sz="1000" b="1" dirty="0">
                 <a:solidFill>
                   <a:schemeClr val="tx1"/>
                 </a:solidFill>
@@ -43913,14 +42725,14 @@
           <a:p>
             <a:pPr algn="ctr"/>
             <a:r>
-              <a:rPr lang="ko-KR" altLang="en-US" sz="1000" b="1" dirty="0" smtClean="0">
+              <a:rPr lang="ko-KR" altLang="en-US" sz="1000" b="1" dirty="0">
                 <a:solidFill>
                   <a:schemeClr val="tx1"/>
                 </a:solidFill>
               </a:rPr>
               <a:t>글 수정</a:t>
             </a:r>
-            <a:endParaRPr lang="en-US" altLang="ko-KR" sz="1000" b="1" dirty="0" smtClean="0">
+            <a:endParaRPr lang="en-US" altLang="ko-KR" sz="1000" b="1" dirty="0">
               <a:solidFill>
                 <a:schemeClr val="tx1"/>
               </a:solidFill>
@@ -43928,6 +42740,123 @@
           </a:p>
         </p:txBody>
       </p:sp>
+      <p:sp>
+        <p:nvSpPr>
+          <p:cNvPr id="50" name="직사각형 49">
+            <a:extLst>
+              <a:ext uri="{FF2B5EF4-FFF2-40B4-BE49-F238E27FC236}">
+                <a16:creationId xmlns:a16="http://schemas.microsoft.com/office/drawing/2014/main" id="{8F941814-B5D5-F1DA-B066-C89B90372343}"/>
+              </a:ext>
+            </a:extLst>
+          </p:cNvPr>
+          <p:cNvSpPr/>
+          <p:nvPr/>
+        </p:nvSpPr>
+        <p:spPr>
+          <a:xfrm>
+            <a:off x="4767234" y="3788842"/>
+            <a:ext cx="583450" cy="378000"/>
+          </a:xfrm>
+          <a:prstGeom prst="rect">
+            <a:avLst/>
+          </a:prstGeom>
+          <a:solidFill>
+            <a:srgbClr val="CDC1B6"/>
+          </a:solidFill>
+          <a:ln>
+            <a:solidFill>
+              <a:srgbClr val="CDC1B6"/>
+            </a:solidFill>
+          </a:ln>
+        </p:spPr>
+        <p:style>
+          <a:lnRef idx="2">
+            <a:schemeClr val="accent1">
+              <a:shade val="50000"/>
+            </a:schemeClr>
+          </a:lnRef>
+          <a:fillRef idx="1">
+            <a:schemeClr val="accent1"/>
+          </a:fillRef>
+          <a:effectRef idx="0">
+            <a:schemeClr val="accent1"/>
+          </a:effectRef>
+          <a:fontRef idx="minor">
+            <a:schemeClr val="lt1"/>
+          </a:fontRef>
+        </p:style>
+        <p:txBody>
+          <a:bodyPr rot="0" spcFirstLastPara="0" vertOverflow="overflow" horzOverflow="overflow" vert="horz" wrap="square" lIns="0" tIns="0" rIns="0" bIns="0" numCol="1" spcCol="0" rtlCol="0" fromWordArt="0" anchor="ctr" anchorCtr="0" forceAA="0" compatLnSpc="1">
+            <a:prstTxWarp prst="textNoShape">
+              <a:avLst/>
+            </a:prstTxWarp>
+            <a:noAutofit/>
+          </a:bodyPr>
+          <a:lstStyle/>
+          <a:p>
+            <a:pPr algn="ctr"/>
+            <a:r>
+              <a:rPr lang="ko-KR" altLang="en-US" sz="1000" b="1" dirty="0">
+                <a:solidFill>
+                  <a:schemeClr val="tx1"/>
+                </a:solidFill>
+              </a:rPr>
+              <a:t>일반 동물 수정</a:t>
+            </a:r>
+            <a:endParaRPr lang="en-US" altLang="ko-KR" sz="1000" b="1" dirty="0">
+              <a:solidFill>
+                <a:schemeClr val="tx1"/>
+              </a:solidFill>
+            </a:endParaRPr>
+          </a:p>
+        </p:txBody>
+      </p:sp>
+      <p:cxnSp>
+        <p:nvCxnSpPr>
+          <p:cNvPr id="8" name="연결선: 꺾임 7">
+            <a:extLst>
+              <a:ext uri="{FF2B5EF4-FFF2-40B4-BE49-F238E27FC236}">
+                <a16:creationId xmlns:a16="http://schemas.microsoft.com/office/drawing/2014/main" id="{F8086892-5163-C126-4838-A4FCB6CB2767}"/>
+              </a:ext>
+            </a:extLst>
+          </p:cNvPr>
+          <p:cNvCxnSpPr>
+            <a:cxnSpLocks/>
+            <a:stCxn id="90" idx="2"/>
+            <a:endCxn id="50" idx="0"/>
+          </p:cNvCxnSpPr>
+          <p:nvPr/>
+        </p:nvCxnSpPr>
+        <p:spPr>
+          <a:xfrm rot="16200000" flipH="1">
+            <a:off x="4721432" y="3451315"/>
+            <a:ext cx="414088" cy="260966"/>
+          </a:xfrm>
+          <a:prstGeom prst="bentConnector3">
+            <a:avLst/>
+          </a:prstGeom>
+          <a:ln w="12700">
+            <a:solidFill>
+              <a:srgbClr val="756B5F"/>
+            </a:solidFill>
+            <a:tailEnd type="none"/>
+          </a:ln>
+        </p:spPr>
+        <p:style>
+          <a:lnRef idx="1">
+            <a:schemeClr val="accent1"/>
+          </a:lnRef>
+          <a:fillRef idx="0">
+            <a:schemeClr val="accent1"/>
+          </a:fillRef>
+          <a:effectRef idx="0">
+            <a:schemeClr val="accent1"/>
+          </a:effectRef>
+          <a:fontRef idx="minor">
+            <a:schemeClr val="tx1"/>
+          </a:fontRef>
+        </p:style>
+      </p:cxnSp>
     </p:spTree>
     <p:extLst>
       <p:ext uri="{BB962C8B-B14F-4D97-AF65-F5344CB8AC3E}">
@@ -43938,13 +42867,6 @@
   <p:clrMapOvr>
     <a:masterClrMapping/>
   </p:clrMapOvr>
-  <p:timing>
-    <p:tnLst>
-      <p:par>
-        <p:cTn id="1" dur="indefinite" restart="never" nodeType="tmRoot"/>
-      </p:par>
-    </p:tnLst>
-  </p:timing>
 </p:sld>
 </file>
 
@@ -44012,7 +42934,7 @@
           <a:lstStyle/>
           <a:p>
             <a:r>
-              <a:rPr lang="en-US" altLang="ko-KR" b="1" dirty="0" smtClean="0">
+              <a:rPr lang="en-US" altLang="ko-KR" b="1" dirty="0">
                 <a:solidFill>
                   <a:srgbClr val="756B5F"/>
                 </a:solidFill>
@@ -44020,20 +42942,12 @@
               <a:t>3.  </a:t>
             </a:r>
             <a:r>
-              <a:rPr lang="ko-KR" altLang="en-US" b="1" dirty="0" smtClean="0">
-                <a:solidFill>
-                  <a:srgbClr val="756B5F"/>
-                </a:solidFill>
-              </a:rPr>
-              <a:t>작업분할구조</a:t>
-            </a:r>
-            <a:r>
               <a:rPr lang="ko-KR" altLang="en-US" b="1" dirty="0">
                 <a:solidFill>
                   <a:srgbClr val="756B5F"/>
                 </a:solidFill>
               </a:rPr>
-              <a:t>도</a:t>
+              <a:t>작업분할구조도</a:t>
             </a:r>
           </a:p>
         </p:txBody>
@@ -44061,7 +42975,7 @@
           <a:lstStyle/>
           <a:p>
             <a:r>
-              <a:rPr lang="en-US" altLang="ko-KR" sz="1200" b="1" dirty="0" smtClean="0">
+              <a:rPr lang="en-US" altLang="ko-KR" sz="1200" b="1" dirty="0">
                 <a:solidFill>
                   <a:srgbClr val="756B5F"/>
                 </a:solidFill>
@@ -44069,7 +42983,7 @@
               <a:t>(</a:t>
             </a:r>
             <a:r>
-              <a:rPr lang="ko-KR" altLang="en-US" sz="1200" b="1" dirty="0" smtClean="0">
+              <a:rPr lang="ko-KR" altLang="en-US" sz="1200" b="1" dirty="0">
                 <a:solidFill>
                   <a:srgbClr val="756B5F"/>
                 </a:solidFill>
@@ -44077,7 +42991,7 @@
               <a:t>관리자 모드 측 </a:t>
             </a:r>
             <a:r>
-              <a:rPr lang="en-US" altLang="ko-KR" sz="1200" b="1" dirty="0" smtClean="0">
+              <a:rPr lang="en-US" altLang="ko-KR" sz="1200" b="1" dirty="0">
                 <a:solidFill>
                   <a:srgbClr val="756B5F"/>
                 </a:solidFill>
@@ -44142,10 +43056,10 @@
           <a:p>
             <a:pPr algn="ctr"/>
             <a:r>
-              <a:rPr lang="ko-KR" altLang="en-US" sz="1000" b="1" dirty="0" smtClean="0"/>
+              <a:rPr lang="ko-KR" altLang="en-US" sz="1000" b="1" dirty="0"/>
               <a:t>반려</a:t>
             </a:r>
-            <a:endParaRPr lang="en-US" altLang="ko-KR" sz="1000" b="1" dirty="0" smtClean="0"/>
+            <a:endParaRPr lang="en-US" altLang="ko-KR" sz="1000" b="1" dirty="0"/>
           </a:p>
         </p:txBody>
       </p:sp>
@@ -44199,10 +43113,10 @@
           <a:p>
             <a:pPr algn="ctr"/>
             <a:r>
-              <a:rPr lang="ko-KR" altLang="en-US" sz="1000" b="1" dirty="0" smtClean="0"/>
+              <a:rPr lang="ko-KR" altLang="en-US" sz="1000" b="1" dirty="0"/>
               <a:t>관리자</a:t>
             </a:r>
-            <a:endParaRPr lang="en-US" altLang="ko-KR" sz="1000" b="1" dirty="0" smtClean="0"/>
+            <a:endParaRPr lang="en-US" altLang="ko-KR" sz="1000" b="1" dirty="0"/>
           </a:p>
         </p:txBody>
       </p:sp>
@@ -44256,7 +43170,7 @@
           <a:p>
             <a:pPr algn="ctr"/>
             <a:r>
-              <a:rPr lang="ko-KR" altLang="en-US" sz="1000" b="1" dirty="0" smtClean="0"/>
+              <a:rPr lang="ko-KR" altLang="en-US" sz="1000" b="1" dirty="0"/>
               <a:t>비회원</a:t>
             </a:r>
           </a:p>
@@ -44312,10 +43226,10 @@
           <a:p>
             <a:pPr algn="ctr"/>
             <a:r>
-              <a:rPr lang="ko-KR" altLang="en-US" sz="1000" b="1" dirty="0" smtClean="0"/>
+              <a:rPr lang="ko-KR" altLang="en-US" sz="1000" b="1" dirty="0"/>
               <a:t>회원가입</a:t>
             </a:r>
-            <a:endParaRPr lang="en-US" altLang="ko-KR" sz="1000" b="1" dirty="0" smtClean="0"/>
+            <a:endParaRPr lang="en-US" altLang="ko-KR" sz="1000" b="1" dirty="0"/>
           </a:p>
         </p:txBody>
       </p:sp>
@@ -44369,14 +43283,14 @@
           <a:p>
             <a:pPr algn="ctr"/>
             <a:r>
-              <a:rPr lang="ko-KR" altLang="en-US" sz="1000" b="1" dirty="0" smtClean="0"/>
+              <a:rPr lang="ko-KR" altLang="en-US" sz="1000" b="1" dirty="0"/>
               <a:t>자유게시판</a:t>
             </a:r>
-            <a:endParaRPr lang="en-US" altLang="ko-KR" sz="1000" b="1" dirty="0" smtClean="0"/>
+            <a:endParaRPr lang="en-US" altLang="ko-KR" sz="1000" b="1" dirty="0"/>
           </a:p>
           <a:p>
             <a:pPr algn="ctr"/>
-            <a:endParaRPr lang="en-US" altLang="ko-KR" sz="1000" b="1" dirty="0" smtClean="0"/>
+            <a:endParaRPr lang="en-US" altLang="ko-KR" sz="1000" b="1" dirty="0"/>
           </a:p>
         </p:txBody>
       </p:sp>
@@ -44430,7 +43344,7 @@
           <a:p>
             <a:pPr algn="ctr"/>
             <a:r>
-              <a:rPr lang="ko-KR" altLang="en-US" sz="1000" b="1" dirty="0" err="1" smtClean="0">
+              <a:rPr lang="ko-KR" altLang="en-US" sz="1000" b="1" dirty="0" err="1">
                 <a:solidFill>
                   <a:schemeClr val="tx1"/>
                 </a:solidFill>
@@ -44438,7 +43352,7 @@
               <a:t>게시글</a:t>
             </a:r>
             <a:r>
-              <a:rPr lang="ko-KR" altLang="en-US" sz="1000" b="1" dirty="0" smtClean="0">
+              <a:rPr lang="ko-KR" altLang="en-US" sz="1000" b="1" dirty="0">
                 <a:solidFill>
                   <a:schemeClr val="tx1"/>
                 </a:solidFill>
@@ -44498,7 +43412,7 @@
           <a:p>
             <a:pPr algn="ctr"/>
             <a:r>
-              <a:rPr lang="ko-KR" altLang="en-US" sz="1000" b="1" dirty="0" smtClean="0">
+              <a:rPr lang="ko-KR" altLang="en-US" sz="1000" b="1" dirty="0">
                 <a:solidFill>
                   <a:schemeClr val="tx1"/>
                 </a:solidFill>
@@ -44558,18 +43472,18 @@
           <a:p>
             <a:pPr algn="ctr"/>
             <a:r>
-              <a:rPr lang="ko-KR" altLang="en-US" sz="1000" b="1" dirty="0" smtClean="0"/>
+              <a:rPr lang="ko-KR" altLang="en-US" sz="1000" b="1" dirty="0"/>
               <a:t>로그인</a:t>
             </a:r>
             <a:r>
-              <a:rPr lang="en-US" altLang="ko-KR" sz="1000" b="1" dirty="0" smtClean="0"/>
+              <a:rPr lang="en-US" altLang="ko-KR" sz="1000" b="1" dirty="0"/>
               <a:t>/</a:t>
             </a:r>
           </a:p>
           <a:p>
             <a:pPr algn="ctr"/>
             <a:r>
-              <a:rPr lang="ko-KR" altLang="en-US" sz="1000" b="1" dirty="0" smtClean="0"/>
+              <a:rPr lang="ko-KR" altLang="en-US" sz="1000" b="1" dirty="0"/>
               <a:t>로그아웃</a:t>
             </a:r>
           </a:p>
@@ -44941,10 +43855,10 @@
           <a:p>
             <a:pPr algn="ctr"/>
             <a:r>
-              <a:rPr lang="ko-KR" altLang="en-US" sz="1000" b="1" dirty="0" smtClean="0"/>
+              <a:rPr lang="ko-KR" altLang="en-US" sz="1000" b="1" dirty="0"/>
               <a:t>분양 게시판</a:t>
             </a:r>
-            <a:endParaRPr lang="en-US" altLang="ko-KR" sz="1000" b="1" dirty="0" smtClean="0"/>
+            <a:endParaRPr lang="en-US" altLang="ko-KR" sz="1000" b="1" dirty="0"/>
           </a:p>
         </p:txBody>
       </p:sp>
@@ -45037,7 +43951,7 @@
           <a:p>
             <a:pPr algn="ctr"/>
             <a:r>
-              <a:rPr lang="ko-KR" altLang="en-US" sz="1000" b="1" dirty="0" smtClean="0">
+              <a:rPr lang="ko-KR" altLang="en-US" sz="1000" b="1" dirty="0">
                 <a:solidFill>
                   <a:schemeClr val="tx1"/>
                 </a:solidFill>
@@ -45057,13 +43971,6 @@
   <p:clrMapOvr>
     <a:masterClrMapping/>
   </p:clrMapOvr>
-  <p:timing>
-    <p:tnLst>
-      <p:par>
-        <p:cTn id="1" dur="indefinite" restart="never" nodeType="tmRoot"/>
-      </p:par>
-    </p:tnLst>
-  </p:timing>
 </p:sld>
 </file>
 
